--- a/分布式数据库设计（YYDAL）.pptx
+++ b/分布式数据库设计（YYDAL）.pptx
@@ -8,6 +8,10 @@
     <p:sldId id="256" r:id="rId2"/>
     <p:sldId id="257" r:id="rId3"/>
     <p:sldId id="258" r:id="rId4"/>
+    <p:sldId id="262" r:id="rId5"/>
+    <p:sldId id="259" r:id="rId6"/>
+    <p:sldId id="260" r:id="rId7"/>
+    <p:sldId id="261" r:id="rId8"/>
   </p:sldIdLst>
   <p:sldSz cx="9144000" cy="6858000" type="screen4x3"/>
   <p:notesSz cx="6858000" cy="9144000"/>
@@ -290,7 +294,7 @@
           <a:p>
             <a:fld id="{ECE2FCEB-8DCC-6F47-9FFF-C3A31B9F7D5D}" type="datetimeFigureOut">
               <a:rPr kumimoji="1" lang="zh-CN" altLang="en-US" smtClean="0"/>
-              <a:t>14-9-9</a:t>
+              <a:t>15/7/24</a:t>
             </a:fld>
             <a:endParaRPr kumimoji="1" lang="zh-CN" altLang="en-US"/>
           </a:p>
@@ -460,7 +464,7 @@
           <a:p>
             <a:fld id="{ECE2FCEB-8DCC-6F47-9FFF-C3A31B9F7D5D}" type="datetimeFigureOut">
               <a:rPr kumimoji="1" lang="zh-CN" altLang="en-US" smtClean="0"/>
-              <a:t>14-9-9</a:t>
+              <a:t>15/7/24</a:t>
             </a:fld>
             <a:endParaRPr kumimoji="1" lang="zh-CN" altLang="en-US"/>
           </a:p>
@@ -640,7 +644,7 @@
           <a:p>
             <a:fld id="{ECE2FCEB-8DCC-6F47-9FFF-C3A31B9F7D5D}" type="datetimeFigureOut">
               <a:rPr kumimoji="1" lang="zh-CN" altLang="en-US" smtClean="0"/>
-              <a:t>14-9-9</a:t>
+              <a:t>15/7/24</a:t>
             </a:fld>
             <a:endParaRPr kumimoji="1" lang="zh-CN" altLang="en-US"/>
           </a:p>
@@ -810,7 +814,7 @@
           <a:p>
             <a:fld id="{ECE2FCEB-8DCC-6F47-9FFF-C3A31B9F7D5D}" type="datetimeFigureOut">
               <a:rPr kumimoji="1" lang="zh-CN" altLang="en-US" smtClean="0"/>
-              <a:t>14-9-9</a:t>
+              <a:t>15/7/24</a:t>
             </a:fld>
             <a:endParaRPr kumimoji="1" lang="zh-CN" altLang="en-US"/>
           </a:p>
@@ -1056,7 +1060,7 @@
           <a:p>
             <a:fld id="{ECE2FCEB-8DCC-6F47-9FFF-C3A31B9F7D5D}" type="datetimeFigureOut">
               <a:rPr kumimoji="1" lang="zh-CN" altLang="en-US" smtClean="0"/>
-              <a:t>14-9-9</a:t>
+              <a:t>15/7/24</a:t>
             </a:fld>
             <a:endParaRPr kumimoji="1" lang="zh-CN" altLang="en-US"/>
           </a:p>
@@ -1344,7 +1348,7 @@
           <a:p>
             <a:fld id="{ECE2FCEB-8DCC-6F47-9FFF-C3A31B9F7D5D}" type="datetimeFigureOut">
               <a:rPr kumimoji="1" lang="zh-CN" altLang="en-US" smtClean="0"/>
-              <a:t>14-9-9</a:t>
+              <a:t>15/7/24</a:t>
             </a:fld>
             <a:endParaRPr kumimoji="1" lang="zh-CN" altLang="en-US"/>
           </a:p>
@@ -1766,7 +1770,7 @@
           <a:p>
             <a:fld id="{ECE2FCEB-8DCC-6F47-9FFF-C3A31B9F7D5D}" type="datetimeFigureOut">
               <a:rPr kumimoji="1" lang="zh-CN" altLang="en-US" smtClean="0"/>
-              <a:t>14-9-9</a:t>
+              <a:t>15/7/24</a:t>
             </a:fld>
             <a:endParaRPr kumimoji="1" lang="zh-CN" altLang="en-US"/>
           </a:p>
@@ -1884,7 +1888,7 @@
           <a:p>
             <a:fld id="{ECE2FCEB-8DCC-6F47-9FFF-C3A31B9F7D5D}" type="datetimeFigureOut">
               <a:rPr kumimoji="1" lang="zh-CN" altLang="en-US" smtClean="0"/>
-              <a:t>14-9-9</a:t>
+              <a:t>15/7/24</a:t>
             </a:fld>
             <a:endParaRPr kumimoji="1" lang="zh-CN" altLang="en-US"/>
           </a:p>
@@ -1979,7 +1983,7 @@
           <a:p>
             <a:fld id="{ECE2FCEB-8DCC-6F47-9FFF-C3A31B9F7D5D}" type="datetimeFigureOut">
               <a:rPr kumimoji="1" lang="zh-CN" altLang="en-US" smtClean="0"/>
-              <a:t>14-9-9</a:t>
+              <a:t>15/7/24</a:t>
             </a:fld>
             <a:endParaRPr kumimoji="1" lang="zh-CN" altLang="en-US"/>
           </a:p>
@@ -2256,7 +2260,7 @@
           <a:p>
             <a:fld id="{ECE2FCEB-8DCC-6F47-9FFF-C3A31B9F7D5D}" type="datetimeFigureOut">
               <a:rPr kumimoji="1" lang="zh-CN" altLang="en-US" smtClean="0"/>
-              <a:t>14-9-9</a:t>
+              <a:t>15/7/24</a:t>
             </a:fld>
             <a:endParaRPr kumimoji="1" lang="zh-CN" altLang="en-US"/>
           </a:p>
@@ -2509,7 +2513,7 @@
           <a:p>
             <a:fld id="{ECE2FCEB-8DCC-6F47-9FFF-C3A31B9F7D5D}" type="datetimeFigureOut">
               <a:rPr kumimoji="1" lang="zh-CN" altLang="en-US" smtClean="0"/>
-              <a:t>14-9-9</a:t>
+              <a:t>15/7/24</a:t>
             </a:fld>
             <a:endParaRPr kumimoji="1" lang="zh-CN" altLang="en-US"/>
           </a:p>
@@ -2722,7 +2726,7 @@
           <a:p>
             <a:fld id="{ECE2FCEB-8DCC-6F47-9FFF-C3A31B9F7D5D}" type="datetimeFigureOut">
               <a:rPr kumimoji="1" lang="zh-CN" altLang="en-US" smtClean="0"/>
-              <a:t>14-9-9</a:t>
+              <a:t>15/7/24</a:t>
             </a:fld>
             <a:endParaRPr kumimoji="1" lang="zh-CN" altLang="en-US"/>
           </a:p>
@@ -3151,7 +3155,7 @@
                 <a:ea typeface="微软雅黑"/>
                 <a:cs typeface="微软雅黑"/>
               </a:rPr>
-              <a:t>useradmin_instance_0</a:t>
+              <a:t>useradmin_node_0</a:t>
             </a:r>
             <a:r>
               <a:rPr kumimoji="1" lang="zh-CN" altLang="en-US" sz="1400" dirty="0" smtClean="0">
@@ -3229,7 +3233,7 @@
                 <a:ea typeface="微软雅黑"/>
                 <a:cs typeface="微软雅黑"/>
               </a:rPr>
-              <a:t>useradmin_instance_1</a:t>
+              <a:t>useradmin_node_1</a:t>
             </a:r>
             <a:r>
               <a:rPr kumimoji="1" lang="zh-CN" altLang="en-US" sz="1400" dirty="0" smtClean="0">
@@ -3305,7 +3309,7 @@
                 <a:ea typeface="微软雅黑"/>
                 <a:cs typeface="微软雅黑"/>
               </a:rPr>
-              <a:t>(useradmin_node_0)</a:t>
+              <a:t>(useradmin_inst_0)</a:t>
             </a:r>
             <a:endParaRPr kumimoji="1" lang="zh-CN" altLang="en-US" sz="1200" dirty="0">
               <a:latin typeface="微软雅黑"/>
@@ -3367,7 +3371,7 @@
                 <a:ea typeface="微软雅黑"/>
                 <a:cs typeface="微软雅黑"/>
               </a:rPr>
-              <a:t>(useradmin_node_1)</a:t>
+              <a:t>(useradmin_inst_1)</a:t>
             </a:r>
             <a:endParaRPr kumimoji="1" lang="zh-CN" altLang="en-US" sz="1200" dirty="0">
               <a:latin typeface="微软雅黑"/>
@@ -3429,7 +3433,7 @@
                 <a:ea typeface="微软雅黑"/>
                 <a:cs typeface="微软雅黑"/>
               </a:rPr>
-              <a:t>(useradmin_node_0)</a:t>
+              <a:t>(useradmin_inst_0)</a:t>
             </a:r>
             <a:endParaRPr kumimoji="1" lang="zh-CN" altLang="en-US" sz="1200" dirty="0">
               <a:latin typeface="微软雅黑"/>
@@ -3491,7 +3495,7 @@
                 <a:ea typeface="微软雅黑"/>
                 <a:cs typeface="微软雅黑"/>
               </a:rPr>
-              <a:t>(useradmin_node_1)</a:t>
+              <a:t>(useradmin_inst_1)</a:t>
             </a:r>
             <a:endParaRPr kumimoji="1" lang="zh-CN" altLang="en-US" sz="1200" dirty="0">
               <a:latin typeface="微软雅黑"/>
@@ -4390,7 +4394,7 @@
         <p:spPr>
           <a:xfrm>
             <a:off x="3181788" y="3515476"/>
-            <a:ext cx="2711725" cy="276999"/>
+            <a:ext cx="4471822" cy="276999"/>
           </a:xfrm>
           <a:prstGeom prst="rect">
             <a:avLst/>
@@ -4444,7 +4448,84 @@
                 <a:ea typeface="微软雅黑"/>
                 <a:cs typeface="微软雅黑"/>
               </a:rPr>
-              <a:t>SER_ID)%2048</a:t>
+              <a:t>SER_ID)%</a:t>
+            </a:r>
+            <a:r>
+              <a:rPr kumimoji="1" lang="zh-CN" altLang="zh-CN" sz="1200" dirty="0">
+                <a:solidFill>
+                  <a:srgbClr val="FF0000"/>
+                </a:solidFill>
+                <a:latin typeface="微软雅黑"/>
+                <a:ea typeface="微软雅黑"/>
+                <a:cs typeface="微软雅黑"/>
+              </a:rPr>
+              <a:t>8</a:t>
+            </a:r>
+            <a:r>
+              <a:rPr kumimoji="1" lang="zh-CN" altLang="en-US" sz="1200" dirty="0" smtClean="0">
+                <a:solidFill>
+                  <a:srgbClr val="FF0000"/>
+                </a:solidFill>
+                <a:latin typeface="微软雅黑"/>
+                <a:ea typeface="微软雅黑"/>
+                <a:cs typeface="微软雅黑"/>
+              </a:rPr>
+              <a:t>（分表数</a:t>
+            </a:r>
+            <a:r>
+              <a:rPr kumimoji="1" lang="en-US" altLang="zh-CN" sz="1200" dirty="0" smtClean="0">
+                <a:solidFill>
+                  <a:srgbClr val="FF0000"/>
+                </a:solidFill>
+                <a:latin typeface="微软雅黑"/>
+                <a:ea typeface="微软雅黑"/>
+                <a:cs typeface="微软雅黑"/>
+              </a:rPr>
+              <a:t>=</a:t>
+            </a:r>
+            <a:r>
+              <a:rPr kumimoji="1" lang="zh-CN" altLang="en-US" sz="1200" dirty="0" smtClean="0">
+                <a:solidFill>
+                  <a:srgbClr val="FF0000"/>
+                </a:solidFill>
+                <a:latin typeface="微软雅黑"/>
+                <a:ea typeface="微软雅黑"/>
+                <a:cs typeface="微软雅黑"/>
+              </a:rPr>
+              <a:t>实例</a:t>
+            </a:r>
+            <a:r>
+              <a:rPr kumimoji="1" lang="en-US" altLang="zh-CN" sz="1200" dirty="0" smtClean="0">
+                <a:solidFill>
+                  <a:srgbClr val="FF0000"/>
+                </a:solidFill>
+                <a:latin typeface="微软雅黑"/>
+                <a:ea typeface="微软雅黑"/>
+                <a:cs typeface="微软雅黑"/>
+              </a:rPr>
+              <a:t>*</a:t>
+            </a:r>
+            <a:r>
+              <a:rPr kumimoji="1" lang="en-US" altLang="en-US" sz="1200" dirty="0" smtClean="0">
+                <a:solidFill>
+                  <a:srgbClr val="FF0000"/>
+                </a:solidFill>
+                <a:latin typeface="微软雅黑"/>
+                <a:ea typeface="微软雅黑"/>
+                <a:cs typeface="微软雅黑"/>
+              </a:rPr>
+              <a:t>单库中表数</a:t>
+            </a:r>
+            <a:r>
+              <a:rPr kumimoji="1" lang="zh-CN" altLang="en-US" sz="1200" dirty="0" smtClean="0">
+                <a:solidFill>
+                  <a:srgbClr val="FF0000"/>
+                </a:solidFill>
+                <a:latin typeface="微软雅黑"/>
+                <a:ea typeface="微软雅黑"/>
+                <a:cs typeface="微软雅黑"/>
+              </a:rPr>
+              <a:t>）</a:t>
             </a:r>
             <a:endParaRPr kumimoji="1" lang="zh-CN" altLang="en-US" sz="1200" dirty="0">
               <a:solidFill>
@@ -4720,18 +4801,7 @@
                 <a:ea typeface="微软雅黑"/>
                 <a:cs typeface="微软雅黑"/>
               </a:rPr>
-              <a:t>注：确定最大分库表数为</a:t>
-            </a:r>
-            <a:r>
-              <a:rPr kumimoji="1" lang="zh-CN" altLang="zh-CN" dirty="0" smtClean="0">
-                <a:solidFill>
-                  <a:srgbClr val="FF0000"/>
-                </a:solidFill>
-                <a:latin typeface="微软雅黑"/>
-                <a:ea typeface="微软雅黑"/>
-                <a:cs typeface="微软雅黑"/>
-              </a:rPr>
-              <a:t>2</a:t>
+              <a:t>注：2个节点，</a:t>
             </a:r>
             <a:r>
               <a:rPr kumimoji="1" lang="en-US" altLang="zh-CN" dirty="0" smtClean="0">
@@ -4742,7 +4812,7 @@
                 <a:ea typeface="微软雅黑"/>
                 <a:cs typeface="微软雅黑"/>
               </a:rPr>
-              <a:t>048</a:t>
+              <a:t>4</a:t>
             </a:r>
             <a:r>
               <a:rPr kumimoji="1" lang="zh-CN" altLang="en-US" dirty="0" smtClean="0">
@@ -4753,7 +4823,7 @@
                 <a:ea typeface="微软雅黑"/>
                 <a:cs typeface="微软雅黑"/>
               </a:rPr>
-              <a:t>，而实际只有</a:t>
+              <a:t>个实例，</a:t>
             </a:r>
             <a:r>
               <a:rPr kumimoji="1" lang="en-US" altLang="zh-CN" dirty="0" smtClean="0">
@@ -4765,6 +4835,50 @@
                 <a:cs typeface="微软雅黑"/>
               </a:rPr>
               <a:t>8</a:t>
+            </a:r>
+            <a:r>
+              <a:rPr kumimoji="1" lang="zh-CN" altLang="en-US" dirty="0" smtClean="0">
+                <a:solidFill>
+                  <a:srgbClr val="FF0000"/>
+                </a:solidFill>
+                <a:latin typeface="微软雅黑"/>
+                <a:ea typeface="微软雅黑"/>
+                <a:cs typeface="微软雅黑"/>
+              </a:rPr>
+              <a:t>个分表</a:t>
+            </a:r>
+            <a:r>
+              <a:rPr kumimoji="1" lang="en-US" altLang="zh-CN" dirty="0" smtClean="0">
+                <a:solidFill>
+                  <a:srgbClr val="FF0000"/>
+                </a:solidFill>
+                <a:latin typeface="微软雅黑"/>
+                <a:ea typeface="微软雅黑"/>
+                <a:cs typeface="微软雅黑"/>
+              </a:rPr>
+              <a:t>=4</a:t>
+            </a:r>
+            <a:r>
+              <a:rPr kumimoji="1" lang="zh-CN" altLang="en-US" dirty="0" smtClean="0">
+                <a:solidFill>
+                  <a:srgbClr val="FF0000"/>
+                </a:solidFill>
+                <a:latin typeface="微软雅黑"/>
+                <a:ea typeface="微软雅黑"/>
+                <a:cs typeface="微软雅黑"/>
+              </a:rPr>
+              <a:t>*</a:t>
+            </a:r>
+            <a:r>
+              <a:rPr kumimoji="1" lang="en-US" altLang="zh-CN" dirty="0" smtClean="0">
+                <a:solidFill>
+                  <a:srgbClr val="FF0000"/>
+                </a:solidFill>
+                <a:latin typeface="微软雅黑"/>
+                <a:ea typeface="微软雅黑"/>
+                <a:cs typeface="微软雅黑"/>
+              </a:rPr>
+              <a:t>2</a:t>
             </a:r>
             <a:r>
               <a:rPr kumimoji="1" lang="zh-CN" altLang="en-US" dirty="0" smtClean="0">
@@ -5233,10 +5347,10 @@
                 <a:ea typeface="微软雅黑"/>
                 <a:cs typeface="微软雅黑"/>
               </a:rPr>
-              <a:t>:useradmin_node</a:t>
-            </a:r>
-            <a:r>
-              <a:rPr lang="zh-CN" altLang="zh-CN" sz="2400" dirty="0">
+              <a:t>:useradmin_inst</a:t>
+            </a:r>
+            <a:r>
+              <a:rPr lang="zh-CN" altLang="zh-CN" sz="2400" dirty="0" smtClean="0">
                 <a:solidFill>
                   <a:schemeClr val="bg1">
                     <a:lumMod val="95000"/>
@@ -5337,8 +5451,8 @@
         </p:nvSpPr>
         <p:spPr>
           <a:xfrm>
-            <a:off x="277116" y="2705713"/>
-            <a:ext cx="4394813" cy="558000"/>
+            <a:off x="277116" y="2830824"/>
+            <a:ext cx="4394813" cy="307777"/>
           </a:xfrm>
           <a:prstGeom prst="rect">
             <a:avLst/>
@@ -5386,12 +5500,12 @@
               <a:t>:</a:t>
             </a:r>
             <a:r>
-              <a:rPr kumimoji="1" lang="en-US" altLang="zh-CN" sz="1400" dirty="0">
+              <a:rPr kumimoji="1" lang="en-US" altLang="zh-CN" sz="1400" dirty="0" smtClean="0">
                 <a:latin typeface="微软雅黑"/>
                 <a:ea typeface="微软雅黑"/>
                 <a:cs typeface="微软雅黑"/>
               </a:rPr>
-              <a:t>useradmin_node_0</a:t>
+              <a:t>useradmin_inst_0</a:t>
             </a:r>
             <a:endParaRPr kumimoji="1" lang="zh-CN" altLang="en-US" sz="1400" dirty="0">
               <a:latin typeface="微软雅黑"/>
@@ -5472,8 +5586,8 @@
         </p:nvSpPr>
         <p:spPr>
           <a:xfrm>
-            <a:off x="282678" y="3552564"/>
-            <a:ext cx="4394813" cy="558000"/>
+            <a:off x="282678" y="3677675"/>
+            <a:ext cx="4394813" cy="307777"/>
           </a:xfrm>
           <a:prstGeom prst="rect">
             <a:avLst/>
@@ -5526,7 +5640,7 @@
                 <a:ea typeface="微软雅黑"/>
                 <a:cs typeface="微软雅黑"/>
               </a:rPr>
-              <a:t>useradmin_node_1</a:t>
+              <a:t>useradmin_inst_1</a:t>
             </a:r>
             <a:endParaRPr kumimoji="1" lang="zh-CN" altLang="en-US" sz="1400" dirty="0">
               <a:latin typeface="微软雅黑"/>
@@ -5544,8 +5658,8 @@
         </p:nvSpPr>
         <p:spPr>
           <a:xfrm>
-            <a:off x="282678" y="4378068"/>
-            <a:ext cx="4394813" cy="558000"/>
+            <a:off x="282678" y="4503179"/>
+            <a:ext cx="4394813" cy="307777"/>
           </a:xfrm>
           <a:prstGeom prst="rect">
             <a:avLst/>
@@ -5593,12 +5707,12 @@
               <a:t>:</a:t>
             </a:r>
             <a:r>
-              <a:rPr kumimoji="1" lang="en-US" altLang="zh-CN" sz="1400" dirty="0">
+              <a:rPr kumimoji="1" lang="en-US" altLang="zh-CN" sz="1400" dirty="0" smtClean="0">
                 <a:latin typeface="微软雅黑"/>
                 <a:ea typeface="微软雅黑"/>
                 <a:cs typeface="微软雅黑"/>
               </a:rPr>
-              <a:t>useradmin_node_0</a:t>
+              <a:t>useradmin_inst_0</a:t>
             </a:r>
             <a:endParaRPr kumimoji="1" lang="zh-CN" altLang="en-US" sz="1400" dirty="0">
               <a:latin typeface="微软雅黑"/>
@@ -5616,8 +5730,8 @@
         </p:nvSpPr>
         <p:spPr>
           <a:xfrm>
-            <a:off x="282678" y="5222219"/>
-            <a:ext cx="4394813" cy="558000"/>
+            <a:off x="282678" y="5347330"/>
+            <a:ext cx="4394813" cy="307777"/>
           </a:xfrm>
           <a:prstGeom prst="rect">
             <a:avLst/>
@@ -5670,7 +5784,7 @@
                 <a:ea typeface="微软雅黑"/>
                 <a:cs typeface="微软雅黑"/>
               </a:rPr>
-              <a:t>useradmin_node_1</a:t>
+              <a:t>useradmin_inst_1</a:t>
             </a:r>
             <a:endParaRPr kumimoji="1" lang="zh-CN" altLang="en-US" sz="1400" dirty="0">
               <a:latin typeface="微软雅黑"/>
@@ -6132,7 +6246,7 @@
         <p:spPr>
           <a:xfrm>
             <a:off x="5575186" y="6448291"/>
-            <a:ext cx="2492990" cy="369332"/>
+            <a:ext cx="2755607" cy="369332"/>
           </a:xfrm>
           <a:prstGeom prst="rect">
             <a:avLst/>
@@ -6147,7 +6261,7 @@
           <a:p>
             <a:r>
               <a:rPr kumimoji="1" lang="zh-CN" altLang="en-US" b="1" dirty="0" smtClean="0"/>
-              <a:t>逻辑节点（面向应用）</a:t>
+              <a:t>逻辑数据源（面向应用）</a:t>
             </a:r>
             <a:endParaRPr kumimoji="1" lang="zh-CN" altLang="en-US" b="1" dirty="0"/>
           </a:p>
@@ -6841,7 +6955,7 @@
         </p:nvSpPr>
         <p:spPr>
           <a:xfrm>
-            <a:off x="7744971" y="4136840"/>
+            <a:off x="7744971" y="4102820"/>
             <a:ext cx="874909" cy="369332"/>
           </a:xfrm>
           <a:prstGeom prst="rect">
@@ -6993,7 +7107,7 @@
         <p:spPr>
           <a:xfrm flipH="1" flipV="1">
             <a:off x="4677491" y="3831564"/>
-            <a:ext cx="729032" cy="283031"/>
+            <a:ext cx="729032" cy="283032"/>
           </a:xfrm>
           <a:prstGeom prst="straightConnector1">
             <a:avLst/>
@@ -7242,7 +7356,7 @@
         </p:nvSpPr>
         <p:spPr>
           <a:xfrm>
-            <a:off x="7790335" y="4439572"/>
+            <a:off x="7790335" y="4394212"/>
             <a:ext cx="813043" cy="276999"/>
           </a:xfrm>
           <a:prstGeom prst="rect">
@@ -7275,8 +7389,8 @@
         </p:nvSpPr>
         <p:spPr>
           <a:xfrm>
-            <a:off x="6894323" y="2162761"/>
-            <a:ext cx="2351926" cy="369332"/>
+            <a:off x="6723566" y="2000775"/>
+            <a:ext cx="2689220" cy="369332"/>
           </a:xfrm>
           <a:prstGeom prst="rect">
             <a:avLst/>
@@ -7289,7 +7403,7 @@
           <a:lstStyle/>
           <a:p>
             <a:r>
-              <a:rPr kumimoji="1" lang="zh-CN" altLang="en-US" b="1" dirty="0">
+              <a:rPr kumimoji="1" lang="zh-CN" altLang="en-US" b="1" dirty="0" smtClean="0">
                 <a:solidFill>
                   <a:srgbClr val="FF0000"/>
                 </a:solidFill>
@@ -7297,10 +7411,10 @@
                 <a:ea typeface="微软雅黑"/>
                 <a:cs typeface="微软雅黑"/>
               </a:rPr>
-              <a:t>支撑最大</a:t>
-            </a:r>
-            <a:r>
-              <a:rPr kumimoji="1" lang="en-US" altLang="zh-CN" b="1" dirty="0">
+              <a:t>建议支撑最大</a:t>
+            </a:r>
+            <a:r>
+              <a:rPr kumimoji="1" lang="zh-CN" altLang="zh-CN" b="1" dirty="0" smtClean="0">
                 <a:solidFill>
                   <a:srgbClr val="FF0000"/>
                 </a:solidFill>
@@ -7308,10 +7422,10 @@
                 <a:ea typeface="微软雅黑"/>
                 <a:cs typeface="微软雅黑"/>
               </a:rPr>
-              <a:t>2048</a:t>
-            </a:r>
-            <a:r>
-              <a:rPr kumimoji="1" lang="zh-CN" altLang="en-US" b="1" dirty="0">
+              <a:t>2</a:t>
+            </a:r>
+            <a:r>
+              <a:rPr kumimoji="1" lang="en-US" altLang="zh-CN" b="1" dirty="0" smtClean="0">
                 <a:solidFill>
                   <a:srgbClr val="FF0000"/>
                 </a:solidFill>
@@ -7319,13 +7433,58 @@
                 <a:ea typeface="微软雅黑"/>
                 <a:cs typeface="微软雅黑"/>
               </a:rPr>
-              <a:t>个节点</a:t>
+              <a:t>56</a:t>
+            </a:r>
+            <a:r>
+              <a:rPr kumimoji="1" lang="zh-CN" altLang="en-US" b="1" dirty="0" smtClean="0">
+                <a:solidFill>
+                  <a:srgbClr val="FF0000"/>
+                </a:solidFill>
+                <a:latin typeface="微软雅黑"/>
+                <a:ea typeface="微软雅黑"/>
+                <a:cs typeface="微软雅黑"/>
+              </a:rPr>
+              <a:t>个实例</a:t>
             </a:r>
             <a:endParaRPr lang="zh-CN" altLang="en-US" dirty="0">
               <a:solidFill>
                 <a:srgbClr val="FF0000"/>
               </a:solidFill>
             </a:endParaRPr>
+          </a:p>
+        </p:txBody>
+      </p:sp>
+      <p:sp>
+        <p:nvSpPr>
+          <p:cNvPr id="57" name="文本框 56"/>
+          <p:cNvSpPr txBox="1"/>
+          <p:nvPr/>
+        </p:nvSpPr>
+        <p:spPr>
+          <a:xfrm>
+            <a:off x="7335176" y="2723909"/>
+            <a:ext cx="1458302" cy="369332"/>
+          </a:xfrm>
+          <a:prstGeom prst="rect">
+            <a:avLst/>
+          </a:prstGeom>
+          <a:noFill/>
+        </p:spPr>
+        <p:txBody>
+          <a:bodyPr wrap="none" rtlCol="0">
+            <a:spAutoFit/>
+          </a:bodyPr>
+          <a:lstStyle/>
+          <a:p>
+            <a:r>
+              <a:rPr kumimoji="1" lang="zh-CN" altLang="zh-CN" dirty="0"/>
+              <a:t>h</a:t>
+            </a:r>
+            <a:r>
+              <a:rPr kumimoji="1" lang="en-US" altLang="zh-CN" dirty="0" smtClean="0"/>
+              <a:t>ash(user_id)</a:t>
+            </a:r>
+            <a:endParaRPr kumimoji="1" lang="zh-CN" altLang="en-US" dirty="0"/>
           </a:p>
         </p:txBody>
       </p:sp>
@@ -7523,7 +7682,39 @@
                 <a:ea typeface="微软雅黑"/>
                 <a:cs typeface="微软雅黑"/>
               </a:rPr>
-              <a:t>(Ibatis,</a:t>
+              <a:t>(</a:t>
+            </a:r>
+            <a:r>
+              <a:rPr kumimoji="1" lang="en-US" altLang="zh-CN" dirty="0" err="1" smtClean="0">
+                <a:latin typeface="微软雅黑"/>
+                <a:ea typeface="微软雅黑"/>
+                <a:cs typeface="微软雅黑"/>
+              </a:rPr>
+              <a:t>Ibatis</a:t>
+            </a:r>
+            <a:r>
+              <a:rPr kumimoji="1" lang="en-US" altLang="zh-CN" dirty="0" smtClean="0">
+                <a:latin typeface="微软雅黑"/>
+                <a:ea typeface="微软雅黑"/>
+                <a:cs typeface="微软雅黑"/>
+              </a:rPr>
+              <a:t>/</a:t>
+            </a:r>
+            <a:r>
+              <a:rPr kumimoji="1" lang="en-US" altLang="zh-CN" dirty="0" err="1" smtClean="0">
+                <a:latin typeface="微软雅黑"/>
+                <a:ea typeface="微软雅黑"/>
+                <a:cs typeface="微软雅黑"/>
+              </a:rPr>
+              <a:t>mybatis</a:t>
+            </a:r>
+            <a:r>
+              <a:rPr kumimoji="1" lang="en-US" altLang="zh-CN" dirty="0" smtClean="0">
+                <a:latin typeface="微软雅黑"/>
+                <a:ea typeface="微软雅黑"/>
+                <a:cs typeface="微软雅黑"/>
+              </a:rPr>
+              <a:t>,</a:t>
             </a:r>
             <a:r>
               <a:rPr kumimoji="1" lang="zh-CN" altLang="en-US" dirty="0" smtClean="0">
@@ -7691,19 +7882,7 @@
             </a:r>
             <a:r>
               <a:rPr kumimoji="1" lang="en-US" altLang="zh-CN" dirty="0" smtClean="0"/>
-              <a:t>YY</a:t>
-            </a:r>
-            <a:r>
-              <a:rPr kumimoji="1" lang="en-US" altLang="zh-CN" dirty="0" smtClean="0"/>
-              <a:t>DAL</a:t>
-            </a:r>
-            <a:r>
-              <a:rPr kumimoji="1" lang="en-US" altLang="zh-CN" dirty="0" smtClean="0"/>
-              <a:t>-</a:t>
-            </a:r>
-            <a:r>
-              <a:rPr kumimoji="1" lang="en-US" altLang="zh-CN" dirty="0" smtClean="0"/>
-              <a:t>DS</a:t>
+              <a:t>YYDAL-DS</a:t>
             </a:r>
             <a:r>
               <a:rPr kumimoji="1" lang="zh-CN" altLang="en-US" dirty="0" smtClean="0"/>
@@ -7760,19 +7939,7 @@
             </a:r>
             <a:r>
               <a:rPr kumimoji="1" lang="en-US" altLang="zh-CN" dirty="0" smtClean="0"/>
-              <a:t>(</a:t>
-            </a:r>
-            <a:r>
-              <a:rPr kumimoji="1" lang="en-US" altLang="zh-CN" dirty="0" smtClean="0"/>
-              <a:t>YY</a:t>
-            </a:r>
-            <a:r>
-              <a:rPr kumimoji="1" lang="en-US" altLang="zh-CN" dirty="0" smtClean="0"/>
-              <a:t>DAL</a:t>
-            </a:r>
-            <a:r>
-              <a:rPr kumimoji="1" lang="en-US" altLang="zh-CN" dirty="0" smtClean="0"/>
-              <a:t>-PARSE)</a:t>
+              <a:t>(YYDAL-PARSE)</a:t>
             </a:r>
             <a:endParaRPr kumimoji="1" lang="zh-CN" altLang="en-US" dirty="0"/>
           </a:p>
@@ -7817,19 +7984,11 @@
             <a:pPr algn="ctr"/>
             <a:r>
               <a:rPr kumimoji="1" lang="zh-CN" altLang="en-US" dirty="0" smtClean="0"/>
-              <a:t>分库</a:t>
-            </a:r>
-            <a:r>
-              <a:rPr kumimoji="1" lang="zh-CN" altLang="en-US" dirty="0" smtClean="0"/>
-              <a:t>节点管理</a:t>
+              <a:t>分库节点管理</a:t>
             </a:r>
             <a:r>
               <a:rPr kumimoji="1" lang="en-US" altLang="zh-CN" dirty="0" smtClean="0"/>
-              <a:t>(</a:t>
-            </a:r>
-            <a:r>
-              <a:rPr kumimoji="1" lang="en-US" altLang="zh-CN" dirty="0" smtClean="0"/>
-              <a:t>YYDAL-NM)</a:t>
+              <a:t>(YYDAL-NM)</a:t>
             </a:r>
           </a:p>
         </p:txBody>
@@ -7873,11 +8032,7 @@
             <a:pPr algn="ctr"/>
             <a:r>
               <a:rPr kumimoji="1" lang="zh-CN" altLang="en-US" dirty="0" smtClean="0"/>
-              <a:t>路由</a:t>
-            </a:r>
-            <a:r>
-              <a:rPr kumimoji="1" lang="zh-CN" altLang="en-US" dirty="0" smtClean="0"/>
-              <a:t>处理（</a:t>
+              <a:t>路由处理（</a:t>
             </a:r>
             <a:r>
               <a:rPr kumimoji="1" lang="en-US" altLang="zh-CN" dirty="0" smtClean="0"/>
@@ -8414,6 +8569,6392 @@
     <p:extLst>
       <p:ext uri="{BB962C8B-B14F-4D97-AF65-F5344CB8AC3E}">
         <p14:creationId xmlns:p14="http://schemas.microsoft.com/office/powerpoint/2010/main" val="19147515"/>
+      </p:ext>
+    </p:extLst>
+  </p:cSld>
+  <p:clrMapOvr>
+    <a:masterClrMapping/>
+  </p:clrMapOvr>
+</p:sld>
+</file>
+
+<file path=ppt/slides/slide4.xml><?xml version="1.0" encoding="utf-8"?>
+<p:sld xmlns:a="http://schemas.openxmlformats.org/drawingml/2006/main" xmlns:r="http://schemas.openxmlformats.org/officeDocument/2006/relationships" xmlns:p="http://schemas.openxmlformats.org/presentationml/2006/main">
+  <p:cSld>
+    <p:spTree>
+      <p:nvGrpSpPr>
+        <p:cNvPr id="1" name=""/>
+        <p:cNvGrpSpPr/>
+        <p:nvPr/>
+      </p:nvGrpSpPr>
+      <p:grpSpPr>
+        <a:xfrm>
+          <a:off x="0" y="0"/>
+          <a:ext cx="0" cy="0"/>
+          <a:chOff x="0" y="0"/>
+          <a:chExt cx="0" cy="0"/>
+        </a:xfrm>
+      </p:grpSpPr>
+      <p:sp>
+        <p:nvSpPr>
+          <p:cNvPr id="4" name="矩形 3"/>
+          <p:cNvSpPr/>
+          <p:nvPr/>
+        </p:nvSpPr>
+        <p:spPr>
+          <a:xfrm>
+            <a:off x="850473" y="1577590"/>
+            <a:ext cx="2041134" cy="850517"/>
+          </a:xfrm>
+          <a:prstGeom prst="rect">
+            <a:avLst/>
+          </a:prstGeom>
+          <a:solidFill>
+            <a:schemeClr val="accent1">
+              <a:lumMod val="75000"/>
+            </a:schemeClr>
+          </a:solidFill>
+        </p:spPr>
+        <p:style>
+          <a:lnRef idx="1">
+            <a:schemeClr val="accent1"/>
+          </a:lnRef>
+          <a:fillRef idx="3">
+            <a:schemeClr val="accent1"/>
+          </a:fillRef>
+          <a:effectRef idx="2">
+            <a:schemeClr val="accent1"/>
+          </a:effectRef>
+          <a:fontRef idx="minor">
+            <a:schemeClr val="lt1"/>
+          </a:fontRef>
+        </p:style>
+        <p:txBody>
+          <a:bodyPr rtlCol="0" anchor="ctr"/>
+          <a:lstStyle/>
+          <a:p>
+            <a:pPr algn="ctr"/>
+            <a:r>
+              <a:rPr kumimoji="1" lang="zh-CN" altLang="en-US" sz="2000" dirty="0" smtClean="0">
+                <a:latin typeface="Microsoft YaHei"/>
+                <a:ea typeface="Microsoft YaHei"/>
+                <a:cs typeface="Microsoft YaHei"/>
+              </a:rPr>
+              <a:t>数据源定义</a:t>
+            </a:r>
+            <a:endParaRPr kumimoji="1" lang="zh-CN" altLang="en-US" sz="2000" dirty="0">
+              <a:latin typeface="Microsoft YaHei"/>
+              <a:ea typeface="Microsoft YaHei"/>
+              <a:cs typeface="Microsoft YaHei"/>
+            </a:endParaRPr>
+          </a:p>
+        </p:txBody>
+      </p:sp>
+      <p:sp>
+        <p:nvSpPr>
+          <p:cNvPr id="5" name="矩形 4"/>
+          <p:cNvSpPr/>
+          <p:nvPr/>
+        </p:nvSpPr>
+        <p:spPr>
+          <a:xfrm>
+            <a:off x="3531614" y="1577590"/>
+            <a:ext cx="1968112" cy="850517"/>
+          </a:xfrm>
+          <a:prstGeom prst="rect">
+            <a:avLst/>
+          </a:prstGeom>
+          <a:solidFill>
+            <a:schemeClr val="accent1">
+              <a:lumMod val="75000"/>
+            </a:schemeClr>
+          </a:solidFill>
+        </p:spPr>
+        <p:style>
+          <a:lnRef idx="1">
+            <a:schemeClr val="accent1"/>
+          </a:lnRef>
+          <a:fillRef idx="3">
+            <a:schemeClr val="accent1"/>
+          </a:fillRef>
+          <a:effectRef idx="2">
+            <a:schemeClr val="accent1"/>
+          </a:effectRef>
+          <a:fontRef idx="minor">
+            <a:schemeClr val="lt1"/>
+          </a:fontRef>
+        </p:style>
+        <p:txBody>
+          <a:bodyPr rtlCol="0" anchor="ctr"/>
+          <a:lstStyle/>
+          <a:p>
+            <a:pPr algn="ctr"/>
+            <a:r>
+              <a:rPr kumimoji="1" lang="zh-CN" altLang="en-US" sz="2000" dirty="0" smtClean="0">
+                <a:latin typeface="Microsoft YaHei"/>
+                <a:ea typeface="Microsoft YaHei"/>
+                <a:cs typeface="Microsoft YaHei"/>
+              </a:rPr>
+              <a:t>数据表定义</a:t>
+            </a:r>
+            <a:endParaRPr kumimoji="1" lang="zh-CN" altLang="en-US" sz="2000" dirty="0">
+              <a:latin typeface="Microsoft YaHei"/>
+              <a:ea typeface="Microsoft YaHei"/>
+              <a:cs typeface="Microsoft YaHei"/>
+            </a:endParaRPr>
+          </a:p>
+        </p:txBody>
+      </p:sp>
+      <p:sp>
+        <p:nvSpPr>
+          <p:cNvPr id="6" name="矩形 5"/>
+          <p:cNvSpPr/>
+          <p:nvPr/>
+        </p:nvSpPr>
+        <p:spPr>
+          <a:xfrm>
+            <a:off x="6258112" y="1577590"/>
+            <a:ext cx="1968112" cy="850517"/>
+          </a:xfrm>
+          <a:prstGeom prst="rect">
+            <a:avLst/>
+          </a:prstGeom>
+          <a:solidFill>
+            <a:schemeClr val="accent1">
+              <a:lumMod val="75000"/>
+            </a:schemeClr>
+          </a:solidFill>
+        </p:spPr>
+        <p:style>
+          <a:lnRef idx="1">
+            <a:schemeClr val="accent1"/>
+          </a:lnRef>
+          <a:fillRef idx="3">
+            <a:schemeClr val="accent1"/>
+          </a:fillRef>
+          <a:effectRef idx="2">
+            <a:schemeClr val="accent1"/>
+          </a:effectRef>
+          <a:fontRef idx="minor">
+            <a:schemeClr val="lt1"/>
+          </a:fontRef>
+        </p:style>
+        <p:txBody>
+          <a:bodyPr rtlCol="0" anchor="ctr"/>
+          <a:lstStyle/>
+          <a:p>
+            <a:pPr algn="ctr"/>
+            <a:r>
+              <a:rPr kumimoji="1" lang="zh-CN" altLang="en-US" sz="2000" dirty="0" smtClean="0">
+                <a:latin typeface="Microsoft YaHei"/>
+                <a:ea typeface="Microsoft YaHei"/>
+                <a:cs typeface="Microsoft YaHei"/>
+              </a:rPr>
+              <a:t>数据路由定义</a:t>
+            </a:r>
+            <a:endParaRPr kumimoji="1" lang="en-US" altLang="zh-CN" sz="2000" dirty="0" smtClean="0">
+              <a:latin typeface="Microsoft YaHei"/>
+              <a:ea typeface="Microsoft YaHei"/>
+              <a:cs typeface="Microsoft YaHei"/>
+            </a:endParaRPr>
+          </a:p>
+        </p:txBody>
+      </p:sp>
+      <p:sp>
+        <p:nvSpPr>
+          <p:cNvPr id="7" name="矩形 6"/>
+          <p:cNvSpPr/>
+          <p:nvPr/>
+        </p:nvSpPr>
+        <p:spPr>
+          <a:xfrm>
+            <a:off x="850473" y="2643571"/>
+            <a:ext cx="2041134" cy="1100001"/>
+          </a:xfrm>
+          <a:prstGeom prst="rect">
+            <a:avLst/>
+          </a:prstGeom>
+          <a:noFill/>
+          <a:ln>
+            <a:prstDash val="dot"/>
+          </a:ln>
+        </p:spPr>
+        <p:style>
+          <a:lnRef idx="1">
+            <a:schemeClr val="accent1"/>
+          </a:lnRef>
+          <a:fillRef idx="3">
+            <a:schemeClr val="accent1"/>
+          </a:fillRef>
+          <a:effectRef idx="2">
+            <a:schemeClr val="accent1"/>
+          </a:effectRef>
+          <a:fontRef idx="minor">
+            <a:schemeClr val="lt1"/>
+          </a:fontRef>
+        </p:style>
+        <p:txBody>
+          <a:bodyPr rtlCol="0" anchor="ctr"/>
+          <a:lstStyle/>
+          <a:p>
+            <a:pPr algn="ctr"/>
+            <a:endParaRPr kumimoji="1" lang="zh-CN" altLang="en-US" sz="1600">
+              <a:latin typeface="Microsoft YaHei"/>
+              <a:ea typeface="Microsoft YaHei"/>
+              <a:cs typeface="Microsoft YaHei"/>
+            </a:endParaRPr>
+          </a:p>
+        </p:txBody>
+      </p:sp>
+      <p:sp>
+        <p:nvSpPr>
+          <p:cNvPr id="8" name="矩形 7"/>
+          <p:cNvSpPr/>
+          <p:nvPr/>
+        </p:nvSpPr>
+        <p:spPr>
+          <a:xfrm>
+            <a:off x="850473" y="4213493"/>
+            <a:ext cx="2041134" cy="1100001"/>
+          </a:xfrm>
+          <a:prstGeom prst="rect">
+            <a:avLst/>
+          </a:prstGeom>
+          <a:noFill/>
+          <a:ln>
+            <a:prstDash val="dot"/>
+          </a:ln>
+        </p:spPr>
+        <p:style>
+          <a:lnRef idx="1">
+            <a:schemeClr val="accent1"/>
+          </a:lnRef>
+          <a:fillRef idx="3">
+            <a:schemeClr val="accent1"/>
+          </a:fillRef>
+          <a:effectRef idx="2">
+            <a:schemeClr val="accent1"/>
+          </a:effectRef>
+          <a:fontRef idx="minor">
+            <a:schemeClr val="lt1"/>
+          </a:fontRef>
+        </p:style>
+        <p:txBody>
+          <a:bodyPr rtlCol="0" anchor="ctr"/>
+          <a:lstStyle/>
+          <a:p>
+            <a:pPr algn="ctr"/>
+            <a:endParaRPr kumimoji="1" lang="zh-CN" altLang="en-US" sz="1600">
+              <a:latin typeface="Microsoft YaHei"/>
+              <a:ea typeface="Microsoft YaHei"/>
+              <a:cs typeface="Microsoft YaHei"/>
+            </a:endParaRPr>
+          </a:p>
+        </p:txBody>
+      </p:sp>
+      <p:sp>
+        <p:nvSpPr>
+          <p:cNvPr id="9" name="左大括号 8"/>
+          <p:cNvSpPr/>
+          <p:nvPr/>
+        </p:nvSpPr>
+        <p:spPr>
+          <a:xfrm>
+            <a:off x="457200" y="2643571"/>
+            <a:ext cx="268537" cy="1100001"/>
+          </a:xfrm>
+          <a:prstGeom prst="leftBrace">
+            <a:avLst/>
+          </a:prstGeom>
+        </p:spPr>
+        <p:style>
+          <a:lnRef idx="2">
+            <a:schemeClr val="accent1"/>
+          </a:lnRef>
+          <a:fillRef idx="0">
+            <a:schemeClr val="accent1"/>
+          </a:fillRef>
+          <a:effectRef idx="1">
+            <a:schemeClr val="accent1"/>
+          </a:effectRef>
+          <a:fontRef idx="minor">
+            <a:schemeClr val="tx1"/>
+          </a:fontRef>
+        </p:style>
+        <p:txBody>
+          <a:bodyPr rtlCol="0" anchor="ctr"/>
+          <a:lstStyle/>
+          <a:p>
+            <a:pPr algn="ctr"/>
+            <a:endParaRPr kumimoji="1" lang="zh-CN" altLang="en-US" sz="1600">
+              <a:latin typeface="Microsoft YaHei"/>
+              <a:ea typeface="Microsoft YaHei"/>
+              <a:cs typeface="Microsoft YaHei"/>
+            </a:endParaRPr>
+          </a:p>
+        </p:txBody>
+      </p:sp>
+      <p:sp>
+        <p:nvSpPr>
+          <p:cNvPr id="10" name="左大括号 9"/>
+          <p:cNvSpPr/>
+          <p:nvPr/>
+        </p:nvSpPr>
+        <p:spPr>
+          <a:xfrm>
+            <a:off x="423181" y="4224832"/>
+            <a:ext cx="268537" cy="1100001"/>
+          </a:xfrm>
+          <a:prstGeom prst="leftBrace">
+            <a:avLst/>
+          </a:prstGeom>
+        </p:spPr>
+        <p:style>
+          <a:lnRef idx="2">
+            <a:schemeClr val="accent1"/>
+          </a:lnRef>
+          <a:fillRef idx="0">
+            <a:schemeClr val="accent1"/>
+          </a:fillRef>
+          <a:effectRef idx="1">
+            <a:schemeClr val="accent1"/>
+          </a:effectRef>
+          <a:fontRef idx="minor">
+            <a:schemeClr val="tx1"/>
+          </a:fontRef>
+        </p:style>
+        <p:txBody>
+          <a:bodyPr rtlCol="0" anchor="ctr"/>
+          <a:lstStyle/>
+          <a:p>
+            <a:pPr algn="ctr"/>
+            <a:endParaRPr kumimoji="1" lang="zh-CN" altLang="en-US" sz="1600">
+              <a:latin typeface="Microsoft YaHei"/>
+              <a:ea typeface="Microsoft YaHei"/>
+              <a:cs typeface="Microsoft YaHei"/>
+            </a:endParaRPr>
+          </a:p>
+        </p:txBody>
+      </p:sp>
+      <p:sp>
+        <p:nvSpPr>
+          <p:cNvPr id="11" name="文本框 10"/>
+          <p:cNvSpPr txBox="1"/>
+          <p:nvPr/>
+        </p:nvSpPr>
+        <p:spPr>
+          <a:xfrm>
+            <a:off x="132237" y="3009681"/>
+            <a:ext cx="876991" cy="338554"/>
+          </a:xfrm>
+          <a:prstGeom prst="rect">
+            <a:avLst/>
+          </a:prstGeom>
+          <a:noFill/>
+        </p:spPr>
+        <p:txBody>
+          <a:bodyPr wrap="square" rtlCol="0">
+            <a:spAutoFit/>
+          </a:bodyPr>
+          <a:lstStyle/>
+          <a:p>
+            <a:r>
+              <a:rPr kumimoji="1" lang="zh-CN" altLang="en-US" sz="1600" dirty="0" smtClean="0">
+                <a:latin typeface="Microsoft YaHei"/>
+                <a:ea typeface="Microsoft YaHei"/>
+                <a:cs typeface="Microsoft YaHei"/>
+              </a:rPr>
+              <a:t>n</a:t>
+            </a:r>
+            <a:r>
+              <a:rPr kumimoji="1" lang="en-US" altLang="zh-CN" sz="1600" dirty="0" smtClean="0">
+                <a:latin typeface="Microsoft YaHei"/>
+                <a:ea typeface="Microsoft YaHei"/>
+                <a:cs typeface="Microsoft YaHei"/>
+              </a:rPr>
+              <a:t>ode1</a:t>
+            </a:r>
+            <a:endParaRPr kumimoji="1" lang="zh-CN" altLang="en-US" sz="1600" dirty="0">
+              <a:latin typeface="Microsoft YaHei"/>
+              <a:ea typeface="Microsoft YaHei"/>
+              <a:cs typeface="Microsoft YaHei"/>
+            </a:endParaRPr>
+          </a:p>
+        </p:txBody>
+      </p:sp>
+      <p:sp>
+        <p:nvSpPr>
+          <p:cNvPr id="12" name="文本框 11"/>
+          <p:cNvSpPr txBox="1"/>
+          <p:nvPr/>
+        </p:nvSpPr>
+        <p:spPr>
+          <a:xfrm>
+            <a:off x="132237" y="4545588"/>
+            <a:ext cx="876991" cy="338554"/>
+          </a:xfrm>
+          <a:prstGeom prst="rect">
+            <a:avLst/>
+          </a:prstGeom>
+          <a:noFill/>
+        </p:spPr>
+        <p:txBody>
+          <a:bodyPr wrap="square" rtlCol="0">
+            <a:spAutoFit/>
+          </a:bodyPr>
+          <a:lstStyle/>
+          <a:p>
+            <a:r>
+              <a:rPr kumimoji="1" lang="zh-CN" altLang="en-US" sz="1600" dirty="0" smtClean="0">
+                <a:latin typeface="Microsoft YaHei"/>
+                <a:ea typeface="Microsoft YaHei"/>
+                <a:cs typeface="Microsoft YaHei"/>
+              </a:rPr>
+              <a:t>n</a:t>
+            </a:r>
+            <a:r>
+              <a:rPr kumimoji="1" lang="en-US" altLang="zh-CN" sz="1600" dirty="0" smtClean="0">
+                <a:latin typeface="Microsoft YaHei"/>
+                <a:ea typeface="Microsoft YaHei"/>
+                <a:cs typeface="Microsoft YaHei"/>
+              </a:rPr>
+              <a:t>ode2</a:t>
+            </a:r>
+            <a:endParaRPr kumimoji="1" lang="zh-CN" altLang="en-US" sz="1600" dirty="0">
+              <a:latin typeface="Microsoft YaHei"/>
+              <a:ea typeface="Microsoft YaHei"/>
+              <a:cs typeface="Microsoft YaHei"/>
+            </a:endParaRPr>
+          </a:p>
+        </p:txBody>
+      </p:sp>
+      <p:sp>
+        <p:nvSpPr>
+          <p:cNvPr id="13" name="文本框 12"/>
+          <p:cNvSpPr txBox="1"/>
+          <p:nvPr/>
+        </p:nvSpPr>
+        <p:spPr>
+          <a:xfrm>
+            <a:off x="907173" y="2619509"/>
+            <a:ext cx="1892574" cy="338554"/>
+          </a:xfrm>
+          <a:prstGeom prst="rect">
+            <a:avLst/>
+          </a:prstGeom>
+          <a:noFill/>
+        </p:spPr>
+        <p:txBody>
+          <a:bodyPr wrap="square" rtlCol="0">
+            <a:spAutoFit/>
+          </a:bodyPr>
+          <a:lstStyle/>
+          <a:p>
+            <a:r>
+              <a:rPr kumimoji="1" lang="zh-CN" altLang="zh-CN" sz="1600" dirty="0">
+                <a:latin typeface="Microsoft YaHei"/>
+                <a:ea typeface="Microsoft YaHei"/>
+                <a:cs typeface="Microsoft YaHei"/>
+              </a:rPr>
+              <a:t>u</a:t>
+            </a:r>
+            <a:r>
+              <a:rPr kumimoji="1" lang="en-US" altLang="zh-CN" sz="1600" dirty="0" smtClean="0">
+                <a:latin typeface="Microsoft YaHei"/>
+                <a:ea typeface="Microsoft YaHei"/>
+                <a:cs typeface="Microsoft YaHei"/>
+              </a:rPr>
+              <a:t>seradmin_inst_1</a:t>
+            </a:r>
+            <a:endParaRPr kumimoji="1" lang="zh-CN" altLang="en-US" sz="1600" dirty="0">
+              <a:latin typeface="Microsoft YaHei"/>
+              <a:ea typeface="Microsoft YaHei"/>
+              <a:cs typeface="Microsoft YaHei"/>
+            </a:endParaRPr>
+          </a:p>
+        </p:txBody>
+      </p:sp>
+      <p:sp>
+        <p:nvSpPr>
+          <p:cNvPr id="14" name="文本框 13"/>
+          <p:cNvSpPr txBox="1"/>
+          <p:nvPr/>
+        </p:nvSpPr>
+        <p:spPr>
+          <a:xfrm>
+            <a:off x="895828" y="2883639"/>
+            <a:ext cx="1892574" cy="338554"/>
+          </a:xfrm>
+          <a:prstGeom prst="rect">
+            <a:avLst/>
+          </a:prstGeom>
+          <a:noFill/>
+        </p:spPr>
+        <p:txBody>
+          <a:bodyPr wrap="square" rtlCol="0">
+            <a:spAutoFit/>
+          </a:bodyPr>
+          <a:lstStyle/>
+          <a:p>
+            <a:r>
+              <a:rPr kumimoji="1" lang="zh-CN" altLang="zh-CN" sz="1600" dirty="0" smtClean="0">
+                <a:latin typeface="Microsoft YaHei"/>
+                <a:ea typeface="Microsoft YaHei"/>
+                <a:cs typeface="Microsoft YaHei"/>
+              </a:rPr>
+              <a:t>u</a:t>
+            </a:r>
+            <a:r>
+              <a:rPr kumimoji="1" lang="en-US" altLang="zh-CN" sz="1600" dirty="0" smtClean="0">
+                <a:latin typeface="Microsoft YaHei"/>
+                <a:ea typeface="Microsoft YaHei"/>
+                <a:cs typeface="Microsoft YaHei"/>
+              </a:rPr>
+              <a:t>seradmin_inst_2</a:t>
+            </a:r>
+            <a:endParaRPr kumimoji="1" lang="zh-CN" altLang="en-US" sz="1600" dirty="0">
+              <a:latin typeface="Microsoft YaHei"/>
+              <a:ea typeface="Microsoft YaHei"/>
+              <a:cs typeface="Microsoft YaHei"/>
+            </a:endParaRPr>
+          </a:p>
+        </p:txBody>
+      </p:sp>
+      <p:sp>
+        <p:nvSpPr>
+          <p:cNvPr id="19" name="文本框 18"/>
+          <p:cNvSpPr txBox="1"/>
+          <p:nvPr/>
+        </p:nvSpPr>
+        <p:spPr>
+          <a:xfrm>
+            <a:off x="908313" y="3095965"/>
+            <a:ext cx="1892574" cy="338554"/>
+          </a:xfrm>
+          <a:prstGeom prst="rect">
+            <a:avLst/>
+          </a:prstGeom>
+          <a:noFill/>
+        </p:spPr>
+        <p:txBody>
+          <a:bodyPr wrap="square" rtlCol="0">
+            <a:spAutoFit/>
+          </a:bodyPr>
+          <a:lstStyle/>
+          <a:p>
+            <a:r>
+              <a:rPr kumimoji="1" lang="en-US" altLang="zh-CN" sz="1600" dirty="0" smtClean="0">
+                <a:latin typeface="Microsoft YaHei"/>
+                <a:ea typeface="Microsoft YaHei"/>
+                <a:cs typeface="Microsoft YaHei"/>
+              </a:rPr>
+              <a:t>…</a:t>
+            </a:r>
+            <a:endParaRPr kumimoji="1" lang="zh-CN" altLang="en-US" sz="1600" dirty="0">
+              <a:latin typeface="Microsoft YaHei"/>
+              <a:ea typeface="Microsoft YaHei"/>
+              <a:cs typeface="Microsoft YaHei"/>
+            </a:endParaRPr>
+          </a:p>
+        </p:txBody>
+      </p:sp>
+      <p:sp>
+        <p:nvSpPr>
+          <p:cNvPr id="20" name="文本框 19"/>
+          <p:cNvSpPr txBox="1"/>
+          <p:nvPr/>
+        </p:nvSpPr>
+        <p:spPr>
+          <a:xfrm>
+            <a:off x="907168" y="3400853"/>
+            <a:ext cx="1892574" cy="338554"/>
+          </a:xfrm>
+          <a:prstGeom prst="rect">
+            <a:avLst/>
+          </a:prstGeom>
+          <a:noFill/>
+        </p:spPr>
+        <p:txBody>
+          <a:bodyPr wrap="square" rtlCol="0">
+            <a:spAutoFit/>
+          </a:bodyPr>
+          <a:lstStyle/>
+          <a:p>
+            <a:r>
+              <a:rPr kumimoji="1" lang="zh-CN" altLang="zh-CN" sz="1600" dirty="0" smtClean="0">
+                <a:latin typeface="Microsoft YaHei"/>
+                <a:ea typeface="Microsoft YaHei"/>
+                <a:cs typeface="Microsoft YaHei"/>
+              </a:rPr>
+              <a:t>u</a:t>
+            </a:r>
+            <a:r>
+              <a:rPr kumimoji="1" lang="en-US" altLang="zh-CN" sz="1600" dirty="0" smtClean="0">
+                <a:latin typeface="Microsoft YaHei"/>
+                <a:ea typeface="Microsoft YaHei"/>
+                <a:cs typeface="Microsoft YaHei"/>
+              </a:rPr>
+              <a:t>seradmin_inst_8</a:t>
+            </a:r>
+            <a:endParaRPr kumimoji="1" lang="zh-CN" altLang="en-US" sz="1600" dirty="0">
+              <a:latin typeface="Microsoft YaHei"/>
+              <a:ea typeface="Microsoft YaHei"/>
+              <a:cs typeface="Microsoft YaHei"/>
+            </a:endParaRPr>
+          </a:p>
+        </p:txBody>
+      </p:sp>
+      <p:sp>
+        <p:nvSpPr>
+          <p:cNvPr id="21" name="文本框 20"/>
+          <p:cNvSpPr txBox="1"/>
+          <p:nvPr/>
+        </p:nvSpPr>
+        <p:spPr>
+          <a:xfrm>
+            <a:off x="894688" y="4210642"/>
+            <a:ext cx="1892574" cy="338554"/>
+          </a:xfrm>
+          <a:prstGeom prst="rect">
+            <a:avLst/>
+          </a:prstGeom>
+          <a:noFill/>
+        </p:spPr>
+        <p:txBody>
+          <a:bodyPr wrap="square" rtlCol="0">
+            <a:spAutoFit/>
+          </a:bodyPr>
+          <a:lstStyle/>
+          <a:p>
+            <a:r>
+              <a:rPr kumimoji="1" lang="zh-CN" altLang="zh-CN" sz="1600" dirty="0">
+                <a:latin typeface="Microsoft YaHei"/>
+                <a:ea typeface="Microsoft YaHei"/>
+                <a:cs typeface="Microsoft YaHei"/>
+              </a:rPr>
+              <a:t>u</a:t>
+            </a:r>
+            <a:r>
+              <a:rPr kumimoji="1" lang="en-US" altLang="zh-CN" sz="1600" dirty="0" smtClean="0">
+                <a:latin typeface="Microsoft YaHei"/>
+                <a:ea typeface="Microsoft YaHei"/>
+                <a:cs typeface="Microsoft YaHei"/>
+              </a:rPr>
+              <a:t>seradmin_inst_1</a:t>
+            </a:r>
+            <a:endParaRPr kumimoji="1" lang="zh-CN" altLang="en-US" sz="1600" dirty="0">
+              <a:latin typeface="Microsoft YaHei"/>
+              <a:ea typeface="Microsoft YaHei"/>
+              <a:cs typeface="Microsoft YaHei"/>
+            </a:endParaRPr>
+          </a:p>
+        </p:txBody>
+      </p:sp>
+      <p:sp>
+        <p:nvSpPr>
+          <p:cNvPr id="22" name="文本框 21"/>
+          <p:cNvSpPr txBox="1"/>
+          <p:nvPr/>
+        </p:nvSpPr>
+        <p:spPr>
+          <a:xfrm>
+            <a:off x="895828" y="4687098"/>
+            <a:ext cx="1892574" cy="338554"/>
+          </a:xfrm>
+          <a:prstGeom prst="rect">
+            <a:avLst/>
+          </a:prstGeom>
+          <a:noFill/>
+        </p:spPr>
+        <p:txBody>
+          <a:bodyPr wrap="square" rtlCol="0">
+            <a:spAutoFit/>
+          </a:bodyPr>
+          <a:lstStyle/>
+          <a:p>
+            <a:r>
+              <a:rPr kumimoji="1" lang="en-US" altLang="zh-CN" sz="1600" dirty="0" smtClean="0">
+                <a:latin typeface="Microsoft YaHei"/>
+                <a:ea typeface="Microsoft YaHei"/>
+                <a:cs typeface="Microsoft YaHei"/>
+              </a:rPr>
+              <a:t>…</a:t>
+            </a:r>
+            <a:endParaRPr kumimoji="1" lang="zh-CN" altLang="en-US" sz="1600" dirty="0">
+              <a:latin typeface="Microsoft YaHei"/>
+              <a:ea typeface="Microsoft YaHei"/>
+              <a:cs typeface="Microsoft YaHei"/>
+            </a:endParaRPr>
+          </a:p>
+        </p:txBody>
+      </p:sp>
+      <p:sp>
+        <p:nvSpPr>
+          <p:cNvPr id="23" name="文本框 22"/>
+          <p:cNvSpPr txBox="1"/>
+          <p:nvPr/>
+        </p:nvSpPr>
+        <p:spPr>
+          <a:xfrm>
+            <a:off x="894683" y="4957966"/>
+            <a:ext cx="1892574" cy="338554"/>
+          </a:xfrm>
+          <a:prstGeom prst="rect">
+            <a:avLst/>
+          </a:prstGeom>
+          <a:noFill/>
+        </p:spPr>
+        <p:txBody>
+          <a:bodyPr wrap="square" rtlCol="0">
+            <a:spAutoFit/>
+          </a:bodyPr>
+          <a:lstStyle/>
+          <a:p>
+            <a:r>
+              <a:rPr kumimoji="1" lang="zh-CN" altLang="zh-CN" sz="1600" dirty="0" smtClean="0">
+                <a:latin typeface="Microsoft YaHei"/>
+                <a:ea typeface="Microsoft YaHei"/>
+                <a:cs typeface="Microsoft YaHei"/>
+              </a:rPr>
+              <a:t>u</a:t>
+            </a:r>
+            <a:r>
+              <a:rPr kumimoji="1" lang="en-US" altLang="zh-CN" sz="1600" dirty="0" smtClean="0">
+                <a:latin typeface="Microsoft YaHei"/>
+                <a:ea typeface="Microsoft YaHei"/>
+                <a:cs typeface="Microsoft YaHei"/>
+              </a:rPr>
+              <a:t>seradmin_inst_8</a:t>
+            </a:r>
+            <a:endParaRPr kumimoji="1" lang="zh-CN" altLang="en-US" sz="1600" dirty="0">
+              <a:latin typeface="Microsoft YaHei"/>
+              <a:ea typeface="Microsoft YaHei"/>
+              <a:cs typeface="Microsoft YaHei"/>
+            </a:endParaRPr>
+          </a:p>
+        </p:txBody>
+      </p:sp>
+      <p:sp>
+        <p:nvSpPr>
+          <p:cNvPr id="25" name="文本框 24"/>
+          <p:cNvSpPr txBox="1"/>
+          <p:nvPr/>
+        </p:nvSpPr>
+        <p:spPr>
+          <a:xfrm>
+            <a:off x="885633" y="4522908"/>
+            <a:ext cx="1892574" cy="338554"/>
+          </a:xfrm>
+          <a:prstGeom prst="rect">
+            <a:avLst/>
+          </a:prstGeom>
+          <a:noFill/>
+        </p:spPr>
+        <p:txBody>
+          <a:bodyPr wrap="square" rtlCol="0">
+            <a:spAutoFit/>
+          </a:bodyPr>
+          <a:lstStyle/>
+          <a:p>
+            <a:r>
+              <a:rPr kumimoji="1" lang="zh-CN" altLang="zh-CN" sz="1600" dirty="0" smtClean="0">
+                <a:latin typeface="Microsoft YaHei"/>
+                <a:ea typeface="Microsoft YaHei"/>
+                <a:cs typeface="Microsoft YaHei"/>
+              </a:rPr>
+              <a:t>u</a:t>
+            </a:r>
+            <a:r>
+              <a:rPr kumimoji="1" lang="en-US" altLang="zh-CN" sz="1600" dirty="0" smtClean="0">
+                <a:latin typeface="Microsoft YaHei"/>
+                <a:ea typeface="Microsoft YaHei"/>
+                <a:cs typeface="Microsoft YaHei"/>
+              </a:rPr>
+              <a:t>seradmin_inst_2</a:t>
+            </a:r>
+            <a:endParaRPr kumimoji="1" lang="zh-CN" altLang="en-US" sz="1600" dirty="0">
+              <a:latin typeface="Microsoft YaHei"/>
+              <a:ea typeface="Microsoft YaHei"/>
+              <a:cs typeface="Microsoft YaHei"/>
+            </a:endParaRPr>
+          </a:p>
+        </p:txBody>
+      </p:sp>
+      <p:sp>
+        <p:nvSpPr>
+          <p:cNvPr id="27" name="文本框 26"/>
+          <p:cNvSpPr txBox="1"/>
+          <p:nvPr/>
+        </p:nvSpPr>
+        <p:spPr>
+          <a:xfrm>
+            <a:off x="226795" y="238145"/>
+            <a:ext cx="3262432" cy="707886"/>
+          </a:xfrm>
+          <a:prstGeom prst="rect">
+            <a:avLst/>
+          </a:prstGeom>
+          <a:noFill/>
+        </p:spPr>
+        <p:txBody>
+          <a:bodyPr wrap="none" rtlCol="0">
+            <a:spAutoFit/>
+          </a:bodyPr>
+          <a:lstStyle/>
+          <a:p>
+            <a:r>
+              <a:rPr kumimoji="1" lang="zh-CN" altLang="en-US" sz="4000" b="1" dirty="0" smtClean="0">
+                <a:latin typeface="Microsoft YaHei"/>
+                <a:ea typeface="Microsoft YaHei"/>
+                <a:cs typeface="Microsoft YaHei"/>
+              </a:rPr>
+              <a:t>关键对象定义</a:t>
+            </a:r>
+            <a:endParaRPr kumimoji="1" lang="zh-CN" altLang="en-US" sz="4000" b="1" dirty="0">
+              <a:latin typeface="Microsoft YaHei"/>
+              <a:ea typeface="Microsoft YaHei"/>
+              <a:cs typeface="Microsoft YaHei"/>
+            </a:endParaRPr>
+          </a:p>
+        </p:txBody>
+      </p:sp>
+      <p:sp>
+        <p:nvSpPr>
+          <p:cNvPr id="28" name="文本框 27"/>
+          <p:cNvSpPr txBox="1"/>
+          <p:nvPr/>
+        </p:nvSpPr>
+        <p:spPr>
+          <a:xfrm>
+            <a:off x="1180468" y="3680761"/>
+            <a:ext cx="1370950" cy="338554"/>
+          </a:xfrm>
+          <a:prstGeom prst="rect">
+            <a:avLst/>
+          </a:prstGeom>
+          <a:noFill/>
+        </p:spPr>
+        <p:txBody>
+          <a:bodyPr wrap="square" rtlCol="0">
+            <a:spAutoFit/>
+          </a:bodyPr>
+          <a:lstStyle/>
+          <a:p>
+            <a:r>
+              <a:rPr kumimoji="1" lang="zh-CN" altLang="en-US" sz="1600" dirty="0" smtClean="0">
+                <a:solidFill>
+                  <a:srgbClr val="008000"/>
+                </a:solidFill>
+                <a:latin typeface="Microsoft YaHei"/>
+                <a:ea typeface="Microsoft YaHei"/>
+                <a:cs typeface="Microsoft YaHei"/>
+              </a:rPr>
+              <a:t>1</a:t>
+            </a:r>
+            <a:r>
+              <a:rPr kumimoji="1" lang="en-US" altLang="zh-CN" sz="1600" dirty="0" smtClean="0">
+                <a:solidFill>
+                  <a:srgbClr val="008000"/>
+                </a:solidFill>
+                <a:latin typeface="Microsoft YaHei"/>
+                <a:ea typeface="Microsoft YaHei"/>
+                <a:cs typeface="Microsoft YaHei"/>
+              </a:rPr>
+              <a:t>92.168.1.1</a:t>
+            </a:r>
+            <a:endParaRPr kumimoji="1" lang="zh-CN" altLang="en-US" sz="1600" dirty="0">
+              <a:solidFill>
+                <a:srgbClr val="008000"/>
+              </a:solidFill>
+              <a:latin typeface="Microsoft YaHei"/>
+              <a:ea typeface="Microsoft YaHei"/>
+              <a:cs typeface="Microsoft YaHei"/>
+            </a:endParaRPr>
+          </a:p>
+        </p:txBody>
+      </p:sp>
+      <p:sp>
+        <p:nvSpPr>
+          <p:cNvPr id="29" name="文本框 28"/>
+          <p:cNvSpPr txBox="1"/>
+          <p:nvPr/>
+        </p:nvSpPr>
+        <p:spPr>
+          <a:xfrm>
+            <a:off x="1180468" y="5259258"/>
+            <a:ext cx="1370950" cy="338554"/>
+          </a:xfrm>
+          <a:prstGeom prst="rect">
+            <a:avLst/>
+          </a:prstGeom>
+          <a:noFill/>
+        </p:spPr>
+        <p:txBody>
+          <a:bodyPr wrap="square" rtlCol="0">
+            <a:spAutoFit/>
+          </a:bodyPr>
+          <a:lstStyle/>
+          <a:p>
+            <a:r>
+              <a:rPr kumimoji="1" lang="zh-CN" altLang="en-US" sz="1600" dirty="0" smtClean="0">
+                <a:solidFill>
+                  <a:srgbClr val="008000"/>
+                </a:solidFill>
+                <a:latin typeface="Microsoft YaHei"/>
+                <a:ea typeface="Microsoft YaHei"/>
+                <a:cs typeface="Microsoft YaHei"/>
+              </a:rPr>
+              <a:t>1</a:t>
+            </a:r>
+            <a:r>
+              <a:rPr kumimoji="1" lang="en-US" altLang="zh-CN" sz="1600" dirty="0" smtClean="0">
+                <a:solidFill>
+                  <a:srgbClr val="008000"/>
+                </a:solidFill>
+                <a:latin typeface="Microsoft YaHei"/>
+                <a:ea typeface="Microsoft YaHei"/>
+                <a:cs typeface="Microsoft YaHei"/>
+              </a:rPr>
+              <a:t>92.168.1.2</a:t>
+            </a:r>
+            <a:endParaRPr kumimoji="1" lang="zh-CN" altLang="en-US" sz="1600" dirty="0">
+              <a:solidFill>
+                <a:srgbClr val="008000"/>
+              </a:solidFill>
+              <a:latin typeface="Microsoft YaHei"/>
+              <a:ea typeface="Microsoft YaHei"/>
+              <a:cs typeface="Microsoft YaHei"/>
+            </a:endParaRPr>
+          </a:p>
+        </p:txBody>
+      </p:sp>
+      <p:sp>
+        <p:nvSpPr>
+          <p:cNvPr id="35" name="矩形 34"/>
+          <p:cNvSpPr/>
+          <p:nvPr/>
+        </p:nvSpPr>
+        <p:spPr>
+          <a:xfrm>
+            <a:off x="3531614" y="2619509"/>
+            <a:ext cx="1968112" cy="2707789"/>
+          </a:xfrm>
+          <a:prstGeom prst="rect">
+            <a:avLst/>
+          </a:prstGeom>
+          <a:noFill/>
+          <a:ln>
+            <a:prstDash val="dot"/>
+          </a:ln>
+        </p:spPr>
+        <p:style>
+          <a:lnRef idx="1">
+            <a:schemeClr val="accent1"/>
+          </a:lnRef>
+          <a:fillRef idx="3">
+            <a:schemeClr val="accent1"/>
+          </a:fillRef>
+          <a:effectRef idx="2">
+            <a:schemeClr val="accent1"/>
+          </a:effectRef>
+          <a:fontRef idx="minor">
+            <a:schemeClr val="lt1"/>
+          </a:fontRef>
+        </p:style>
+        <p:txBody>
+          <a:bodyPr rtlCol="0" anchor="ctr"/>
+          <a:lstStyle/>
+          <a:p>
+            <a:pPr algn="ctr"/>
+            <a:endParaRPr kumimoji="1" lang="zh-CN" altLang="en-US" sz="1600">
+              <a:latin typeface="Microsoft YaHei"/>
+              <a:ea typeface="Microsoft YaHei"/>
+              <a:cs typeface="Microsoft YaHei"/>
+            </a:endParaRPr>
+          </a:p>
+        </p:txBody>
+      </p:sp>
+      <p:sp>
+        <p:nvSpPr>
+          <p:cNvPr id="37" name="文本框 36"/>
+          <p:cNvSpPr txBox="1"/>
+          <p:nvPr/>
+        </p:nvSpPr>
+        <p:spPr>
+          <a:xfrm>
+            <a:off x="4049398" y="2779737"/>
+            <a:ext cx="1053439" cy="338554"/>
+          </a:xfrm>
+          <a:prstGeom prst="rect">
+            <a:avLst/>
+          </a:prstGeom>
+          <a:noFill/>
+        </p:spPr>
+        <p:txBody>
+          <a:bodyPr wrap="square" rtlCol="0">
+            <a:spAutoFit/>
+          </a:bodyPr>
+          <a:lstStyle/>
+          <a:p>
+            <a:r>
+              <a:rPr kumimoji="1" lang="zh-CN" altLang="zh-CN" sz="1600" dirty="0">
+                <a:latin typeface="Microsoft YaHei"/>
+                <a:ea typeface="Microsoft YaHei"/>
+                <a:cs typeface="Microsoft YaHei"/>
+              </a:rPr>
+              <a:t>u</a:t>
+            </a:r>
+            <a:r>
+              <a:rPr kumimoji="1" lang="en-US" altLang="zh-CN" sz="1600" dirty="0" smtClean="0">
+                <a:latin typeface="Microsoft YaHei"/>
+                <a:ea typeface="Microsoft YaHei"/>
+                <a:cs typeface="Microsoft YaHei"/>
+              </a:rPr>
+              <a:t>ser_1</a:t>
+            </a:r>
+            <a:endParaRPr kumimoji="1" lang="zh-CN" altLang="en-US" sz="1600" dirty="0">
+              <a:latin typeface="Microsoft YaHei"/>
+              <a:ea typeface="Microsoft YaHei"/>
+              <a:cs typeface="Microsoft YaHei"/>
+            </a:endParaRPr>
+          </a:p>
+        </p:txBody>
+      </p:sp>
+      <p:sp>
+        <p:nvSpPr>
+          <p:cNvPr id="38" name="文本框 37"/>
+          <p:cNvSpPr txBox="1"/>
+          <p:nvPr/>
+        </p:nvSpPr>
+        <p:spPr>
+          <a:xfrm>
+            <a:off x="4026718" y="3280631"/>
+            <a:ext cx="1053439" cy="338554"/>
+          </a:xfrm>
+          <a:prstGeom prst="rect">
+            <a:avLst/>
+          </a:prstGeom>
+          <a:noFill/>
+        </p:spPr>
+        <p:txBody>
+          <a:bodyPr wrap="square" rtlCol="0">
+            <a:spAutoFit/>
+          </a:bodyPr>
+          <a:lstStyle/>
+          <a:p>
+            <a:r>
+              <a:rPr kumimoji="1" lang="zh-CN" altLang="zh-CN" sz="1600" dirty="0">
+                <a:latin typeface="Microsoft YaHei"/>
+                <a:ea typeface="Microsoft YaHei"/>
+                <a:cs typeface="Microsoft YaHei"/>
+              </a:rPr>
+              <a:t>u</a:t>
+            </a:r>
+            <a:r>
+              <a:rPr kumimoji="1" lang="en-US" altLang="zh-CN" sz="1600" dirty="0" smtClean="0">
+                <a:latin typeface="Microsoft YaHei"/>
+                <a:ea typeface="Microsoft YaHei"/>
+                <a:cs typeface="Microsoft YaHei"/>
+              </a:rPr>
+              <a:t>ser_2</a:t>
+            </a:r>
+            <a:endParaRPr kumimoji="1" lang="zh-CN" altLang="en-US" sz="1600" dirty="0">
+              <a:latin typeface="Microsoft YaHei"/>
+              <a:ea typeface="Microsoft YaHei"/>
+              <a:cs typeface="Microsoft YaHei"/>
+            </a:endParaRPr>
+          </a:p>
+        </p:txBody>
+      </p:sp>
+      <p:sp>
+        <p:nvSpPr>
+          <p:cNvPr id="40" name="文本框 39"/>
+          <p:cNvSpPr txBox="1"/>
+          <p:nvPr/>
+        </p:nvSpPr>
+        <p:spPr>
+          <a:xfrm>
+            <a:off x="4049398" y="3740687"/>
+            <a:ext cx="849326" cy="338554"/>
+          </a:xfrm>
+          <a:prstGeom prst="rect">
+            <a:avLst/>
+          </a:prstGeom>
+          <a:noFill/>
+        </p:spPr>
+        <p:txBody>
+          <a:bodyPr wrap="square" rtlCol="0">
+            <a:spAutoFit/>
+          </a:bodyPr>
+          <a:lstStyle/>
+          <a:p>
+            <a:r>
+              <a:rPr kumimoji="1" lang="en-US" altLang="zh-CN" sz="1600" dirty="0" smtClean="0">
+                <a:latin typeface="Microsoft YaHei"/>
+                <a:ea typeface="Microsoft YaHei"/>
+                <a:cs typeface="Microsoft YaHei"/>
+              </a:rPr>
+              <a:t>…</a:t>
+            </a:r>
+            <a:endParaRPr kumimoji="1" lang="zh-CN" altLang="en-US" sz="1600" dirty="0">
+              <a:latin typeface="Microsoft YaHei"/>
+              <a:ea typeface="Microsoft YaHei"/>
+              <a:cs typeface="Microsoft YaHei"/>
+            </a:endParaRPr>
+          </a:p>
+        </p:txBody>
+      </p:sp>
+      <p:sp>
+        <p:nvSpPr>
+          <p:cNvPr id="41" name="文本框 40"/>
+          <p:cNvSpPr txBox="1"/>
+          <p:nvPr/>
+        </p:nvSpPr>
+        <p:spPr>
+          <a:xfrm>
+            <a:off x="4026718" y="4295086"/>
+            <a:ext cx="1053439" cy="338554"/>
+          </a:xfrm>
+          <a:prstGeom prst="rect">
+            <a:avLst/>
+          </a:prstGeom>
+          <a:noFill/>
+        </p:spPr>
+        <p:txBody>
+          <a:bodyPr wrap="square" rtlCol="0">
+            <a:spAutoFit/>
+          </a:bodyPr>
+          <a:lstStyle/>
+          <a:p>
+            <a:r>
+              <a:rPr kumimoji="1" lang="zh-CN" altLang="zh-CN" sz="1600" dirty="0">
+                <a:latin typeface="Microsoft YaHei"/>
+                <a:ea typeface="Microsoft YaHei"/>
+                <a:cs typeface="Microsoft YaHei"/>
+              </a:rPr>
+              <a:t>u</a:t>
+            </a:r>
+            <a:r>
+              <a:rPr kumimoji="1" lang="en-US" altLang="zh-CN" sz="1600" dirty="0" smtClean="0">
+                <a:latin typeface="Microsoft YaHei"/>
+                <a:ea typeface="Microsoft YaHei"/>
+                <a:cs typeface="Microsoft YaHei"/>
+              </a:rPr>
+              <a:t>ser_4</a:t>
+            </a:r>
+            <a:endParaRPr kumimoji="1" lang="zh-CN" altLang="en-US" sz="1600" dirty="0">
+              <a:latin typeface="Microsoft YaHei"/>
+              <a:ea typeface="Microsoft YaHei"/>
+              <a:cs typeface="Microsoft YaHei"/>
+            </a:endParaRPr>
+          </a:p>
+        </p:txBody>
+      </p:sp>
+      <p:sp>
+        <p:nvSpPr>
+          <p:cNvPr id="42" name="文本框 41"/>
+          <p:cNvSpPr txBox="1"/>
+          <p:nvPr/>
+        </p:nvSpPr>
+        <p:spPr>
+          <a:xfrm>
+            <a:off x="918508" y="5883735"/>
+            <a:ext cx="1859699" cy="646331"/>
+          </a:xfrm>
+          <a:prstGeom prst="rect">
+            <a:avLst/>
+          </a:prstGeom>
+          <a:noFill/>
+        </p:spPr>
+        <p:txBody>
+          <a:bodyPr wrap="square" rtlCol="0">
+            <a:spAutoFit/>
+          </a:bodyPr>
+          <a:lstStyle/>
+          <a:p>
+            <a:r>
+              <a:rPr kumimoji="1" lang="zh-CN" altLang="en-US" dirty="0" smtClean="0">
+                <a:latin typeface="Microsoft YaHei"/>
+                <a:ea typeface="Microsoft YaHei"/>
+                <a:cs typeface="Microsoft YaHei"/>
+              </a:rPr>
+              <a:t>2节点、每个节点</a:t>
+            </a:r>
+            <a:r>
+              <a:rPr kumimoji="1" lang="en-US" altLang="zh-CN" dirty="0" smtClean="0">
+                <a:latin typeface="Microsoft YaHei"/>
+                <a:ea typeface="Microsoft YaHei"/>
+                <a:cs typeface="Microsoft YaHei"/>
+              </a:rPr>
+              <a:t>8</a:t>
+            </a:r>
+            <a:r>
+              <a:rPr kumimoji="1" lang="zh-CN" altLang="en-US" dirty="0" smtClean="0">
+                <a:latin typeface="Microsoft YaHei"/>
+                <a:ea typeface="Microsoft YaHei"/>
+                <a:cs typeface="Microsoft YaHei"/>
+              </a:rPr>
+              <a:t>个实例</a:t>
+            </a:r>
+            <a:endParaRPr kumimoji="1" lang="zh-CN" altLang="en-US" dirty="0">
+              <a:latin typeface="Microsoft YaHei"/>
+              <a:ea typeface="Microsoft YaHei"/>
+              <a:cs typeface="Microsoft YaHei"/>
+            </a:endParaRPr>
+          </a:p>
+        </p:txBody>
+      </p:sp>
+      <p:sp>
+        <p:nvSpPr>
+          <p:cNvPr id="43" name="文本框 42"/>
+          <p:cNvSpPr txBox="1"/>
+          <p:nvPr/>
+        </p:nvSpPr>
+        <p:spPr>
+          <a:xfrm>
+            <a:off x="3531614" y="5875529"/>
+            <a:ext cx="1859699" cy="646331"/>
+          </a:xfrm>
+          <a:prstGeom prst="rect">
+            <a:avLst/>
+          </a:prstGeom>
+          <a:noFill/>
+        </p:spPr>
+        <p:txBody>
+          <a:bodyPr wrap="square" rtlCol="0">
+            <a:spAutoFit/>
+          </a:bodyPr>
+          <a:lstStyle/>
+          <a:p>
+            <a:r>
+              <a:rPr kumimoji="1" lang="zh-CN" altLang="en-US" dirty="0" smtClean="0">
+                <a:latin typeface="Microsoft YaHei"/>
+                <a:ea typeface="Microsoft YaHei"/>
+                <a:cs typeface="Microsoft YaHei"/>
+              </a:rPr>
+              <a:t>每个实例</a:t>
+            </a:r>
+            <a:r>
+              <a:rPr kumimoji="1" lang="en-US" altLang="zh-CN" dirty="0" smtClean="0">
+                <a:latin typeface="Microsoft YaHei"/>
+                <a:ea typeface="Microsoft YaHei"/>
+                <a:cs typeface="Microsoft YaHei"/>
+              </a:rPr>
+              <a:t>4</a:t>
+            </a:r>
+            <a:r>
+              <a:rPr kumimoji="1" lang="zh-CN" altLang="en-US" dirty="0" smtClean="0">
+                <a:latin typeface="Microsoft YaHei"/>
+                <a:ea typeface="Microsoft YaHei"/>
+                <a:cs typeface="Microsoft YaHei"/>
+              </a:rPr>
+              <a:t>个分表</a:t>
+            </a:r>
+            <a:endParaRPr kumimoji="1" lang="zh-CN" altLang="en-US" dirty="0">
+              <a:latin typeface="Microsoft YaHei"/>
+              <a:ea typeface="Microsoft YaHei"/>
+              <a:cs typeface="Microsoft YaHei"/>
+            </a:endParaRPr>
+          </a:p>
+        </p:txBody>
+      </p:sp>
+      <p:sp>
+        <p:nvSpPr>
+          <p:cNvPr id="44" name="矩形 43"/>
+          <p:cNvSpPr/>
+          <p:nvPr/>
+        </p:nvSpPr>
+        <p:spPr>
+          <a:xfrm>
+            <a:off x="6258112" y="2642740"/>
+            <a:ext cx="1968112" cy="2707789"/>
+          </a:xfrm>
+          <a:prstGeom prst="rect">
+            <a:avLst/>
+          </a:prstGeom>
+          <a:noFill/>
+          <a:ln>
+            <a:prstDash val="dot"/>
+          </a:ln>
+        </p:spPr>
+        <p:style>
+          <a:lnRef idx="1">
+            <a:schemeClr val="accent1"/>
+          </a:lnRef>
+          <a:fillRef idx="3">
+            <a:schemeClr val="accent1"/>
+          </a:fillRef>
+          <a:effectRef idx="2">
+            <a:schemeClr val="accent1"/>
+          </a:effectRef>
+          <a:fontRef idx="minor">
+            <a:schemeClr val="lt1"/>
+          </a:fontRef>
+        </p:style>
+        <p:txBody>
+          <a:bodyPr rtlCol="0" anchor="ctr"/>
+          <a:lstStyle/>
+          <a:p>
+            <a:pPr algn="ctr"/>
+            <a:endParaRPr kumimoji="1" lang="zh-CN" altLang="en-US" sz="1600">
+              <a:latin typeface="Microsoft YaHei"/>
+              <a:ea typeface="Microsoft YaHei"/>
+              <a:cs typeface="Microsoft YaHei"/>
+            </a:endParaRPr>
+          </a:p>
+        </p:txBody>
+      </p:sp>
+      <p:sp>
+        <p:nvSpPr>
+          <p:cNvPr id="45" name="文本框 44"/>
+          <p:cNvSpPr txBox="1"/>
+          <p:nvPr/>
+        </p:nvSpPr>
+        <p:spPr>
+          <a:xfrm>
+            <a:off x="6452033" y="2788786"/>
+            <a:ext cx="1774191" cy="338554"/>
+          </a:xfrm>
+          <a:prstGeom prst="rect">
+            <a:avLst/>
+          </a:prstGeom>
+          <a:noFill/>
+        </p:spPr>
+        <p:txBody>
+          <a:bodyPr wrap="square" rtlCol="0">
+            <a:spAutoFit/>
+          </a:bodyPr>
+          <a:lstStyle/>
+          <a:p>
+            <a:r>
+              <a:rPr kumimoji="1" lang="zh-CN" altLang="zh-CN" sz="1600" dirty="0">
+                <a:latin typeface="Microsoft YaHei"/>
+                <a:ea typeface="Microsoft YaHei"/>
+                <a:cs typeface="Microsoft YaHei"/>
+              </a:rPr>
+              <a:t>h</a:t>
+            </a:r>
+            <a:r>
+              <a:rPr kumimoji="1" lang="en-US" altLang="zh-CN" sz="1600" dirty="0" smtClean="0">
+                <a:latin typeface="Microsoft YaHei"/>
+                <a:ea typeface="Microsoft YaHei"/>
+                <a:cs typeface="Microsoft YaHei"/>
+              </a:rPr>
+              <a:t>ash(user_id)</a:t>
+            </a:r>
+            <a:endParaRPr kumimoji="1" lang="zh-CN" altLang="en-US" sz="1600" dirty="0">
+              <a:latin typeface="Microsoft YaHei"/>
+              <a:ea typeface="Microsoft YaHei"/>
+              <a:cs typeface="Microsoft YaHei"/>
+            </a:endParaRPr>
+          </a:p>
+        </p:txBody>
+      </p:sp>
+      <p:sp>
+        <p:nvSpPr>
+          <p:cNvPr id="46" name="文本框 45"/>
+          <p:cNvSpPr txBox="1"/>
+          <p:nvPr/>
+        </p:nvSpPr>
+        <p:spPr>
+          <a:xfrm>
+            <a:off x="4111087" y="5316509"/>
+            <a:ext cx="878353" cy="338554"/>
+          </a:xfrm>
+          <a:prstGeom prst="rect">
+            <a:avLst/>
+          </a:prstGeom>
+          <a:noFill/>
+        </p:spPr>
+        <p:txBody>
+          <a:bodyPr wrap="square" rtlCol="0">
+            <a:spAutoFit/>
+          </a:bodyPr>
+          <a:lstStyle/>
+          <a:p>
+            <a:r>
+              <a:rPr kumimoji="1" lang="en-US" altLang="zh-CN" sz="1600" dirty="0" smtClean="0">
+                <a:solidFill>
+                  <a:srgbClr val="008000"/>
+                </a:solidFill>
+                <a:latin typeface="Microsoft YaHei"/>
+                <a:ea typeface="Microsoft YaHei"/>
+                <a:cs typeface="Microsoft YaHei"/>
+              </a:rPr>
+              <a:t>user</a:t>
+            </a:r>
+            <a:r>
+              <a:rPr kumimoji="1" lang="zh-CN" altLang="en-US" sz="1600" dirty="0" smtClean="0">
+                <a:solidFill>
+                  <a:srgbClr val="008000"/>
+                </a:solidFill>
+                <a:latin typeface="Microsoft YaHei"/>
+                <a:ea typeface="Microsoft YaHei"/>
+                <a:cs typeface="Microsoft YaHei"/>
+              </a:rPr>
+              <a:t>表</a:t>
+            </a:r>
+            <a:endParaRPr kumimoji="1" lang="zh-CN" altLang="en-US" sz="1600" dirty="0">
+              <a:solidFill>
+                <a:srgbClr val="008000"/>
+              </a:solidFill>
+              <a:latin typeface="Microsoft YaHei"/>
+              <a:ea typeface="Microsoft YaHei"/>
+              <a:cs typeface="Microsoft YaHei"/>
+            </a:endParaRPr>
+          </a:p>
+        </p:txBody>
+      </p:sp>
+      <p:sp>
+        <p:nvSpPr>
+          <p:cNvPr id="47" name="文本框 46"/>
+          <p:cNvSpPr txBox="1"/>
+          <p:nvPr/>
+        </p:nvSpPr>
+        <p:spPr>
+          <a:xfrm>
+            <a:off x="6445673" y="3321942"/>
+            <a:ext cx="1774191" cy="338554"/>
+          </a:xfrm>
+          <a:prstGeom prst="rect">
+            <a:avLst/>
+          </a:prstGeom>
+          <a:noFill/>
+        </p:spPr>
+        <p:txBody>
+          <a:bodyPr wrap="square" rtlCol="0">
+            <a:spAutoFit/>
+          </a:bodyPr>
+          <a:lstStyle/>
+          <a:p>
+            <a:r>
+              <a:rPr kumimoji="1" lang="zh-CN" altLang="zh-CN" sz="1600" dirty="0" smtClean="0">
+                <a:latin typeface="Microsoft YaHei"/>
+                <a:ea typeface="Microsoft YaHei"/>
+                <a:cs typeface="Microsoft YaHei"/>
+              </a:rPr>
+              <a:t>f</a:t>
+            </a:r>
+            <a:r>
+              <a:rPr kumimoji="1" lang="en-US" altLang="zh-CN" sz="1600" dirty="0" err="1" smtClean="0">
+                <a:latin typeface="Microsoft YaHei"/>
+                <a:ea typeface="Microsoft YaHei"/>
+                <a:cs typeface="Microsoft YaHei"/>
+              </a:rPr>
+              <a:t>unc</a:t>
+            </a:r>
+            <a:r>
+              <a:rPr kumimoji="1" lang="en-US" altLang="zh-CN" sz="1600" dirty="0" smtClean="0">
+                <a:latin typeface="Microsoft YaHei"/>
+                <a:ea typeface="Microsoft YaHei"/>
+                <a:cs typeface="Microsoft YaHei"/>
+              </a:rPr>
+              <a:t>(user_id)</a:t>
+            </a:r>
+            <a:endParaRPr kumimoji="1" lang="zh-CN" altLang="en-US" sz="1600" dirty="0">
+              <a:latin typeface="Microsoft YaHei"/>
+              <a:ea typeface="Microsoft YaHei"/>
+              <a:cs typeface="Microsoft YaHei"/>
+            </a:endParaRPr>
+          </a:p>
+        </p:txBody>
+      </p:sp>
+      <p:sp>
+        <p:nvSpPr>
+          <p:cNvPr id="48" name="文本框 47"/>
+          <p:cNvSpPr txBox="1"/>
+          <p:nvPr/>
+        </p:nvSpPr>
+        <p:spPr>
+          <a:xfrm>
+            <a:off x="6434333" y="3772607"/>
+            <a:ext cx="1774191" cy="338554"/>
+          </a:xfrm>
+          <a:prstGeom prst="rect">
+            <a:avLst/>
+          </a:prstGeom>
+          <a:noFill/>
+        </p:spPr>
+        <p:txBody>
+          <a:bodyPr wrap="square" rtlCol="0">
+            <a:spAutoFit/>
+          </a:bodyPr>
+          <a:lstStyle/>
+          <a:p>
+            <a:r>
+              <a:rPr kumimoji="1" lang="zh-CN" altLang="zh-CN" sz="1600" dirty="0" smtClean="0">
+                <a:latin typeface="Microsoft YaHei"/>
+                <a:ea typeface="Microsoft YaHei"/>
+                <a:cs typeface="Microsoft YaHei"/>
+              </a:rPr>
+              <a:t>r</a:t>
+            </a:r>
+            <a:r>
+              <a:rPr kumimoji="1" lang="en-US" altLang="zh-CN" sz="1600" dirty="0" err="1" smtClean="0">
+                <a:latin typeface="Microsoft YaHei"/>
+                <a:ea typeface="Microsoft YaHei"/>
+                <a:cs typeface="Microsoft YaHei"/>
+              </a:rPr>
+              <a:t>ang</a:t>
+            </a:r>
+            <a:r>
+              <a:rPr kumimoji="1" lang="en-US" altLang="zh-CN" sz="1600" dirty="0" smtClean="0">
+                <a:latin typeface="Microsoft YaHei"/>
+                <a:ea typeface="Microsoft YaHei"/>
+                <a:cs typeface="Microsoft YaHei"/>
+              </a:rPr>
+              <a:t>(user_id)</a:t>
+            </a:r>
+            <a:endParaRPr kumimoji="1" lang="zh-CN" altLang="en-US" sz="1600" dirty="0">
+              <a:latin typeface="Microsoft YaHei"/>
+              <a:ea typeface="Microsoft YaHei"/>
+              <a:cs typeface="Microsoft YaHei"/>
+            </a:endParaRPr>
+          </a:p>
+        </p:txBody>
+      </p:sp>
+      <p:sp>
+        <p:nvSpPr>
+          <p:cNvPr id="49" name="文本框 48"/>
+          <p:cNvSpPr txBox="1"/>
+          <p:nvPr/>
+        </p:nvSpPr>
+        <p:spPr>
+          <a:xfrm>
+            <a:off x="6348825" y="5909457"/>
+            <a:ext cx="1859699" cy="646331"/>
+          </a:xfrm>
+          <a:prstGeom prst="rect">
+            <a:avLst/>
+          </a:prstGeom>
+          <a:noFill/>
+        </p:spPr>
+        <p:txBody>
+          <a:bodyPr wrap="square" rtlCol="0">
+            <a:spAutoFit/>
+          </a:bodyPr>
+          <a:lstStyle/>
+          <a:p>
+            <a:r>
+              <a:rPr kumimoji="1" lang="zh-CN" altLang="en-US" dirty="0" smtClean="0">
+                <a:latin typeface="Microsoft YaHei"/>
+                <a:ea typeface="Microsoft YaHei"/>
+                <a:cs typeface="Microsoft YaHei"/>
+              </a:rPr>
+              <a:t>哈希、范围、自定义函数</a:t>
+            </a:r>
+            <a:endParaRPr kumimoji="1" lang="zh-CN" altLang="en-US" dirty="0">
+              <a:latin typeface="Microsoft YaHei"/>
+              <a:ea typeface="Microsoft YaHei"/>
+              <a:cs typeface="Microsoft YaHei"/>
+            </a:endParaRPr>
+          </a:p>
+        </p:txBody>
+      </p:sp>
+    </p:spTree>
+    <p:extLst>
+      <p:ext uri="{BB962C8B-B14F-4D97-AF65-F5344CB8AC3E}">
+        <p14:creationId xmlns:p14="http://schemas.microsoft.com/office/powerpoint/2010/main" val="4180817222"/>
+      </p:ext>
+    </p:extLst>
+  </p:cSld>
+  <p:clrMapOvr>
+    <a:masterClrMapping/>
+  </p:clrMapOvr>
+</p:sld>
+</file>
+
+<file path=ppt/slides/slide5.xml><?xml version="1.0" encoding="utf-8"?>
+<p:sld xmlns:a="http://schemas.openxmlformats.org/drawingml/2006/main" xmlns:r="http://schemas.openxmlformats.org/officeDocument/2006/relationships" xmlns:p="http://schemas.openxmlformats.org/presentationml/2006/main">
+  <p:cSld>
+    <p:spTree>
+      <p:nvGrpSpPr>
+        <p:cNvPr id="1" name=""/>
+        <p:cNvGrpSpPr/>
+        <p:nvPr/>
+      </p:nvGrpSpPr>
+      <p:grpSpPr>
+        <a:xfrm>
+          <a:off x="0" y="0"/>
+          <a:ext cx="0" cy="0"/>
+          <a:chOff x="0" y="0"/>
+          <a:chExt cx="0" cy="0"/>
+        </a:xfrm>
+      </p:grpSpPr>
+      <p:sp>
+        <p:nvSpPr>
+          <p:cNvPr id="5" name="矩形 4"/>
+          <p:cNvSpPr/>
+          <p:nvPr/>
+        </p:nvSpPr>
+        <p:spPr>
+          <a:xfrm>
+            <a:off x="1585434" y="4133068"/>
+            <a:ext cx="975209" cy="402622"/>
+          </a:xfrm>
+          <a:prstGeom prst="rect">
+            <a:avLst/>
+          </a:prstGeom>
+          <a:solidFill>
+            <a:schemeClr val="accent6">
+              <a:lumMod val="75000"/>
+            </a:schemeClr>
+          </a:solidFill>
+        </p:spPr>
+        <p:style>
+          <a:lnRef idx="1">
+            <a:schemeClr val="accent1"/>
+          </a:lnRef>
+          <a:fillRef idx="3">
+            <a:schemeClr val="accent1"/>
+          </a:fillRef>
+          <a:effectRef idx="2">
+            <a:schemeClr val="accent1"/>
+          </a:effectRef>
+          <a:fontRef idx="minor">
+            <a:schemeClr val="lt1"/>
+          </a:fontRef>
+        </p:style>
+        <p:txBody>
+          <a:bodyPr rtlCol="0" anchor="ctr"/>
+          <a:lstStyle/>
+          <a:p>
+            <a:pPr algn="ctr"/>
+            <a:r>
+              <a:rPr kumimoji="1" lang="zh-CN" altLang="zh-CN" dirty="0">
+                <a:latin typeface="Microsoft YaHei"/>
+                <a:ea typeface="Microsoft YaHei"/>
+                <a:cs typeface="Microsoft YaHei"/>
+              </a:rPr>
+              <a:t>d</a:t>
+            </a:r>
+            <a:r>
+              <a:rPr kumimoji="1" lang="en-US" altLang="zh-CN" dirty="0" smtClean="0">
+                <a:latin typeface="Microsoft YaHei"/>
+                <a:ea typeface="Microsoft YaHei"/>
+                <a:cs typeface="Microsoft YaHei"/>
+              </a:rPr>
+              <a:t>s-1-1</a:t>
+            </a:r>
+            <a:endParaRPr kumimoji="1" lang="zh-CN" altLang="en-US" dirty="0">
+              <a:latin typeface="Microsoft YaHei"/>
+              <a:ea typeface="Microsoft YaHei"/>
+              <a:cs typeface="Microsoft YaHei"/>
+            </a:endParaRPr>
+          </a:p>
+        </p:txBody>
+      </p:sp>
+      <p:sp>
+        <p:nvSpPr>
+          <p:cNvPr id="8" name="矩形 7"/>
+          <p:cNvSpPr/>
+          <p:nvPr/>
+        </p:nvSpPr>
+        <p:spPr>
+          <a:xfrm>
+            <a:off x="2549302" y="4129994"/>
+            <a:ext cx="5438787" cy="402622"/>
+          </a:xfrm>
+          <a:prstGeom prst="rect">
+            <a:avLst/>
+          </a:prstGeom>
+          <a:solidFill>
+            <a:schemeClr val="accent6">
+              <a:lumMod val="75000"/>
+            </a:schemeClr>
+          </a:solidFill>
+        </p:spPr>
+        <p:style>
+          <a:lnRef idx="1">
+            <a:schemeClr val="accent1"/>
+          </a:lnRef>
+          <a:fillRef idx="3">
+            <a:schemeClr val="accent1"/>
+          </a:fillRef>
+          <a:effectRef idx="2">
+            <a:schemeClr val="accent1"/>
+          </a:effectRef>
+          <a:fontRef idx="minor">
+            <a:schemeClr val="lt1"/>
+          </a:fontRef>
+        </p:style>
+        <p:txBody>
+          <a:bodyPr rtlCol="0" anchor="ctr"/>
+          <a:lstStyle/>
+          <a:p>
+            <a:pPr algn="ctr"/>
+            <a:r>
+              <a:rPr kumimoji="1" lang="en-US" altLang="zh-CN" dirty="0" smtClean="0">
+                <a:latin typeface="Microsoft YaHei"/>
+                <a:ea typeface="Microsoft YaHei"/>
+                <a:cs typeface="Microsoft YaHei"/>
+              </a:rPr>
+              <a:t>1</a:t>
+            </a:r>
+            <a:r>
+              <a:rPr kumimoji="1" lang="zh-CN" altLang="zh-CN" dirty="0" smtClean="0">
+                <a:latin typeface="Microsoft YaHei"/>
+                <a:ea typeface="Microsoft YaHei"/>
+                <a:cs typeface="Microsoft YaHei"/>
+              </a:rPr>
+              <a:t>9</a:t>
+            </a:r>
+            <a:r>
+              <a:rPr kumimoji="1" lang="en-US" altLang="zh-CN" dirty="0" smtClean="0">
+                <a:latin typeface="Microsoft YaHei"/>
+                <a:ea typeface="Microsoft YaHei"/>
+                <a:cs typeface="Microsoft YaHei"/>
+              </a:rPr>
+              <a:t>2.168.1.1:3306:useradmin_inst_1</a:t>
+            </a:r>
+            <a:endParaRPr kumimoji="1" lang="zh-CN" altLang="en-US" dirty="0">
+              <a:latin typeface="Microsoft YaHei"/>
+              <a:ea typeface="Microsoft YaHei"/>
+              <a:cs typeface="Microsoft YaHei"/>
+            </a:endParaRPr>
+          </a:p>
+        </p:txBody>
+      </p:sp>
+      <p:sp>
+        <p:nvSpPr>
+          <p:cNvPr id="12" name="文本框 11"/>
+          <p:cNvSpPr txBox="1"/>
+          <p:nvPr/>
+        </p:nvSpPr>
+        <p:spPr>
+          <a:xfrm>
+            <a:off x="498943" y="1629707"/>
+            <a:ext cx="8243918" cy="461665"/>
+          </a:xfrm>
+          <a:prstGeom prst="rect">
+            <a:avLst/>
+          </a:prstGeom>
+          <a:solidFill>
+            <a:srgbClr val="C0504D"/>
+          </a:solidFill>
+        </p:spPr>
+        <p:txBody>
+          <a:bodyPr wrap="square" rtlCol="0">
+            <a:spAutoFit/>
+          </a:bodyPr>
+          <a:lstStyle/>
+          <a:p>
+            <a:r>
+              <a:rPr lang="en-US" altLang="zh-CN" sz="2400" dirty="0">
+                <a:solidFill>
+                  <a:schemeClr val="bg1">
+                    <a:lumMod val="95000"/>
+                  </a:schemeClr>
+                </a:solidFill>
+                <a:latin typeface="Microsoft YaHei"/>
+                <a:ea typeface="Microsoft YaHei"/>
+                <a:cs typeface="Microsoft YaHei"/>
+              </a:rPr>
+              <a:t>jdbc:mysql:/</a:t>
+            </a:r>
+            <a:r>
+              <a:rPr lang="en-US" altLang="zh-CN" sz="2400" dirty="0" smtClean="0">
+                <a:solidFill>
+                  <a:schemeClr val="bg1">
+                    <a:lumMod val="95000"/>
+                  </a:schemeClr>
+                </a:solidFill>
+                <a:latin typeface="Microsoft YaHei"/>
+                <a:ea typeface="Microsoft YaHei"/>
+                <a:cs typeface="Microsoft YaHei"/>
+              </a:rPr>
+              <a:t>/192.168.1.[1,2]:</a:t>
+            </a:r>
+            <a:r>
+              <a:rPr lang="en-US" altLang="zh-CN" sz="2400" dirty="0">
+                <a:solidFill>
+                  <a:schemeClr val="bg1">
+                    <a:lumMod val="95000"/>
+                  </a:schemeClr>
+                </a:solidFill>
+                <a:latin typeface="Microsoft YaHei"/>
+                <a:ea typeface="Microsoft YaHei"/>
+                <a:cs typeface="Microsoft YaHei"/>
+              </a:rPr>
+              <a:t>3306</a:t>
+            </a:r>
+            <a:r>
+              <a:rPr lang="en-US" altLang="zh-CN" sz="2400" dirty="0" smtClean="0">
+                <a:solidFill>
+                  <a:schemeClr val="bg1">
+                    <a:lumMod val="95000"/>
+                  </a:schemeClr>
+                </a:solidFill>
+                <a:latin typeface="Microsoft YaHei"/>
+                <a:ea typeface="Microsoft YaHei"/>
+                <a:cs typeface="Microsoft YaHei"/>
+              </a:rPr>
+              <a:t>:useradmin_inst</a:t>
+            </a:r>
+            <a:r>
+              <a:rPr lang="zh-CN" altLang="zh-CN" sz="2400" dirty="0" smtClean="0">
+                <a:solidFill>
+                  <a:schemeClr val="bg1">
+                    <a:lumMod val="95000"/>
+                  </a:schemeClr>
+                </a:solidFill>
+                <a:latin typeface="Microsoft YaHei"/>
+                <a:ea typeface="Microsoft YaHei"/>
+                <a:cs typeface="Microsoft YaHei"/>
+              </a:rPr>
+              <a:t>_</a:t>
+            </a:r>
+            <a:r>
+              <a:rPr lang="en-US" altLang="zh-CN" sz="2400" dirty="0" smtClean="0">
+                <a:solidFill>
+                  <a:schemeClr val="bg1">
+                    <a:lumMod val="95000"/>
+                  </a:schemeClr>
+                </a:solidFill>
+                <a:latin typeface="Microsoft YaHei"/>
+                <a:ea typeface="Microsoft YaHei"/>
+                <a:cs typeface="Microsoft YaHei"/>
+              </a:rPr>
+              <a:t>[1-</a:t>
+            </a:r>
+            <a:r>
+              <a:rPr lang="zh-CN" altLang="zh-CN" sz="2400" dirty="0">
+                <a:solidFill>
+                  <a:schemeClr val="bg1">
+                    <a:lumMod val="95000"/>
+                  </a:schemeClr>
+                </a:solidFill>
+                <a:latin typeface="Microsoft YaHei"/>
+                <a:ea typeface="Microsoft YaHei"/>
+                <a:cs typeface="Microsoft YaHei"/>
+              </a:rPr>
+              <a:t>3</a:t>
+            </a:r>
+            <a:r>
+              <a:rPr lang="en-US" altLang="en-US" sz="2400" dirty="0" smtClean="0">
+                <a:solidFill>
+                  <a:schemeClr val="bg1">
+                    <a:lumMod val="95000"/>
+                  </a:schemeClr>
+                </a:solidFill>
+                <a:latin typeface="Microsoft YaHei"/>
+                <a:ea typeface="Microsoft YaHei"/>
+                <a:cs typeface="Microsoft YaHei"/>
+              </a:rPr>
+              <a:t>]</a:t>
+            </a:r>
+            <a:endParaRPr kumimoji="1" lang="zh-CN" altLang="en-US" sz="2400" dirty="0">
+              <a:solidFill>
+                <a:schemeClr val="bg1">
+                  <a:lumMod val="95000"/>
+                </a:schemeClr>
+              </a:solidFill>
+              <a:latin typeface="Microsoft YaHei"/>
+              <a:ea typeface="Microsoft YaHei"/>
+              <a:cs typeface="Microsoft YaHei"/>
+            </a:endParaRPr>
+          </a:p>
+        </p:txBody>
+      </p:sp>
+      <p:sp>
+        <p:nvSpPr>
+          <p:cNvPr id="13" name="文本框 12"/>
+          <p:cNvSpPr txBox="1"/>
+          <p:nvPr/>
+        </p:nvSpPr>
+        <p:spPr>
+          <a:xfrm>
+            <a:off x="226795" y="238145"/>
+            <a:ext cx="2749471" cy="707886"/>
+          </a:xfrm>
+          <a:prstGeom prst="rect">
+            <a:avLst/>
+          </a:prstGeom>
+          <a:noFill/>
+        </p:spPr>
+        <p:txBody>
+          <a:bodyPr wrap="none" rtlCol="0">
+            <a:spAutoFit/>
+          </a:bodyPr>
+          <a:lstStyle/>
+          <a:p>
+            <a:r>
+              <a:rPr kumimoji="1" lang="zh-CN" altLang="en-US" sz="4000" b="1" dirty="0" smtClean="0">
+                <a:latin typeface="Microsoft YaHei"/>
+                <a:ea typeface="Microsoft YaHei"/>
+                <a:cs typeface="Microsoft YaHei"/>
+              </a:rPr>
+              <a:t>数据源定义</a:t>
+            </a:r>
+            <a:endParaRPr kumimoji="1" lang="zh-CN" altLang="en-US" sz="4000" b="1" dirty="0">
+              <a:latin typeface="Microsoft YaHei"/>
+              <a:ea typeface="Microsoft YaHei"/>
+              <a:cs typeface="Microsoft YaHei"/>
+            </a:endParaRPr>
+          </a:p>
+        </p:txBody>
+      </p:sp>
+      <p:sp>
+        <p:nvSpPr>
+          <p:cNvPr id="14" name="文本框 13"/>
+          <p:cNvSpPr txBox="1"/>
+          <p:nvPr/>
+        </p:nvSpPr>
+        <p:spPr>
+          <a:xfrm>
+            <a:off x="498943" y="1226354"/>
+            <a:ext cx="1479892" cy="369332"/>
+          </a:xfrm>
+          <a:prstGeom prst="rect">
+            <a:avLst/>
+          </a:prstGeom>
+          <a:noFill/>
+        </p:spPr>
+        <p:txBody>
+          <a:bodyPr wrap="none" rtlCol="0">
+            <a:spAutoFit/>
+          </a:bodyPr>
+          <a:lstStyle/>
+          <a:p>
+            <a:r>
+              <a:rPr kumimoji="1" lang="en-US" altLang="zh-CN" b="1" dirty="0" smtClean="0">
+                <a:latin typeface="Microsoft YaHei"/>
+                <a:ea typeface="Microsoft YaHei"/>
+                <a:cs typeface="Microsoft YaHei"/>
+              </a:rPr>
+              <a:t>1</a:t>
+            </a:r>
+            <a:r>
+              <a:rPr kumimoji="1" lang="zh-CN" altLang="en-US" b="1" dirty="0" smtClean="0">
+                <a:latin typeface="Microsoft YaHei"/>
+                <a:ea typeface="Microsoft YaHei"/>
+                <a:cs typeface="Microsoft YaHei"/>
+              </a:rPr>
+              <a:t>、定义描述</a:t>
+            </a:r>
+            <a:endParaRPr kumimoji="1" lang="zh-CN" altLang="en-US" b="1" dirty="0">
+              <a:latin typeface="Microsoft YaHei"/>
+              <a:ea typeface="Microsoft YaHei"/>
+              <a:cs typeface="Microsoft YaHei"/>
+            </a:endParaRPr>
+          </a:p>
+        </p:txBody>
+      </p:sp>
+      <p:sp>
+        <p:nvSpPr>
+          <p:cNvPr id="16" name="文本框 15"/>
+          <p:cNvSpPr txBox="1"/>
+          <p:nvPr/>
+        </p:nvSpPr>
+        <p:spPr>
+          <a:xfrm>
+            <a:off x="4033989" y="2440749"/>
+            <a:ext cx="540933" cy="307777"/>
+          </a:xfrm>
+          <a:prstGeom prst="rect">
+            <a:avLst/>
+          </a:prstGeom>
+          <a:solidFill>
+            <a:srgbClr val="008000"/>
+          </a:solidFill>
+        </p:spPr>
+        <p:txBody>
+          <a:bodyPr wrap="none" rtlCol="0">
+            <a:spAutoFit/>
+          </a:bodyPr>
+          <a:lstStyle/>
+          <a:p>
+            <a:r>
+              <a:rPr kumimoji="1" lang="zh-CN" altLang="en-US" sz="1400" dirty="0" smtClean="0">
+                <a:solidFill>
+                  <a:schemeClr val="bg1"/>
+                </a:solidFill>
+                <a:latin typeface="Microsoft YaHei"/>
+                <a:ea typeface="Microsoft YaHei"/>
+                <a:cs typeface="Microsoft YaHei"/>
+              </a:rPr>
+              <a:t>节点</a:t>
+            </a:r>
+            <a:endParaRPr kumimoji="1" lang="zh-CN" altLang="en-US" sz="1400" dirty="0">
+              <a:solidFill>
+                <a:schemeClr val="bg1"/>
+              </a:solidFill>
+              <a:latin typeface="Microsoft YaHei"/>
+              <a:ea typeface="Microsoft YaHei"/>
+              <a:cs typeface="Microsoft YaHei"/>
+            </a:endParaRPr>
+          </a:p>
+        </p:txBody>
+      </p:sp>
+      <p:sp>
+        <p:nvSpPr>
+          <p:cNvPr id="17" name="文本框 16"/>
+          <p:cNvSpPr txBox="1"/>
+          <p:nvPr/>
+        </p:nvSpPr>
+        <p:spPr>
+          <a:xfrm>
+            <a:off x="7837752" y="2444943"/>
+            <a:ext cx="543739" cy="307777"/>
+          </a:xfrm>
+          <a:prstGeom prst="rect">
+            <a:avLst/>
+          </a:prstGeom>
+          <a:solidFill>
+            <a:srgbClr val="008000"/>
+          </a:solidFill>
+        </p:spPr>
+        <p:txBody>
+          <a:bodyPr wrap="none" rtlCol="0">
+            <a:spAutoFit/>
+          </a:bodyPr>
+          <a:lstStyle/>
+          <a:p>
+            <a:r>
+              <a:rPr kumimoji="1" lang="zh-CN" altLang="en-US" sz="1400" dirty="0" smtClean="0">
+                <a:solidFill>
+                  <a:schemeClr val="bg1"/>
+                </a:solidFill>
+                <a:latin typeface="Microsoft YaHei"/>
+                <a:ea typeface="Microsoft YaHei"/>
+                <a:cs typeface="Microsoft YaHei"/>
+              </a:rPr>
+              <a:t>实例</a:t>
+            </a:r>
+            <a:endParaRPr kumimoji="1" lang="zh-CN" altLang="en-US" sz="1400" dirty="0">
+              <a:solidFill>
+                <a:schemeClr val="bg1"/>
+              </a:solidFill>
+              <a:latin typeface="Microsoft YaHei"/>
+              <a:ea typeface="Microsoft YaHei"/>
+              <a:cs typeface="Microsoft YaHei"/>
+            </a:endParaRPr>
+          </a:p>
+        </p:txBody>
+      </p:sp>
+      <p:sp>
+        <p:nvSpPr>
+          <p:cNvPr id="18" name="上箭头 17"/>
+          <p:cNvSpPr/>
+          <p:nvPr/>
+        </p:nvSpPr>
+        <p:spPr>
+          <a:xfrm>
+            <a:off x="4207005" y="2114052"/>
+            <a:ext cx="204114" cy="279312"/>
+          </a:xfrm>
+          <a:prstGeom prst="upArrow">
+            <a:avLst/>
+          </a:prstGeom>
+        </p:spPr>
+        <p:style>
+          <a:lnRef idx="1">
+            <a:schemeClr val="accent1"/>
+          </a:lnRef>
+          <a:fillRef idx="3">
+            <a:schemeClr val="accent1"/>
+          </a:fillRef>
+          <a:effectRef idx="2">
+            <a:schemeClr val="accent1"/>
+          </a:effectRef>
+          <a:fontRef idx="minor">
+            <a:schemeClr val="lt1"/>
+          </a:fontRef>
+        </p:style>
+        <p:txBody>
+          <a:bodyPr rtlCol="0" anchor="ctr"/>
+          <a:lstStyle/>
+          <a:p>
+            <a:pPr algn="ctr"/>
+            <a:endParaRPr kumimoji="1" lang="zh-CN" altLang="en-US">
+              <a:latin typeface="Microsoft YaHei"/>
+              <a:ea typeface="Microsoft YaHei"/>
+              <a:cs typeface="Microsoft YaHei"/>
+            </a:endParaRPr>
+          </a:p>
+        </p:txBody>
+      </p:sp>
+      <p:sp>
+        <p:nvSpPr>
+          <p:cNvPr id="19" name="上箭头 18"/>
+          <p:cNvSpPr/>
+          <p:nvPr/>
+        </p:nvSpPr>
+        <p:spPr>
+          <a:xfrm>
+            <a:off x="7988089" y="2114052"/>
+            <a:ext cx="204114" cy="279312"/>
+          </a:xfrm>
+          <a:prstGeom prst="upArrow">
+            <a:avLst/>
+          </a:prstGeom>
+        </p:spPr>
+        <p:style>
+          <a:lnRef idx="1">
+            <a:schemeClr val="accent1"/>
+          </a:lnRef>
+          <a:fillRef idx="3">
+            <a:schemeClr val="accent1"/>
+          </a:fillRef>
+          <a:effectRef idx="2">
+            <a:schemeClr val="accent1"/>
+          </a:effectRef>
+          <a:fontRef idx="minor">
+            <a:schemeClr val="lt1"/>
+          </a:fontRef>
+        </p:style>
+        <p:txBody>
+          <a:bodyPr rtlCol="0" anchor="ctr"/>
+          <a:lstStyle/>
+          <a:p>
+            <a:pPr algn="ctr"/>
+            <a:endParaRPr kumimoji="1" lang="zh-CN" altLang="en-US">
+              <a:latin typeface="Microsoft YaHei"/>
+              <a:ea typeface="Microsoft YaHei"/>
+              <a:cs typeface="Microsoft YaHei"/>
+            </a:endParaRPr>
+          </a:p>
+        </p:txBody>
+      </p:sp>
+      <p:sp>
+        <p:nvSpPr>
+          <p:cNvPr id="20" name="矩形 19"/>
+          <p:cNvSpPr/>
+          <p:nvPr/>
+        </p:nvSpPr>
+        <p:spPr>
+          <a:xfrm>
+            <a:off x="498943" y="2832868"/>
+            <a:ext cx="1983085" cy="369332"/>
+          </a:xfrm>
+          <a:prstGeom prst="rect">
+            <a:avLst/>
+          </a:prstGeom>
+        </p:spPr>
+        <p:txBody>
+          <a:bodyPr wrap="none">
+            <a:spAutoFit/>
+          </a:bodyPr>
+          <a:lstStyle/>
+          <a:p>
+            <a:r>
+              <a:rPr lang="en-US" altLang="zh-CN" dirty="0">
+                <a:latin typeface="Microsoft YaHei"/>
+                <a:ea typeface="Microsoft YaHei"/>
+                <a:cs typeface="Microsoft YaHei"/>
+              </a:rPr>
+              <a:t>[1,2</a:t>
+            </a:r>
+            <a:r>
+              <a:rPr lang="en-US" altLang="zh-CN" dirty="0" smtClean="0">
+                <a:latin typeface="Microsoft YaHei"/>
+                <a:ea typeface="Microsoft YaHei"/>
+                <a:cs typeface="Microsoft YaHei"/>
+              </a:rPr>
+              <a:t>]</a:t>
+            </a:r>
+            <a:r>
+              <a:rPr lang="zh-CN" altLang="zh-CN" dirty="0" smtClean="0">
+                <a:latin typeface="Microsoft YaHei"/>
+                <a:ea typeface="Microsoft YaHei"/>
+                <a:cs typeface="Microsoft YaHei"/>
+              </a:rPr>
+              <a:t>:</a:t>
+            </a:r>
+            <a:r>
+              <a:rPr lang="zh-CN" altLang="zh-CN" dirty="0">
+                <a:latin typeface="Microsoft YaHei"/>
+                <a:ea typeface="Microsoft YaHei"/>
+                <a:cs typeface="Microsoft YaHei"/>
+              </a:rPr>
+              <a:t> </a:t>
+            </a:r>
+            <a:r>
+              <a:rPr lang="zh-CN" altLang="en-US" dirty="0" smtClean="0">
+                <a:latin typeface="Microsoft YaHei"/>
+                <a:ea typeface="Microsoft YaHei"/>
+                <a:cs typeface="Microsoft YaHei"/>
+              </a:rPr>
+              <a:t>表示</a:t>
+            </a:r>
+            <a:r>
+              <a:rPr lang="en-US" altLang="zh-CN" dirty="0" smtClean="0">
+                <a:latin typeface="Microsoft YaHei"/>
+                <a:ea typeface="Microsoft YaHei"/>
+                <a:cs typeface="Microsoft YaHei"/>
+              </a:rPr>
+              <a:t>1</a:t>
+            </a:r>
+            <a:r>
+              <a:rPr lang="zh-CN" altLang="en-US" dirty="0" smtClean="0">
+                <a:latin typeface="Microsoft YaHei"/>
+                <a:ea typeface="Microsoft YaHei"/>
+                <a:cs typeface="Microsoft YaHei"/>
+              </a:rPr>
+              <a:t>和</a:t>
+            </a:r>
+            <a:r>
+              <a:rPr lang="en-US" altLang="zh-CN" dirty="0" smtClean="0">
+                <a:latin typeface="Microsoft YaHei"/>
+                <a:ea typeface="Microsoft YaHei"/>
+                <a:cs typeface="Microsoft YaHei"/>
+              </a:rPr>
+              <a:t>2</a:t>
+            </a:r>
+            <a:r>
+              <a:rPr lang="zh-CN" altLang="en-US" dirty="0" smtClean="0">
+                <a:latin typeface="Microsoft YaHei"/>
+                <a:ea typeface="Microsoft YaHei"/>
+                <a:cs typeface="Microsoft YaHei"/>
+              </a:rPr>
+              <a:t>。</a:t>
+            </a:r>
+            <a:endParaRPr lang="zh-CN" altLang="en-US" dirty="0">
+              <a:latin typeface="Microsoft YaHei"/>
+              <a:ea typeface="Microsoft YaHei"/>
+              <a:cs typeface="Microsoft YaHei"/>
+            </a:endParaRPr>
+          </a:p>
+        </p:txBody>
+      </p:sp>
+      <p:sp>
+        <p:nvSpPr>
+          <p:cNvPr id="21" name="矩形 20"/>
+          <p:cNvSpPr/>
+          <p:nvPr/>
+        </p:nvSpPr>
+        <p:spPr>
+          <a:xfrm>
+            <a:off x="3042446" y="2876118"/>
+            <a:ext cx="3125976" cy="369332"/>
+          </a:xfrm>
+          <a:prstGeom prst="rect">
+            <a:avLst/>
+          </a:prstGeom>
+        </p:spPr>
+        <p:txBody>
+          <a:bodyPr wrap="none">
+            <a:spAutoFit/>
+          </a:bodyPr>
+          <a:lstStyle/>
+          <a:p>
+            <a:r>
+              <a:rPr lang="en-US" altLang="zh-CN" dirty="0">
+                <a:latin typeface="Microsoft YaHei"/>
+                <a:ea typeface="Microsoft YaHei"/>
+                <a:cs typeface="Microsoft YaHei"/>
+              </a:rPr>
+              <a:t>[</a:t>
+            </a:r>
+            <a:r>
+              <a:rPr lang="en-US" altLang="zh-CN" dirty="0" smtClean="0">
+                <a:latin typeface="Microsoft YaHei"/>
+                <a:ea typeface="Microsoft YaHei"/>
+                <a:cs typeface="Microsoft YaHei"/>
+              </a:rPr>
+              <a:t>1-</a:t>
+            </a:r>
+            <a:r>
+              <a:rPr lang="zh-CN" altLang="zh-CN" dirty="0">
+                <a:latin typeface="Microsoft YaHei"/>
+                <a:ea typeface="Microsoft YaHei"/>
+                <a:cs typeface="Microsoft YaHei"/>
+              </a:rPr>
+              <a:t>5</a:t>
+            </a:r>
+            <a:r>
+              <a:rPr lang="en-US" altLang="zh-CN" dirty="0" smtClean="0">
+                <a:latin typeface="Microsoft YaHei"/>
+                <a:ea typeface="Microsoft YaHei"/>
+                <a:cs typeface="Microsoft YaHei"/>
+              </a:rPr>
+              <a:t>]</a:t>
+            </a:r>
+            <a:r>
+              <a:rPr lang="zh-CN" altLang="zh-CN" dirty="0" smtClean="0">
+                <a:latin typeface="Microsoft YaHei"/>
+                <a:ea typeface="Microsoft YaHei"/>
+                <a:cs typeface="Microsoft YaHei"/>
+              </a:rPr>
+              <a:t>:</a:t>
+            </a:r>
+            <a:r>
+              <a:rPr lang="zh-CN" altLang="zh-CN" dirty="0">
+                <a:latin typeface="Microsoft YaHei"/>
+                <a:ea typeface="Microsoft YaHei"/>
+                <a:cs typeface="Microsoft YaHei"/>
+              </a:rPr>
+              <a:t> </a:t>
+            </a:r>
+            <a:r>
+              <a:rPr lang="zh-CN" altLang="en-US" dirty="0" smtClean="0">
+                <a:latin typeface="Microsoft YaHei"/>
+                <a:ea typeface="Microsoft YaHei"/>
+                <a:cs typeface="Microsoft YaHei"/>
+              </a:rPr>
+              <a:t>表示</a:t>
+            </a:r>
+            <a:r>
+              <a:rPr lang="en-US" altLang="zh-CN" dirty="0" smtClean="0">
+                <a:latin typeface="Microsoft YaHei"/>
+                <a:ea typeface="Microsoft YaHei"/>
+                <a:cs typeface="Microsoft YaHei"/>
+              </a:rPr>
+              <a:t>1</a:t>
+            </a:r>
+            <a:r>
+              <a:rPr lang="zh-CN" altLang="en-US" dirty="0" smtClean="0">
+                <a:latin typeface="Microsoft YaHei"/>
+                <a:ea typeface="Microsoft YaHei"/>
+                <a:cs typeface="Microsoft YaHei"/>
+              </a:rPr>
+              <a:t>、</a:t>
+            </a:r>
+            <a:r>
+              <a:rPr lang="en-US" altLang="zh-CN" dirty="0" smtClean="0">
+                <a:latin typeface="Microsoft YaHei"/>
+                <a:ea typeface="Microsoft YaHei"/>
+                <a:cs typeface="Microsoft YaHei"/>
+              </a:rPr>
+              <a:t>2</a:t>
+            </a:r>
+            <a:r>
+              <a:rPr lang="zh-CN" altLang="en-US" dirty="0" smtClean="0">
+                <a:latin typeface="Microsoft YaHei"/>
+                <a:ea typeface="Microsoft YaHei"/>
+                <a:cs typeface="Microsoft YaHei"/>
+              </a:rPr>
+              <a:t>、</a:t>
+            </a:r>
+            <a:r>
+              <a:rPr lang="en-US" altLang="zh-CN" dirty="0" smtClean="0">
+                <a:latin typeface="Microsoft YaHei"/>
+                <a:ea typeface="Microsoft YaHei"/>
+                <a:cs typeface="Microsoft YaHei"/>
+              </a:rPr>
+              <a:t>3</a:t>
+            </a:r>
+            <a:r>
+              <a:rPr lang="zh-CN" altLang="en-US" dirty="0" smtClean="0">
+                <a:latin typeface="Microsoft YaHei"/>
+                <a:ea typeface="Microsoft YaHei"/>
+                <a:cs typeface="Microsoft YaHei"/>
+              </a:rPr>
+              <a:t>、</a:t>
+            </a:r>
+            <a:r>
+              <a:rPr lang="en-US" altLang="zh-CN" dirty="0" smtClean="0">
+                <a:latin typeface="Microsoft YaHei"/>
+                <a:ea typeface="Microsoft YaHei"/>
+                <a:cs typeface="Microsoft YaHei"/>
+              </a:rPr>
+              <a:t>4</a:t>
+            </a:r>
+            <a:r>
+              <a:rPr lang="zh-CN" altLang="en-US" dirty="0" smtClean="0">
+                <a:latin typeface="Microsoft YaHei"/>
+                <a:ea typeface="Microsoft YaHei"/>
+                <a:cs typeface="Microsoft YaHei"/>
+              </a:rPr>
+              <a:t>、</a:t>
+            </a:r>
+            <a:r>
+              <a:rPr lang="en-US" altLang="zh-CN" dirty="0" smtClean="0">
+                <a:latin typeface="Microsoft YaHei"/>
+                <a:ea typeface="Microsoft YaHei"/>
+                <a:cs typeface="Microsoft YaHei"/>
+              </a:rPr>
+              <a:t>5</a:t>
+            </a:r>
+            <a:r>
+              <a:rPr lang="zh-CN" altLang="en-US" dirty="0" smtClean="0">
+                <a:latin typeface="Microsoft YaHei"/>
+                <a:ea typeface="Microsoft YaHei"/>
+                <a:cs typeface="Microsoft YaHei"/>
+              </a:rPr>
+              <a:t>。</a:t>
+            </a:r>
+            <a:endParaRPr lang="zh-CN" altLang="en-US" dirty="0">
+              <a:latin typeface="Microsoft YaHei"/>
+              <a:ea typeface="Microsoft YaHei"/>
+              <a:cs typeface="Microsoft YaHei"/>
+            </a:endParaRPr>
+          </a:p>
+        </p:txBody>
+      </p:sp>
+      <p:sp>
+        <p:nvSpPr>
+          <p:cNvPr id="22" name="文本框 21"/>
+          <p:cNvSpPr txBox="1"/>
+          <p:nvPr/>
+        </p:nvSpPr>
+        <p:spPr>
+          <a:xfrm>
+            <a:off x="498943" y="3488035"/>
+            <a:ext cx="3276896" cy="369332"/>
+          </a:xfrm>
+          <a:prstGeom prst="rect">
+            <a:avLst/>
+          </a:prstGeom>
+          <a:noFill/>
+        </p:spPr>
+        <p:txBody>
+          <a:bodyPr wrap="none" rtlCol="0">
+            <a:spAutoFit/>
+          </a:bodyPr>
+          <a:lstStyle/>
+          <a:p>
+            <a:r>
+              <a:rPr kumimoji="1" lang="zh-CN" altLang="zh-CN" b="1" dirty="0">
+                <a:latin typeface="Microsoft YaHei"/>
+                <a:ea typeface="Microsoft YaHei"/>
+                <a:cs typeface="Microsoft YaHei"/>
+              </a:rPr>
+              <a:t>2</a:t>
+            </a:r>
+            <a:r>
+              <a:rPr kumimoji="1" lang="zh-CN" altLang="en-US" b="1" dirty="0" smtClean="0">
+                <a:latin typeface="Microsoft YaHei"/>
+                <a:ea typeface="Microsoft YaHei"/>
+                <a:cs typeface="Microsoft YaHei"/>
+              </a:rPr>
+              <a:t>、定义后的数据源</a:t>
+            </a:r>
+            <a:r>
+              <a:rPr kumimoji="1" lang="en-US" altLang="zh-CN" b="1" dirty="0" smtClean="0">
+                <a:latin typeface="Microsoft YaHei"/>
+                <a:ea typeface="Microsoft YaHei"/>
+                <a:cs typeface="Microsoft YaHei"/>
+              </a:rPr>
+              <a:t>(</a:t>
+            </a:r>
+            <a:r>
+              <a:rPr kumimoji="1" lang="zh-CN" altLang="en-US" b="1" dirty="0" smtClean="0">
+                <a:latin typeface="Microsoft YaHei"/>
+                <a:ea typeface="Microsoft YaHei"/>
+                <a:cs typeface="Microsoft YaHei"/>
+              </a:rPr>
+              <a:t>数组存储</a:t>
+            </a:r>
+            <a:r>
+              <a:rPr kumimoji="1" lang="en-US" altLang="zh-CN" b="1" dirty="0" smtClean="0">
+                <a:latin typeface="Microsoft YaHei"/>
+                <a:ea typeface="Microsoft YaHei"/>
+                <a:cs typeface="Microsoft YaHei"/>
+              </a:rPr>
+              <a:t>)</a:t>
+            </a:r>
+            <a:endParaRPr kumimoji="1" lang="zh-CN" altLang="en-US" b="1" dirty="0">
+              <a:latin typeface="Microsoft YaHei"/>
+              <a:ea typeface="Microsoft YaHei"/>
+              <a:cs typeface="Microsoft YaHei"/>
+            </a:endParaRPr>
+          </a:p>
+        </p:txBody>
+      </p:sp>
+      <p:sp>
+        <p:nvSpPr>
+          <p:cNvPr id="23" name="矩形 22"/>
+          <p:cNvSpPr/>
+          <p:nvPr/>
+        </p:nvSpPr>
+        <p:spPr>
+          <a:xfrm>
+            <a:off x="1585434" y="4535690"/>
+            <a:ext cx="975209" cy="402622"/>
+          </a:xfrm>
+          <a:prstGeom prst="rect">
+            <a:avLst/>
+          </a:prstGeom>
+          <a:solidFill>
+            <a:schemeClr val="accent6">
+              <a:lumMod val="75000"/>
+            </a:schemeClr>
+          </a:solidFill>
+        </p:spPr>
+        <p:style>
+          <a:lnRef idx="1">
+            <a:schemeClr val="accent1"/>
+          </a:lnRef>
+          <a:fillRef idx="3">
+            <a:schemeClr val="accent1"/>
+          </a:fillRef>
+          <a:effectRef idx="2">
+            <a:schemeClr val="accent1"/>
+          </a:effectRef>
+          <a:fontRef idx="minor">
+            <a:schemeClr val="lt1"/>
+          </a:fontRef>
+        </p:style>
+        <p:txBody>
+          <a:bodyPr rtlCol="0" anchor="ctr"/>
+          <a:lstStyle/>
+          <a:p>
+            <a:pPr algn="ctr"/>
+            <a:r>
+              <a:rPr kumimoji="1" lang="zh-CN" altLang="zh-CN" dirty="0">
+                <a:latin typeface="Microsoft YaHei"/>
+                <a:ea typeface="Microsoft YaHei"/>
+                <a:cs typeface="Microsoft YaHei"/>
+              </a:rPr>
+              <a:t>d</a:t>
+            </a:r>
+            <a:r>
+              <a:rPr kumimoji="1" lang="en-US" altLang="zh-CN" dirty="0" smtClean="0">
+                <a:latin typeface="Microsoft YaHei"/>
+                <a:ea typeface="Microsoft YaHei"/>
+                <a:cs typeface="Microsoft YaHei"/>
+              </a:rPr>
+              <a:t>s-1-2</a:t>
+            </a:r>
+            <a:endParaRPr kumimoji="1" lang="zh-CN" altLang="en-US" dirty="0">
+              <a:latin typeface="Microsoft YaHei"/>
+              <a:ea typeface="Microsoft YaHei"/>
+              <a:cs typeface="Microsoft YaHei"/>
+            </a:endParaRPr>
+          </a:p>
+        </p:txBody>
+      </p:sp>
+      <p:sp>
+        <p:nvSpPr>
+          <p:cNvPr id="24" name="矩形 23"/>
+          <p:cNvSpPr/>
+          <p:nvPr/>
+        </p:nvSpPr>
+        <p:spPr>
+          <a:xfrm>
+            <a:off x="2549302" y="4532616"/>
+            <a:ext cx="5438787" cy="402622"/>
+          </a:xfrm>
+          <a:prstGeom prst="rect">
+            <a:avLst/>
+          </a:prstGeom>
+          <a:solidFill>
+            <a:schemeClr val="accent6">
+              <a:lumMod val="75000"/>
+            </a:schemeClr>
+          </a:solidFill>
+        </p:spPr>
+        <p:style>
+          <a:lnRef idx="1">
+            <a:schemeClr val="accent1"/>
+          </a:lnRef>
+          <a:fillRef idx="3">
+            <a:schemeClr val="accent1"/>
+          </a:fillRef>
+          <a:effectRef idx="2">
+            <a:schemeClr val="accent1"/>
+          </a:effectRef>
+          <a:fontRef idx="minor">
+            <a:schemeClr val="lt1"/>
+          </a:fontRef>
+        </p:style>
+        <p:txBody>
+          <a:bodyPr rtlCol="0" anchor="ctr"/>
+          <a:lstStyle/>
+          <a:p>
+            <a:pPr algn="ctr"/>
+            <a:r>
+              <a:rPr kumimoji="1" lang="en-US" altLang="zh-CN" dirty="0" smtClean="0">
+                <a:latin typeface="Microsoft YaHei"/>
+                <a:ea typeface="Microsoft YaHei"/>
+                <a:cs typeface="Microsoft YaHei"/>
+              </a:rPr>
+              <a:t>1</a:t>
+            </a:r>
+            <a:r>
+              <a:rPr kumimoji="1" lang="zh-CN" altLang="zh-CN" dirty="0" smtClean="0">
+                <a:latin typeface="Microsoft YaHei"/>
+                <a:ea typeface="Microsoft YaHei"/>
+                <a:cs typeface="Microsoft YaHei"/>
+              </a:rPr>
+              <a:t>9</a:t>
+            </a:r>
+            <a:r>
+              <a:rPr kumimoji="1" lang="en-US" altLang="zh-CN" dirty="0" smtClean="0">
+                <a:latin typeface="Microsoft YaHei"/>
+                <a:ea typeface="Microsoft YaHei"/>
+                <a:cs typeface="Microsoft YaHei"/>
+              </a:rPr>
+              <a:t>2.168.1.1:3306:useradmin_inst_2</a:t>
+            </a:r>
+            <a:endParaRPr kumimoji="1" lang="zh-CN" altLang="en-US" dirty="0">
+              <a:latin typeface="Microsoft YaHei"/>
+              <a:ea typeface="Microsoft YaHei"/>
+              <a:cs typeface="Microsoft YaHei"/>
+            </a:endParaRPr>
+          </a:p>
+        </p:txBody>
+      </p:sp>
+      <p:sp>
+        <p:nvSpPr>
+          <p:cNvPr id="25" name="矩形 24"/>
+          <p:cNvSpPr/>
+          <p:nvPr/>
+        </p:nvSpPr>
+        <p:spPr>
+          <a:xfrm>
+            <a:off x="1585434" y="4939744"/>
+            <a:ext cx="975209" cy="402622"/>
+          </a:xfrm>
+          <a:prstGeom prst="rect">
+            <a:avLst/>
+          </a:prstGeom>
+          <a:solidFill>
+            <a:schemeClr val="accent6">
+              <a:lumMod val="75000"/>
+            </a:schemeClr>
+          </a:solidFill>
+        </p:spPr>
+        <p:style>
+          <a:lnRef idx="1">
+            <a:schemeClr val="accent1"/>
+          </a:lnRef>
+          <a:fillRef idx="3">
+            <a:schemeClr val="accent1"/>
+          </a:fillRef>
+          <a:effectRef idx="2">
+            <a:schemeClr val="accent1"/>
+          </a:effectRef>
+          <a:fontRef idx="minor">
+            <a:schemeClr val="lt1"/>
+          </a:fontRef>
+        </p:style>
+        <p:txBody>
+          <a:bodyPr rtlCol="0" anchor="ctr"/>
+          <a:lstStyle/>
+          <a:p>
+            <a:pPr algn="ctr"/>
+            <a:r>
+              <a:rPr kumimoji="1" lang="zh-CN" altLang="zh-CN" dirty="0">
+                <a:latin typeface="Microsoft YaHei"/>
+                <a:ea typeface="Microsoft YaHei"/>
+                <a:cs typeface="Microsoft YaHei"/>
+              </a:rPr>
+              <a:t>d</a:t>
+            </a:r>
+            <a:r>
+              <a:rPr kumimoji="1" lang="en-US" altLang="zh-CN" dirty="0" smtClean="0">
+                <a:latin typeface="Microsoft YaHei"/>
+                <a:ea typeface="Microsoft YaHei"/>
+                <a:cs typeface="Microsoft YaHei"/>
+              </a:rPr>
+              <a:t>s-1-3</a:t>
+            </a:r>
+            <a:endParaRPr kumimoji="1" lang="zh-CN" altLang="en-US" dirty="0">
+              <a:latin typeface="Microsoft YaHei"/>
+              <a:ea typeface="Microsoft YaHei"/>
+              <a:cs typeface="Microsoft YaHei"/>
+            </a:endParaRPr>
+          </a:p>
+        </p:txBody>
+      </p:sp>
+      <p:sp>
+        <p:nvSpPr>
+          <p:cNvPr id="26" name="矩形 25"/>
+          <p:cNvSpPr/>
+          <p:nvPr/>
+        </p:nvSpPr>
+        <p:spPr>
+          <a:xfrm>
+            <a:off x="2549302" y="4936670"/>
+            <a:ext cx="5438787" cy="402622"/>
+          </a:xfrm>
+          <a:prstGeom prst="rect">
+            <a:avLst/>
+          </a:prstGeom>
+          <a:solidFill>
+            <a:schemeClr val="accent6">
+              <a:lumMod val="75000"/>
+            </a:schemeClr>
+          </a:solidFill>
+        </p:spPr>
+        <p:style>
+          <a:lnRef idx="1">
+            <a:schemeClr val="accent1"/>
+          </a:lnRef>
+          <a:fillRef idx="3">
+            <a:schemeClr val="accent1"/>
+          </a:fillRef>
+          <a:effectRef idx="2">
+            <a:schemeClr val="accent1"/>
+          </a:effectRef>
+          <a:fontRef idx="minor">
+            <a:schemeClr val="lt1"/>
+          </a:fontRef>
+        </p:style>
+        <p:txBody>
+          <a:bodyPr rtlCol="0" anchor="ctr"/>
+          <a:lstStyle/>
+          <a:p>
+            <a:pPr algn="ctr"/>
+            <a:r>
+              <a:rPr kumimoji="1" lang="en-US" altLang="zh-CN" dirty="0" smtClean="0">
+                <a:latin typeface="Microsoft YaHei"/>
+                <a:ea typeface="Microsoft YaHei"/>
+                <a:cs typeface="Microsoft YaHei"/>
+              </a:rPr>
+              <a:t>1</a:t>
+            </a:r>
+            <a:r>
+              <a:rPr kumimoji="1" lang="zh-CN" altLang="zh-CN" dirty="0" smtClean="0">
+                <a:latin typeface="Microsoft YaHei"/>
+                <a:ea typeface="Microsoft YaHei"/>
+                <a:cs typeface="Microsoft YaHei"/>
+              </a:rPr>
+              <a:t>9</a:t>
+            </a:r>
+            <a:r>
+              <a:rPr kumimoji="1" lang="en-US" altLang="zh-CN" dirty="0" smtClean="0">
+                <a:latin typeface="Microsoft YaHei"/>
+                <a:ea typeface="Microsoft YaHei"/>
+                <a:cs typeface="Microsoft YaHei"/>
+              </a:rPr>
+              <a:t>2.168.1.1:3306:useradmin_inst_3</a:t>
+            </a:r>
+            <a:endParaRPr kumimoji="1" lang="zh-CN" altLang="en-US" dirty="0">
+              <a:latin typeface="Microsoft YaHei"/>
+              <a:ea typeface="Microsoft YaHei"/>
+              <a:cs typeface="Microsoft YaHei"/>
+            </a:endParaRPr>
+          </a:p>
+        </p:txBody>
+      </p:sp>
+      <p:sp>
+        <p:nvSpPr>
+          <p:cNvPr id="27" name="矩形 26"/>
+          <p:cNvSpPr/>
+          <p:nvPr/>
+        </p:nvSpPr>
+        <p:spPr>
+          <a:xfrm>
+            <a:off x="1585434" y="5342366"/>
+            <a:ext cx="975209" cy="402622"/>
+          </a:xfrm>
+          <a:prstGeom prst="rect">
+            <a:avLst/>
+          </a:prstGeom>
+          <a:solidFill>
+            <a:schemeClr val="accent6">
+              <a:lumMod val="75000"/>
+            </a:schemeClr>
+          </a:solidFill>
+        </p:spPr>
+        <p:style>
+          <a:lnRef idx="1">
+            <a:schemeClr val="accent1"/>
+          </a:lnRef>
+          <a:fillRef idx="3">
+            <a:schemeClr val="accent1"/>
+          </a:fillRef>
+          <a:effectRef idx="2">
+            <a:schemeClr val="accent1"/>
+          </a:effectRef>
+          <a:fontRef idx="minor">
+            <a:schemeClr val="lt1"/>
+          </a:fontRef>
+        </p:style>
+        <p:txBody>
+          <a:bodyPr rtlCol="0" anchor="ctr"/>
+          <a:lstStyle/>
+          <a:p>
+            <a:pPr algn="ctr"/>
+            <a:r>
+              <a:rPr kumimoji="1" lang="en-US" altLang="zh-CN" dirty="0" smtClean="0">
+                <a:latin typeface="Microsoft YaHei"/>
+                <a:ea typeface="Microsoft YaHei"/>
+                <a:cs typeface="Microsoft YaHei"/>
+              </a:rPr>
+              <a:t>ds-</a:t>
+            </a:r>
+            <a:r>
+              <a:rPr kumimoji="1" lang="zh-CN" altLang="zh-CN" dirty="0">
+                <a:latin typeface="Microsoft YaHei"/>
+                <a:ea typeface="Microsoft YaHei"/>
+                <a:cs typeface="Microsoft YaHei"/>
+              </a:rPr>
+              <a:t>2</a:t>
+            </a:r>
+            <a:r>
+              <a:rPr kumimoji="1" lang="en-US" altLang="zh-CN" dirty="0" smtClean="0">
+                <a:latin typeface="Microsoft YaHei"/>
+                <a:ea typeface="Microsoft YaHei"/>
+                <a:cs typeface="Microsoft YaHei"/>
+              </a:rPr>
+              <a:t>-1</a:t>
+            </a:r>
+            <a:endParaRPr kumimoji="1" lang="zh-CN" altLang="en-US" dirty="0">
+              <a:latin typeface="Microsoft YaHei"/>
+              <a:ea typeface="Microsoft YaHei"/>
+              <a:cs typeface="Microsoft YaHei"/>
+            </a:endParaRPr>
+          </a:p>
+        </p:txBody>
+      </p:sp>
+      <p:sp>
+        <p:nvSpPr>
+          <p:cNvPr id="28" name="矩形 27"/>
+          <p:cNvSpPr/>
+          <p:nvPr/>
+        </p:nvSpPr>
+        <p:spPr>
+          <a:xfrm>
+            <a:off x="2549302" y="5339292"/>
+            <a:ext cx="5438787" cy="402622"/>
+          </a:xfrm>
+          <a:prstGeom prst="rect">
+            <a:avLst/>
+          </a:prstGeom>
+          <a:solidFill>
+            <a:schemeClr val="accent6">
+              <a:lumMod val="75000"/>
+            </a:schemeClr>
+          </a:solidFill>
+        </p:spPr>
+        <p:style>
+          <a:lnRef idx="1">
+            <a:schemeClr val="accent1"/>
+          </a:lnRef>
+          <a:fillRef idx="3">
+            <a:schemeClr val="accent1"/>
+          </a:fillRef>
+          <a:effectRef idx="2">
+            <a:schemeClr val="accent1"/>
+          </a:effectRef>
+          <a:fontRef idx="minor">
+            <a:schemeClr val="lt1"/>
+          </a:fontRef>
+        </p:style>
+        <p:txBody>
+          <a:bodyPr rtlCol="0" anchor="ctr"/>
+          <a:lstStyle/>
+          <a:p>
+            <a:pPr algn="ctr"/>
+            <a:r>
+              <a:rPr kumimoji="1" lang="en-US" altLang="zh-CN" dirty="0" smtClean="0">
+                <a:latin typeface="Microsoft YaHei"/>
+                <a:ea typeface="Microsoft YaHei"/>
+                <a:cs typeface="Microsoft YaHei"/>
+              </a:rPr>
+              <a:t>1</a:t>
+            </a:r>
+            <a:r>
+              <a:rPr kumimoji="1" lang="zh-CN" altLang="zh-CN" dirty="0" smtClean="0">
+                <a:latin typeface="Microsoft YaHei"/>
+                <a:ea typeface="Microsoft YaHei"/>
+                <a:cs typeface="Microsoft YaHei"/>
+              </a:rPr>
+              <a:t>9</a:t>
+            </a:r>
+            <a:r>
+              <a:rPr kumimoji="1" lang="en-US" altLang="zh-CN" dirty="0" smtClean="0">
+                <a:latin typeface="Microsoft YaHei"/>
+                <a:ea typeface="Microsoft YaHei"/>
+                <a:cs typeface="Microsoft YaHei"/>
+              </a:rPr>
+              <a:t>2.168.1.2:3306:useradmin_inst_1</a:t>
+            </a:r>
+            <a:endParaRPr kumimoji="1" lang="zh-CN" altLang="en-US" dirty="0">
+              <a:latin typeface="Microsoft YaHei"/>
+              <a:ea typeface="Microsoft YaHei"/>
+              <a:cs typeface="Microsoft YaHei"/>
+            </a:endParaRPr>
+          </a:p>
+        </p:txBody>
+      </p:sp>
+      <p:sp>
+        <p:nvSpPr>
+          <p:cNvPr id="29" name="矩形 28"/>
+          <p:cNvSpPr/>
+          <p:nvPr/>
+        </p:nvSpPr>
+        <p:spPr>
+          <a:xfrm>
+            <a:off x="1585434" y="5746036"/>
+            <a:ext cx="975209" cy="402622"/>
+          </a:xfrm>
+          <a:prstGeom prst="rect">
+            <a:avLst/>
+          </a:prstGeom>
+          <a:solidFill>
+            <a:schemeClr val="accent6">
+              <a:lumMod val="75000"/>
+            </a:schemeClr>
+          </a:solidFill>
+        </p:spPr>
+        <p:style>
+          <a:lnRef idx="1">
+            <a:schemeClr val="accent1"/>
+          </a:lnRef>
+          <a:fillRef idx="3">
+            <a:schemeClr val="accent1"/>
+          </a:fillRef>
+          <a:effectRef idx="2">
+            <a:schemeClr val="accent1"/>
+          </a:effectRef>
+          <a:fontRef idx="minor">
+            <a:schemeClr val="lt1"/>
+          </a:fontRef>
+        </p:style>
+        <p:txBody>
+          <a:bodyPr rtlCol="0" anchor="ctr"/>
+          <a:lstStyle/>
+          <a:p>
+            <a:pPr algn="ctr"/>
+            <a:r>
+              <a:rPr kumimoji="1" lang="zh-CN" altLang="zh-CN" dirty="0">
+                <a:latin typeface="Microsoft YaHei"/>
+                <a:ea typeface="Microsoft YaHei"/>
+                <a:cs typeface="Microsoft YaHei"/>
+              </a:rPr>
+              <a:t>d</a:t>
+            </a:r>
+            <a:r>
+              <a:rPr kumimoji="1" lang="en-US" altLang="zh-CN" dirty="0" smtClean="0">
+                <a:latin typeface="Microsoft YaHei"/>
+                <a:ea typeface="Microsoft YaHei"/>
+                <a:cs typeface="Microsoft YaHei"/>
+              </a:rPr>
+              <a:t>s-</a:t>
+            </a:r>
+            <a:r>
+              <a:rPr kumimoji="1" lang="zh-CN" altLang="zh-CN" dirty="0" smtClean="0">
+                <a:latin typeface="Microsoft YaHei"/>
+                <a:ea typeface="Microsoft YaHei"/>
+                <a:cs typeface="Microsoft YaHei"/>
+              </a:rPr>
+              <a:t>2</a:t>
+            </a:r>
+            <a:r>
+              <a:rPr kumimoji="1" lang="en-US" altLang="zh-CN" dirty="0" smtClean="0">
+                <a:latin typeface="Microsoft YaHei"/>
+                <a:ea typeface="Microsoft YaHei"/>
+                <a:cs typeface="Microsoft YaHei"/>
+              </a:rPr>
+              <a:t>-1</a:t>
+            </a:r>
+            <a:endParaRPr kumimoji="1" lang="zh-CN" altLang="en-US" dirty="0">
+              <a:latin typeface="Microsoft YaHei"/>
+              <a:ea typeface="Microsoft YaHei"/>
+              <a:cs typeface="Microsoft YaHei"/>
+            </a:endParaRPr>
+          </a:p>
+        </p:txBody>
+      </p:sp>
+      <p:sp>
+        <p:nvSpPr>
+          <p:cNvPr id="30" name="矩形 29"/>
+          <p:cNvSpPr/>
+          <p:nvPr/>
+        </p:nvSpPr>
+        <p:spPr>
+          <a:xfrm>
+            <a:off x="2549302" y="5742962"/>
+            <a:ext cx="5438787" cy="402622"/>
+          </a:xfrm>
+          <a:prstGeom prst="rect">
+            <a:avLst/>
+          </a:prstGeom>
+          <a:solidFill>
+            <a:schemeClr val="accent6">
+              <a:lumMod val="75000"/>
+            </a:schemeClr>
+          </a:solidFill>
+        </p:spPr>
+        <p:style>
+          <a:lnRef idx="1">
+            <a:schemeClr val="accent1"/>
+          </a:lnRef>
+          <a:fillRef idx="3">
+            <a:schemeClr val="accent1"/>
+          </a:fillRef>
+          <a:effectRef idx="2">
+            <a:schemeClr val="accent1"/>
+          </a:effectRef>
+          <a:fontRef idx="minor">
+            <a:schemeClr val="lt1"/>
+          </a:fontRef>
+        </p:style>
+        <p:txBody>
+          <a:bodyPr rtlCol="0" anchor="ctr"/>
+          <a:lstStyle/>
+          <a:p>
+            <a:pPr algn="ctr"/>
+            <a:r>
+              <a:rPr kumimoji="1" lang="en-US" altLang="zh-CN" dirty="0" smtClean="0">
+                <a:latin typeface="Microsoft YaHei"/>
+                <a:ea typeface="Microsoft YaHei"/>
+                <a:cs typeface="Microsoft YaHei"/>
+              </a:rPr>
+              <a:t>1</a:t>
+            </a:r>
+            <a:r>
+              <a:rPr kumimoji="1" lang="zh-CN" altLang="zh-CN" dirty="0" smtClean="0">
+                <a:latin typeface="Microsoft YaHei"/>
+                <a:ea typeface="Microsoft YaHei"/>
+                <a:cs typeface="Microsoft YaHei"/>
+              </a:rPr>
+              <a:t>9</a:t>
+            </a:r>
+            <a:r>
+              <a:rPr kumimoji="1" lang="en-US" altLang="zh-CN" dirty="0" smtClean="0">
+                <a:latin typeface="Microsoft YaHei"/>
+                <a:ea typeface="Microsoft YaHei"/>
+                <a:cs typeface="Microsoft YaHei"/>
+              </a:rPr>
+              <a:t>2.168.1.2:3306:useradmin_inst_2</a:t>
+            </a:r>
+            <a:endParaRPr kumimoji="1" lang="zh-CN" altLang="en-US" dirty="0">
+              <a:latin typeface="Microsoft YaHei"/>
+              <a:ea typeface="Microsoft YaHei"/>
+              <a:cs typeface="Microsoft YaHei"/>
+            </a:endParaRPr>
+          </a:p>
+        </p:txBody>
+      </p:sp>
+      <p:sp>
+        <p:nvSpPr>
+          <p:cNvPr id="31" name="矩形 30"/>
+          <p:cNvSpPr/>
+          <p:nvPr/>
+        </p:nvSpPr>
+        <p:spPr>
+          <a:xfrm>
+            <a:off x="1585434" y="6148658"/>
+            <a:ext cx="975209" cy="402622"/>
+          </a:xfrm>
+          <a:prstGeom prst="rect">
+            <a:avLst/>
+          </a:prstGeom>
+          <a:solidFill>
+            <a:schemeClr val="accent6">
+              <a:lumMod val="75000"/>
+            </a:schemeClr>
+          </a:solidFill>
+        </p:spPr>
+        <p:style>
+          <a:lnRef idx="1">
+            <a:schemeClr val="accent1"/>
+          </a:lnRef>
+          <a:fillRef idx="3">
+            <a:schemeClr val="accent1"/>
+          </a:fillRef>
+          <a:effectRef idx="2">
+            <a:schemeClr val="accent1"/>
+          </a:effectRef>
+          <a:fontRef idx="minor">
+            <a:schemeClr val="lt1"/>
+          </a:fontRef>
+        </p:style>
+        <p:txBody>
+          <a:bodyPr rtlCol="0" anchor="ctr"/>
+          <a:lstStyle/>
+          <a:p>
+            <a:pPr algn="ctr"/>
+            <a:r>
+              <a:rPr kumimoji="1" lang="zh-CN" altLang="zh-CN" dirty="0">
+                <a:latin typeface="Microsoft YaHei"/>
+                <a:ea typeface="Microsoft YaHei"/>
+                <a:cs typeface="Microsoft YaHei"/>
+              </a:rPr>
+              <a:t>d</a:t>
+            </a:r>
+            <a:r>
+              <a:rPr kumimoji="1" lang="en-US" altLang="zh-CN" dirty="0" smtClean="0">
+                <a:latin typeface="Microsoft YaHei"/>
+                <a:ea typeface="Microsoft YaHei"/>
+                <a:cs typeface="Microsoft YaHei"/>
+              </a:rPr>
+              <a:t>s-</a:t>
+            </a:r>
+            <a:r>
+              <a:rPr kumimoji="1" lang="zh-CN" altLang="zh-CN" dirty="0">
+                <a:latin typeface="Microsoft YaHei"/>
+                <a:ea typeface="Microsoft YaHei"/>
+                <a:cs typeface="Microsoft YaHei"/>
+              </a:rPr>
+              <a:t>2</a:t>
+            </a:r>
+            <a:r>
+              <a:rPr kumimoji="1" lang="en-US" altLang="zh-CN" dirty="0" smtClean="0">
+                <a:latin typeface="Microsoft YaHei"/>
+                <a:ea typeface="Microsoft YaHei"/>
+                <a:cs typeface="Microsoft YaHei"/>
+              </a:rPr>
+              <a:t>-1</a:t>
+            </a:r>
+            <a:endParaRPr kumimoji="1" lang="zh-CN" altLang="en-US" dirty="0">
+              <a:latin typeface="Microsoft YaHei"/>
+              <a:ea typeface="Microsoft YaHei"/>
+              <a:cs typeface="Microsoft YaHei"/>
+            </a:endParaRPr>
+          </a:p>
+        </p:txBody>
+      </p:sp>
+      <p:sp>
+        <p:nvSpPr>
+          <p:cNvPr id="32" name="矩形 31"/>
+          <p:cNvSpPr/>
+          <p:nvPr/>
+        </p:nvSpPr>
+        <p:spPr>
+          <a:xfrm>
+            <a:off x="2549302" y="6145584"/>
+            <a:ext cx="5438787" cy="402622"/>
+          </a:xfrm>
+          <a:prstGeom prst="rect">
+            <a:avLst/>
+          </a:prstGeom>
+          <a:solidFill>
+            <a:schemeClr val="accent6">
+              <a:lumMod val="75000"/>
+            </a:schemeClr>
+          </a:solidFill>
+        </p:spPr>
+        <p:style>
+          <a:lnRef idx="1">
+            <a:schemeClr val="accent1"/>
+          </a:lnRef>
+          <a:fillRef idx="3">
+            <a:schemeClr val="accent1"/>
+          </a:fillRef>
+          <a:effectRef idx="2">
+            <a:schemeClr val="accent1"/>
+          </a:effectRef>
+          <a:fontRef idx="minor">
+            <a:schemeClr val="lt1"/>
+          </a:fontRef>
+        </p:style>
+        <p:txBody>
+          <a:bodyPr rtlCol="0" anchor="ctr"/>
+          <a:lstStyle/>
+          <a:p>
+            <a:pPr algn="ctr"/>
+            <a:r>
+              <a:rPr kumimoji="1" lang="en-US" altLang="zh-CN" dirty="0" smtClean="0">
+                <a:latin typeface="Microsoft YaHei"/>
+                <a:ea typeface="Microsoft YaHei"/>
+                <a:cs typeface="Microsoft YaHei"/>
+              </a:rPr>
+              <a:t>1</a:t>
+            </a:r>
+            <a:r>
+              <a:rPr kumimoji="1" lang="zh-CN" altLang="zh-CN" dirty="0" smtClean="0">
+                <a:latin typeface="Microsoft YaHei"/>
+                <a:ea typeface="Microsoft YaHei"/>
+                <a:cs typeface="Microsoft YaHei"/>
+              </a:rPr>
+              <a:t>9</a:t>
+            </a:r>
+            <a:r>
+              <a:rPr kumimoji="1" lang="en-US" altLang="zh-CN" dirty="0" smtClean="0">
+                <a:latin typeface="Microsoft YaHei"/>
+                <a:ea typeface="Microsoft YaHei"/>
+                <a:cs typeface="Microsoft YaHei"/>
+              </a:rPr>
+              <a:t>2.168.1.2:3306:useradmin_inst_3</a:t>
+            </a:r>
+            <a:endParaRPr kumimoji="1" lang="zh-CN" altLang="en-US" dirty="0">
+              <a:latin typeface="Microsoft YaHei"/>
+              <a:ea typeface="Microsoft YaHei"/>
+              <a:cs typeface="Microsoft YaHei"/>
+            </a:endParaRPr>
+          </a:p>
+        </p:txBody>
+      </p:sp>
+      <p:sp>
+        <p:nvSpPr>
+          <p:cNvPr id="34" name="矩形 33"/>
+          <p:cNvSpPr/>
+          <p:nvPr/>
+        </p:nvSpPr>
+        <p:spPr>
+          <a:xfrm>
+            <a:off x="1097830" y="4133068"/>
+            <a:ext cx="487604" cy="402622"/>
+          </a:xfrm>
+          <a:prstGeom prst="rect">
+            <a:avLst/>
+          </a:prstGeom>
+          <a:solidFill>
+            <a:schemeClr val="accent6">
+              <a:lumMod val="75000"/>
+            </a:schemeClr>
+          </a:solidFill>
+        </p:spPr>
+        <p:style>
+          <a:lnRef idx="1">
+            <a:schemeClr val="accent1"/>
+          </a:lnRef>
+          <a:fillRef idx="3">
+            <a:schemeClr val="accent1"/>
+          </a:fillRef>
+          <a:effectRef idx="2">
+            <a:schemeClr val="accent1"/>
+          </a:effectRef>
+          <a:fontRef idx="minor">
+            <a:schemeClr val="lt1"/>
+          </a:fontRef>
+        </p:style>
+        <p:txBody>
+          <a:bodyPr rtlCol="0" anchor="ctr"/>
+          <a:lstStyle/>
+          <a:p>
+            <a:pPr algn="ctr"/>
+            <a:r>
+              <a:rPr kumimoji="1" lang="en-US" altLang="zh-CN" dirty="0" smtClean="0">
+                <a:latin typeface="Microsoft YaHei"/>
+                <a:ea typeface="Microsoft YaHei"/>
+                <a:cs typeface="Microsoft YaHei"/>
+              </a:rPr>
+              <a:t>1</a:t>
+            </a:r>
+            <a:endParaRPr kumimoji="1" lang="zh-CN" altLang="en-US" dirty="0">
+              <a:latin typeface="Microsoft YaHei"/>
+              <a:ea typeface="Microsoft YaHei"/>
+              <a:cs typeface="Microsoft YaHei"/>
+            </a:endParaRPr>
+          </a:p>
+        </p:txBody>
+      </p:sp>
+      <p:sp>
+        <p:nvSpPr>
+          <p:cNvPr id="35" name="矩形 34"/>
+          <p:cNvSpPr/>
+          <p:nvPr/>
+        </p:nvSpPr>
+        <p:spPr>
+          <a:xfrm>
+            <a:off x="1097830" y="4535690"/>
+            <a:ext cx="487604" cy="402622"/>
+          </a:xfrm>
+          <a:prstGeom prst="rect">
+            <a:avLst/>
+          </a:prstGeom>
+          <a:solidFill>
+            <a:schemeClr val="accent6">
+              <a:lumMod val="75000"/>
+            </a:schemeClr>
+          </a:solidFill>
+        </p:spPr>
+        <p:style>
+          <a:lnRef idx="1">
+            <a:schemeClr val="accent1"/>
+          </a:lnRef>
+          <a:fillRef idx="3">
+            <a:schemeClr val="accent1"/>
+          </a:fillRef>
+          <a:effectRef idx="2">
+            <a:schemeClr val="accent1"/>
+          </a:effectRef>
+          <a:fontRef idx="minor">
+            <a:schemeClr val="lt1"/>
+          </a:fontRef>
+        </p:style>
+        <p:txBody>
+          <a:bodyPr rtlCol="0" anchor="ctr"/>
+          <a:lstStyle/>
+          <a:p>
+            <a:pPr algn="ctr"/>
+            <a:r>
+              <a:rPr kumimoji="1" lang="en-US" altLang="zh-CN" dirty="0" smtClean="0">
+                <a:latin typeface="Microsoft YaHei"/>
+                <a:ea typeface="Microsoft YaHei"/>
+                <a:cs typeface="Microsoft YaHei"/>
+              </a:rPr>
+              <a:t>2</a:t>
+            </a:r>
+            <a:endParaRPr kumimoji="1" lang="zh-CN" altLang="en-US" dirty="0">
+              <a:latin typeface="Microsoft YaHei"/>
+              <a:ea typeface="Microsoft YaHei"/>
+              <a:cs typeface="Microsoft YaHei"/>
+            </a:endParaRPr>
+          </a:p>
+        </p:txBody>
+      </p:sp>
+      <p:sp>
+        <p:nvSpPr>
+          <p:cNvPr id="36" name="矩形 35"/>
+          <p:cNvSpPr/>
+          <p:nvPr/>
+        </p:nvSpPr>
+        <p:spPr>
+          <a:xfrm>
+            <a:off x="1097830" y="4939744"/>
+            <a:ext cx="487604" cy="402622"/>
+          </a:xfrm>
+          <a:prstGeom prst="rect">
+            <a:avLst/>
+          </a:prstGeom>
+          <a:solidFill>
+            <a:schemeClr val="accent6">
+              <a:lumMod val="75000"/>
+            </a:schemeClr>
+          </a:solidFill>
+        </p:spPr>
+        <p:style>
+          <a:lnRef idx="1">
+            <a:schemeClr val="accent1"/>
+          </a:lnRef>
+          <a:fillRef idx="3">
+            <a:schemeClr val="accent1"/>
+          </a:fillRef>
+          <a:effectRef idx="2">
+            <a:schemeClr val="accent1"/>
+          </a:effectRef>
+          <a:fontRef idx="minor">
+            <a:schemeClr val="lt1"/>
+          </a:fontRef>
+        </p:style>
+        <p:txBody>
+          <a:bodyPr rtlCol="0" anchor="ctr"/>
+          <a:lstStyle/>
+          <a:p>
+            <a:pPr algn="ctr"/>
+            <a:r>
+              <a:rPr kumimoji="1" lang="en-US" altLang="zh-CN" dirty="0" smtClean="0">
+                <a:latin typeface="Microsoft YaHei"/>
+                <a:ea typeface="Microsoft YaHei"/>
+                <a:cs typeface="Microsoft YaHei"/>
+              </a:rPr>
+              <a:t>3</a:t>
+            </a:r>
+            <a:endParaRPr kumimoji="1" lang="zh-CN" altLang="en-US" dirty="0">
+              <a:latin typeface="Microsoft YaHei"/>
+              <a:ea typeface="Microsoft YaHei"/>
+              <a:cs typeface="Microsoft YaHei"/>
+            </a:endParaRPr>
+          </a:p>
+        </p:txBody>
+      </p:sp>
+      <p:sp>
+        <p:nvSpPr>
+          <p:cNvPr id="37" name="矩形 36"/>
+          <p:cNvSpPr/>
+          <p:nvPr/>
+        </p:nvSpPr>
+        <p:spPr>
+          <a:xfrm>
+            <a:off x="1097830" y="5342366"/>
+            <a:ext cx="487604" cy="402622"/>
+          </a:xfrm>
+          <a:prstGeom prst="rect">
+            <a:avLst/>
+          </a:prstGeom>
+          <a:solidFill>
+            <a:schemeClr val="accent6">
+              <a:lumMod val="75000"/>
+            </a:schemeClr>
+          </a:solidFill>
+        </p:spPr>
+        <p:style>
+          <a:lnRef idx="1">
+            <a:schemeClr val="accent1"/>
+          </a:lnRef>
+          <a:fillRef idx="3">
+            <a:schemeClr val="accent1"/>
+          </a:fillRef>
+          <a:effectRef idx="2">
+            <a:schemeClr val="accent1"/>
+          </a:effectRef>
+          <a:fontRef idx="minor">
+            <a:schemeClr val="lt1"/>
+          </a:fontRef>
+        </p:style>
+        <p:txBody>
+          <a:bodyPr rtlCol="0" anchor="ctr"/>
+          <a:lstStyle/>
+          <a:p>
+            <a:pPr algn="ctr"/>
+            <a:r>
+              <a:rPr kumimoji="1" lang="en-US" altLang="zh-CN" dirty="0" smtClean="0">
+                <a:latin typeface="Microsoft YaHei"/>
+                <a:ea typeface="Microsoft YaHei"/>
+                <a:cs typeface="Microsoft YaHei"/>
+              </a:rPr>
+              <a:t>4</a:t>
+            </a:r>
+            <a:endParaRPr kumimoji="1" lang="zh-CN" altLang="en-US" dirty="0">
+              <a:latin typeface="Microsoft YaHei"/>
+              <a:ea typeface="Microsoft YaHei"/>
+              <a:cs typeface="Microsoft YaHei"/>
+            </a:endParaRPr>
+          </a:p>
+        </p:txBody>
+      </p:sp>
+      <p:sp>
+        <p:nvSpPr>
+          <p:cNvPr id="38" name="矩形 37"/>
+          <p:cNvSpPr/>
+          <p:nvPr/>
+        </p:nvSpPr>
+        <p:spPr>
+          <a:xfrm>
+            <a:off x="1097830" y="5746036"/>
+            <a:ext cx="487604" cy="402622"/>
+          </a:xfrm>
+          <a:prstGeom prst="rect">
+            <a:avLst/>
+          </a:prstGeom>
+          <a:solidFill>
+            <a:schemeClr val="accent6">
+              <a:lumMod val="75000"/>
+            </a:schemeClr>
+          </a:solidFill>
+        </p:spPr>
+        <p:style>
+          <a:lnRef idx="1">
+            <a:schemeClr val="accent1"/>
+          </a:lnRef>
+          <a:fillRef idx="3">
+            <a:schemeClr val="accent1"/>
+          </a:fillRef>
+          <a:effectRef idx="2">
+            <a:schemeClr val="accent1"/>
+          </a:effectRef>
+          <a:fontRef idx="minor">
+            <a:schemeClr val="lt1"/>
+          </a:fontRef>
+        </p:style>
+        <p:txBody>
+          <a:bodyPr rtlCol="0" anchor="ctr"/>
+          <a:lstStyle/>
+          <a:p>
+            <a:pPr algn="ctr"/>
+            <a:r>
+              <a:rPr kumimoji="1" lang="en-US" altLang="zh-CN" dirty="0" smtClean="0">
+                <a:latin typeface="Microsoft YaHei"/>
+                <a:ea typeface="Microsoft YaHei"/>
+                <a:cs typeface="Microsoft YaHei"/>
+              </a:rPr>
+              <a:t>5</a:t>
+            </a:r>
+            <a:endParaRPr kumimoji="1" lang="zh-CN" altLang="en-US" dirty="0">
+              <a:latin typeface="Microsoft YaHei"/>
+              <a:ea typeface="Microsoft YaHei"/>
+              <a:cs typeface="Microsoft YaHei"/>
+            </a:endParaRPr>
+          </a:p>
+        </p:txBody>
+      </p:sp>
+      <p:sp>
+        <p:nvSpPr>
+          <p:cNvPr id="39" name="矩形 38"/>
+          <p:cNvSpPr/>
+          <p:nvPr/>
+        </p:nvSpPr>
+        <p:spPr>
+          <a:xfrm>
+            <a:off x="1097830" y="6148658"/>
+            <a:ext cx="487604" cy="402622"/>
+          </a:xfrm>
+          <a:prstGeom prst="rect">
+            <a:avLst/>
+          </a:prstGeom>
+          <a:solidFill>
+            <a:schemeClr val="accent6">
+              <a:lumMod val="75000"/>
+            </a:schemeClr>
+          </a:solidFill>
+        </p:spPr>
+        <p:style>
+          <a:lnRef idx="1">
+            <a:schemeClr val="accent1"/>
+          </a:lnRef>
+          <a:fillRef idx="3">
+            <a:schemeClr val="accent1"/>
+          </a:fillRef>
+          <a:effectRef idx="2">
+            <a:schemeClr val="accent1"/>
+          </a:effectRef>
+          <a:fontRef idx="minor">
+            <a:schemeClr val="lt1"/>
+          </a:fontRef>
+        </p:style>
+        <p:txBody>
+          <a:bodyPr rtlCol="0" anchor="ctr"/>
+          <a:lstStyle/>
+          <a:p>
+            <a:pPr algn="ctr"/>
+            <a:r>
+              <a:rPr kumimoji="1" lang="en-US" altLang="zh-CN" dirty="0" smtClean="0">
+                <a:latin typeface="Microsoft YaHei"/>
+                <a:ea typeface="Microsoft YaHei"/>
+                <a:cs typeface="Microsoft YaHei"/>
+              </a:rPr>
+              <a:t>6</a:t>
+            </a:r>
+            <a:endParaRPr kumimoji="1" lang="zh-CN" altLang="en-US" dirty="0">
+              <a:latin typeface="Microsoft YaHei"/>
+              <a:ea typeface="Microsoft YaHei"/>
+              <a:cs typeface="Microsoft YaHei"/>
+            </a:endParaRPr>
+          </a:p>
+        </p:txBody>
+      </p:sp>
+    </p:spTree>
+    <p:extLst>
+      <p:ext uri="{BB962C8B-B14F-4D97-AF65-F5344CB8AC3E}">
+        <p14:creationId xmlns:p14="http://schemas.microsoft.com/office/powerpoint/2010/main" val="3127708865"/>
+      </p:ext>
+    </p:extLst>
+  </p:cSld>
+  <p:clrMapOvr>
+    <a:masterClrMapping/>
+  </p:clrMapOvr>
+</p:sld>
+</file>
+
+<file path=ppt/slides/slide6.xml><?xml version="1.0" encoding="utf-8"?>
+<p:sld xmlns:a="http://schemas.openxmlformats.org/drawingml/2006/main" xmlns:r="http://schemas.openxmlformats.org/officeDocument/2006/relationships" xmlns:p="http://schemas.openxmlformats.org/presentationml/2006/main">
+  <p:cSld>
+    <p:spTree>
+      <p:nvGrpSpPr>
+        <p:cNvPr id="1" name=""/>
+        <p:cNvGrpSpPr/>
+        <p:nvPr/>
+      </p:nvGrpSpPr>
+      <p:grpSpPr>
+        <a:xfrm>
+          <a:off x="0" y="0"/>
+          <a:ext cx="0" cy="0"/>
+          <a:chOff x="0" y="0"/>
+          <a:chExt cx="0" cy="0"/>
+        </a:xfrm>
+      </p:grpSpPr>
+      <p:sp>
+        <p:nvSpPr>
+          <p:cNvPr id="4" name="文本框 3"/>
+          <p:cNvSpPr txBox="1"/>
+          <p:nvPr/>
+        </p:nvSpPr>
+        <p:spPr>
+          <a:xfrm>
+            <a:off x="226795" y="238145"/>
+            <a:ext cx="4288353" cy="707886"/>
+          </a:xfrm>
+          <a:prstGeom prst="rect">
+            <a:avLst/>
+          </a:prstGeom>
+          <a:noFill/>
+        </p:spPr>
+        <p:txBody>
+          <a:bodyPr wrap="none" rtlCol="0">
+            <a:spAutoFit/>
+          </a:bodyPr>
+          <a:lstStyle/>
+          <a:p>
+            <a:r>
+              <a:rPr kumimoji="1" lang="zh-CN" altLang="en-US" sz="4000" b="1" dirty="0" smtClean="0">
+                <a:latin typeface="Microsoft YaHei"/>
+                <a:ea typeface="Microsoft YaHei"/>
+                <a:cs typeface="Microsoft YaHei"/>
+              </a:rPr>
+              <a:t>数据表及路由定义</a:t>
+            </a:r>
+            <a:endParaRPr kumimoji="1" lang="zh-CN" altLang="en-US" sz="4000" b="1" dirty="0">
+              <a:latin typeface="Microsoft YaHei"/>
+              <a:ea typeface="Microsoft YaHei"/>
+              <a:cs typeface="Microsoft YaHei"/>
+            </a:endParaRPr>
+          </a:p>
+        </p:txBody>
+      </p:sp>
+      <p:sp>
+        <p:nvSpPr>
+          <p:cNvPr id="3" name="文本框 2"/>
+          <p:cNvSpPr txBox="1"/>
+          <p:nvPr/>
+        </p:nvSpPr>
+        <p:spPr>
+          <a:xfrm>
+            <a:off x="544303" y="1697747"/>
+            <a:ext cx="8243918" cy="461665"/>
+          </a:xfrm>
+          <a:prstGeom prst="rect">
+            <a:avLst/>
+          </a:prstGeom>
+          <a:solidFill>
+            <a:srgbClr val="C0504D"/>
+          </a:solidFill>
+        </p:spPr>
+        <p:txBody>
+          <a:bodyPr wrap="square" rtlCol="0">
+            <a:spAutoFit/>
+          </a:bodyPr>
+          <a:lstStyle/>
+          <a:p>
+            <a:r>
+              <a:rPr lang="zh-CN" altLang="zh-CN" sz="2400" dirty="0" smtClean="0">
+                <a:solidFill>
+                  <a:schemeClr val="bg1">
+                    <a:lumMod val="95000"/>
+                  </a:schemeClr>
+                </a:solidFill>
+                <a:latin typeface="Microsoft YaHei"/>
+                <a:ea typeface="Microsoft YaHei"/>
+                <a:cs typeface="Microsoft YaHei"/>
+              </a:rPr>
+              <a:t>t</a:t>
+            </a:r>
+            <a:r>
+              <a:rPr lang="en-US" altLang="zh-CN" sz="2400" dirty="0" smtClean="0">
+                <a:solidFill>
+                  <a:schemeClr val="bg1">
+                    <a:lumMod val="95000"/>
+                  </a:schemeClr>
+                </a:solidFill>
+                <a:latin typeface="Microsoft YaHei"/>
+                <a:ea typeface="Microsoft YaHei"/>
+                <a:cs typeface="Microsoft YaHei"/>
+              </a:rPr>
+              <a:t>able_[1,2,3]:</a:t>
+            </a:r>
+            <a:r>
+              <a:rPr lang="zh-CN" altLang="zh-CN" sz="2400" dirty="0" smtClean="0">
+                <a:solidFill>
+                  <a:schemeClr val="bg1">
+                    <a:lumMod val="95000"/>
+                  </a:schemeClr>
+                </a:solidFill>
+                <a:latin typeface="Microsoft YaHei"/>
+                <a:ea typeface="Microsoft YaHei"/>
+                <a:cs typeface="Microsoft YaHei"/>
+              </a:rPr>
+              <a:t>h</a:t>
+            </a:r>
+            <a:r>
+              <a:rPr lang="en-US" altLang="zh-CN" sz="2400" dirty="0" smtClean="0">
+                <a:solidFill>
+                  <a:schemeClr val="bg1">
+                    <a:lumMod val="95000"/>
+                  </a:schemeClr>
+                </a:solidFill>
+                <a:latin typeface="Microsoft YaHei"/>
+                <a:ea typeface="Microsoft YaHei"/>
+                <a:cs typeface="Microsoft YaHei"/>
+              </a:rPr>
+              <a:t>ash(field1,field2…)</a:t>
+            </a:r>
+            <a:endParaRPr kumimoji="1" lang="zh-CN" altLang="en-US" sz="2400" dirty="0">
+              <a:solidFill>
+                <a:schemeClr val="bg1">
+                  <a:lumMod val="95000"/>
+                </a:schemeClr>
+              </a:solidFill>
+              <a:latin typeface="Microsoft YaHei"/>
+              <a:ea typeface="Microsoft YaHei"/>
+              <a:cs typeface="Microsoft YaHei"/>
+            </a:endParaRPr>
+          </a:p>
+        </p:txBody>
+      </p:sp>
+      <p:sp>
+        <p:nvSpPr>
+          <p:cNvPr id="5" name="文本框 4"/>
+          <p:cNvSpPr txBox="1"/>
+          <p:nvPr/>
+        </p:nvSpPr>
+        <p:spPr>
+          <a:xfrm>
+            <a:off x="498943" y="1211728"/>
+            <a:ext cx="1479892" cy="369332"/>
+          </a:xfrm>
+          <a:prstGeom prst="rect">
+            <a:avLst/>
+          </a:prstGeom>
+          <a:noFill/>
+        </p:spPr>
+        <p:txBody>
+          <a:bodyPr wrap="none" rtlCol="0">
+            <a:spAutoFit/>
+          </a:bodyPr>
+          <a:lstStyle/>
+          <a:p>
+            <a:r>
+              <a:rPr kumimoji="1" lang="en-US" altLang="zh-CN" b="1" dirty="0" smtClean="0">
+                <a:latin typeface="Microsoft YaHei"/>
+                <a:ea typeface="Microsoft YaHei"/>
+                <a:cs typeface="Microsoft YaHei"/>
+              </a:rPr>
+              <a:t>1</a:t>
+            </a:r>
+            <a:r>
+              <a:rPr kumimoji="1" lang="zh-CN" altLang="en-US" b="1" dirty="0" smtClean="0">
+                <a:latin typeface="Microsoft YaHei"/>
+                <a:ea typeface="Microsoft YaHei"/>
+                <a:cs typeface="Microsoft YaHei"/>
+              </a:rPr>
+              <a:t>、定义描述</a:t>
+            </a:r>
+            <a:endParaRPr kumimoji="1" lang="zh-CN" altLang="en-US" b="1" dirty="0">
+              <a:latin typeface="Microsoft YaHei"/>
+              <a:ea typeface="Microsoft YaHei"/>
+              <a:cs typeface="Microsoft YaHei"/>
+            </a:endParaRPr>
+          </a:p>
+        </p:txBody>
+      </p:sp>
+      <p:sp>
+        <p:nvSpPr>
+          <p:cNvPr id="6" name="文本框 5"/>
+          <p:cNvSpPr txBox="1"/>
+          <p:nvPr/>
+        </p:nvSpPr>
+        <p:spPr>
+          <a:xfrm>
+            <a:off x="544303" y="2311812"/>
+            <a:ext cx="8243918" cy="461665"/>
+          </a:xfrm>
+          <a:prstGeom prst="rect">
+            <a:avLst/>
+          </a:prstGeom>
+          <a:solidFill>
+            <a:srgbClr val="C0504D"/>
+          </a:solidFill>
+        </p:spPr>
+        <p:txBody>
+          <a:bodyPr wrap="square" rtlCol="0">
+            <a:spAutoFit/>
+          </a:bodyPr>
+          <a:lstStyle/>
+          <a:p>
+            <a:r>
+              <a:rPr lang="zh-CN" altLang="zh-CN" sz="2400" dirty="0" smtClean="0">
+                <a:solidFill>
+                  <a:schemeClr val="bg1">
+                    <a:lumMod val="95000"/>
+                  </a:schemeClr>
+                </a:solidFill>
+                <a:latin typeface="Microsoft YaHei"/>
+                <a:ea typeface="Microsoft YaHei"/>
+                <a:cs typeface="Microsoft YaHei"/>
+              </a:rPr>
+              <a:t>t</a:t>
+            </a:r>
+            <a:r>
+              <a:rPr lang="en-US" altLang="zh-CN" sz="2400" dirty="0" smtClean="0">
+                <a:solidFill>
+                  <a:schemeClr val="bg1">
+                    <a:lumMod val="95000"/>
+                  </a:schemeClr>
+                </a:solidFill>
+                <a:latin typeface="Microsoft YaHei"/>
+                <a:ea typeface="Microsoft YaHei"/>
+                <a:cs typeface="Microsoft YaHei"/>
+              </a:rPr>
+              <a:t>able_[1</a:t>
+            </a:r>
+            <a:r>
+              <a:rPr lang="en-US" altLang="zh-CN" sz="2400" dirty="0" smtClean="0">
+                <a:solidFill>
+                  <a:schemeClr val="bg1">
+                    <a:lumMod val="95000"/>
+                  </a:schemeClr>
+                </a:solidFill>
+                <a:latin typeface="Microsoft YaHei"/>
+                <a:ea typeface="Microsoft YaHei"/>
+                <a:cs typeface="Microsoft YaHei"/>
+              </a:rPr>
+              <a:t>-</a:t>
+            </a:r>
+            <a:r>
+              <a:rPr lang="en-US" altLang="zh-CN" sz="2400" dirty="0" smtClean="0">
+                <a:solidFill>
+                  <a:schemeClr val="bg1">
+                    <a:lumMod val="95000"/>
+                  </a:schemeClr>
+                </a:solidFill>
+                <a:latin typeface="Microsoft YaHei"/>
+                <a:ea typeface="Microsoft YaHei"/>
+                <a:cs typeface="Microsoft YaHei"/>
+              </a:rPr>
+              <a:t>6</a:t>
+            </a:r>
+            <a:r>
+              <a:rPr lang="en-US" altLang="zh-CN" sz="2400" dirty="0" smtClean="0">
+                <a:solidFill>
+                  <a:schemeClr val="bg1">
+                    <a:lumMod val="95000"/>
+                  </a:schemeClr>
+                </a:solidFill>
+                <a:latin typeface="Microsoft YaHei"/>
+                <a:ea typeface="Microsoft YaHei"/>
+                <a:cs typeface="Microsoft YaHei"/>
+              </a:rPr>
+              <a:t>]</a:t>
+            </a:r>
+            <a:r>
+              <a:rPr lang="en-US" altLang="zh-CN" sz="2400" dirty="0" smtClean="0">
+                <a:solidFill>
+                  <a:schemeClr val="bg1">
+                    <a:lumMod val="95000"/>
+                  </a:schemeClr>
+                </a:solidFill>
+                <a:latin typeface="Microsoft YaHei"/>
+                <a:ea typeface="Microsoft YaHei"/>
+                <a:cs typeface="Microsoft YaHei"/>
+              </a:rPr>
+              <a:t>:</a:t>
+            </a:r>
+            <a:r>
+              <a:rPr lang="zh-CN" altLang="zh-CN" sz="2400" dirty="0" smtClean="0">
+                <a:solidFill>
+                  <a:schemeClr val="bg1">
+                    <a:lumMod val="95000"/>
+                  </a:schemeClr>
+                </a:solidFill>
+                <a:latin typeface="Microsoft YaHei"/>
+                <a:ea typeface="Microsoft YaHei"/>
+                <a:cs typeface="Microsoft YaHei"/>
+              </a:rPr>
+              <a:t>r</a:t>
+            </a:r>
+            <a:r>
+              <a:rPr lang="en-US" altLang="zh-CN" sz="2400" dirty="0" err="1" smtClean="0">
+                <a:solidFill>
+                  <a:schemeClr val="bg1">
+                    <a:lumMod val="95000"/>
+                  </a:schemeClr>
+                </a:solidFill>
+                <a:latin typeface="Microsoft YaHei"/>
+                <a:ea typeface="Microsoft YaHei"/>
+                <a:cs typeface="Microsoft YaHei"/>
+              </a:rPr>
+              <a:t>ang</a:t>
+            </a:r>
+            <a:r>
+              <a:rPr lang="en-US" altLang="zh-CN" sz="2400" dirty="0" smtClean="0">
+                <a:solidFill>
+                  <a:schemeClr val="bg1">
+                    <a:lumMod val="95000"/>
+                  </a:schemeClr>
+                </a:solidFill>
+                <a:latin typeface="Microsoft YaHei"/>
+                <a:ea typeface="Microsoft YaHei"/>
+                <a:cs typeface="Microsoft YaHei"/>
+              </a:rPr>
+              <a:t>(field1,field2…)</a:t>
+            </a:r>
+            <a:endParaRPr kumimoji="1" lang="zh-CN" altLang="en-US" sz="2400" dirty="0">
+              <a:solidFill>
+                <a:schemeClr val="bg1">
+                  <a:lumMod val="95000"/>
+                </a:schemeClr>
+              </a:solidFill>
+              <a:latin typeface="Microsoft YaHei"/>
+              <a:ea typeface="Microsoft YaHei"/>
+              <a:cs typeface="Microsoft YaHei"/>
+            </a:endParaRPr>
+          </a:p>
+        </p:txBody>
+      </p:sp>
+      <p:sp>
+        <p:nvSpPr>
+          <p:cNvPr id="7" name="文本框 6"/>
+          <p:cNvSpPr txBox="1"/>
+          <p:nvPr/>
+        </p:nvSpPr>
+        <p:spPr>
+          <a:xfrm>
+            <a:off x="555643" y="2925877"/>
+            <a:ext cx="8243918" cy="461665"/>
+          </a:xfrm>
+          <a:prstGeom prst="rect">
+            <a:avLst/>
+          </a:prstGeom>
+          <a:solidFill>
+            <a:srgbClr val="C0504D"/>
+          </a:solidFill>
+        </p:spPr>
+        <p:txBody>
+          <a:bodyPr wrap="square" rtlCol="0">
+            <a:spAutoFit/>
+          </a:bodyPr>
+          <a:lstStyle/>
+          <a:p>
+            <a:r>
+              <a:rPr lang="zh-CN" altLang="zh-CN" sz="2400" dirty="0" smtClean="0">
+                <a:solidFill>
+                  <a:schemeClr val="bg1">
+                    <a:lumMod val="95000"/>
+                  </a:schemeClr>
+                </a:solidFill>
+                <a:latin typeface="Microsoft YaHei"/>
+                <a:ea typeface="Microsoft YaHei"/>
+                <a:cs typeface="Microsoft YaHei"/>
+              </a:rPr>
+              <a:t>t</a:t>
+            </a:r>
+            <a:r>
+              <a:rPr lang="en-US" altLang="zh-CN" sz="2400" dirty="0" smtClean="0">
+                <a:solidFill>
+                  <a:schemeClr val="bg1">
+                    <a:lumMod val="95000"/>
+                  </a:schemeClr>
+                </a:solidFill>
+                <a:latin typeface="Microsoft YaHei"/>
+                <a:ea typeface="Microsoft YaHei"/>
+                <a:cs typeface="Microsoft YaHei"/>
+              </a:rPr>
+              <a:t>able_[1</a:t>
+            </a:r>
+            <a:r>
+              <a:rPr lang="en-US" altLang="zh-CN" sz="2400" dirty="0" smtClean="0">
+                <a:solidFill>
+                  <a:schemeClr val="bg1">
+                    <a:lumMod val="95000"/>
+                  </a:schemeClr>
+                </a:solidFill>
+                <a:latin typeface="Microsoft YaHei"/>
+                <a:ea typeface="Microsoft YaHei"/>
+                <a:cs typeface="Microsoft YaHei"/>
+              </a:rPr>
+              <a:t>-</a:t>
+            </a:r>
+            <a:r>
+              <a:rPr lang="en-US" altLang="zh-CN" sz="2400" dirty="0" smtClean="0">
+                <a:solidFill>
+                  <a:schemeClr val="bg1">
+                    <a:lumMod val="95000"/>
+                  </a:schemeClr>
+                </a:solidFill>
+                <a:latin typeface="Microsoft YaHei"/>
+                <a:ea typeface="Microsoft YaHei"/>
+                <a:cs typeface="Microsoft YaHei"/>
+              </a:rPr>
+              <a:t>6</a:t>
+            </a:r>
+            <a:r>
+              <a:rPr lang="en-US" altLang="zh-CN" sz="2400" dirty="0" smtClean="0">
+                <a:solidFill>
+                  <a:schemeClr val="bg1">
+                    <a:lumMod val="95000"/>
+                  </a:schemeClr>
+                </a:solidFill>
+                <a:latin typeface="Microsoft YaHei"/>
+                <a:ea typeface="Microsoft YaHei"/>
+                <a:cs typeface="Microsoft YaHei"/>
+              </a:rPr>
+              <a:t>]</a:t>
+            </a:r>
+            <a:r>
+              <a:rPr lang="en-US" altLang="zh-CN" sz="2400" dirty="0" smtClean="0">
+                <a:solidFill>
+                  <a:schemeClr val="bg1">
+                    <a:lumMod val="95000"/>
+                  </a:schemeClr>
+                </a:solidFill>
+                <a:latin typeface="Microsoft YaHei"/>
+                <a:ea typeface="Microsoft YaHei"/>
+                <a:cs typeface="Microsoft YaHei"/>
+              </a:rPr>
+              <a:t>:</a:t>
+            </a:r>
+            <a:r>
+              <a:rPr lang="en-US" altLang="zh-CN" sz="2400" dirty="0" err="1" smtClean="0">
+                <a:solidFill>
+                  <a:schemeClr val="bg1">
+                    <a:lumMod val="95000"/>
+                  </a:schemeClr>
+                </a:solidFill>
+                <a:latin typeface="Microsoft YaHei"/>
+                <a:ea typeface="Microsoft YaHei"/>
+                <a:cs typeface="Microsoft YaHei"/>
+              </a:rPr>
+              <a:t>func</a:t>
+            </a:r>
+            <a:r>
+              <a:rPr lang="en-US" altLang="zh-CN" sz="2400" dirty="0" smtClean="0">
+                <a:solidFill>
+                  <a:schemeClr val="bg1">
+                    <a:lumMod val="95000"/>
+                  </a:schemeClr>
+                </a:solidFill>
+                <a:latin typeface="Microsoft YaHei"/>
+                <a:ea typeface="Microsoft YaHei"/>
+                <a:cs typeface="Microsoft YaHei"/>
+              </a:rPr>
+              <a:t>(field1,field2…)</a:t>
+            </a:r>
+            <a:endParaRPr kumimoji="1" lang="zh-CN" altLang="en-US" sz="2400" dirty="0">
+              <a:solidFill>
+                <a:schemeClr val="bg1">
+                  <a:lumMod val="95000"/>
+                </a:schemeClr>
+              </a:solidFill>
+              <a:latin typeface="Microsoft YaHei"/>
+              <a:ea typeface="Microsoft YaHei"/>
+              <a:cs typeface="Microsoft YaHei"/>
+            </a:endParaRPr>
+          </a:p>
+        </p:txBody>
+      </p:sp>
+      <p:sp>
+        <p:nvSpPr>
+          <p:cNvPr id="8" name="文本框 7"/>
+          <p:cNvSpPr txBox="1"/>
+          <p:nvPr/>
+        </p:nvSpPr>
+        <p:spPr>
+          <a:xfrm>
+            <a:off x="555643" y="3654853"/>
+            <a:ext cx="1479892" cy="369332"/>
+          </a:xfrm>
+          <a:prstGeom prst="rect">
+            <a:avLst/>
+          </a:prstGeom>
+          <a:noFill/>
+        </p:spPr>
+        <p:txBody>
+          <a:bodyPr wrap="none" rtlCol="0">
+            <a:spAutoFit/>
+          </a:bodyPr>
+          <a:lstStyle/>
+          <a:p>
+            <a:r>
+              <a:rPr kumimoji="1" lang="en-US" altLang="zh-CN" b="1" dirty="0" smtClean="0">
+                <a:latin typeface="Microsoft YaHei"/>
+                <a:ea typeface="Microsoft YaHei"/>
+                <a:cs typeface="Microsoft YaHei"/>
+              </a:rPr>
+              <a:t>2</a:t>
+            </a:r>
+            <a:r>
+              <a:rPr kumimoji="1" lang="zh-CN" altLang="en-US" b="1" dirty="0" smtClean="0">
+                <a:latin typeface="Microsoft YaHei"/>
+                <a:ea typeface="Microsoft YaHei"/>
+                <a:cs typeface="Microsoft YaHei"/>
+              </a:rPr>
+              <a:t>、</a:t>
+            </a:r>
+            <a:r>
+              <a:rPr kumimoji="1" lang="zh-CN" altLang="en-US" b="1" dirty="0" smtClean="0">
+                <a:latin typeface="Microsoft YaHei"/>
+                <a:ea typeface="Microsoft YaHei"/>
+                <a:cs typeface="Microsoft YaHei"/>
+              </a:rPr>
+              <a:t>定义描述</a:t>
+            </a:r>
+            <a:endParaRPr kumimoji="1" lang="zh-CN" altLang="en-US" b="1" dirty="0">
+              <a:latin typeface="Microsoft YaHei"/>
+              <a:ea typeface="Microsoft YaHei"/>
+              <a:cs typeface="Microsoft YaHei"/>
+            </a:endParaRPr>
+          </a:p>
+        </p:txBody>
+      </p:sp>
+      <p:sp>
+        <p:nvSpPr>
+          <p:cNvPr id="9" name="矩形 8"/>
+          <p:cNvSpPr/>
+          <p:nvPr/>
+        </p:nvSpPr>
+        <p:spPr>
+          <a:xfrm>
+            <a:off x="5633687" y="4129529"/>
+            <a:ext cx="975209" cy="402622"/>
+          </a:xfrm>
+          <a:prstGeom prst="rect">
+            <a:avLst/>
+          </a:prstGeom>
+          <a:solidFill>
+            <a:schemeClr val="accent6">
+              <a:lumMod val="75000"/>
+            </a:schemeClr>
+          </a:solidFill>
+        </p:spPr>
+        <p:style>
+          <a:lnRef idx="1">
+            <a:schemeClr val="accent1"/>
+          </a:lnRef>
+          <a:fillRef idx="3">
+            <a:schemeClr val="accent1"/>
+          </a:fillRef>
+          <a:effectRef idx="2">
+            <a:schemeClr val="accent1"/>
+          </a:effectRef>
+          <a:fontRef idx="minor">
+            <a:schemeClr val="lt1"/>
+          </a:fontRef>
+        </p:style>
+        <p:txBody>
+          <a:bodyPr rtlCol="0" anchor="ctr"/>
+          <a:lstStyle/>
+          <a:p>
+            <a:pPr algn="ctr"/>
+            <a:r>
+              <a:rPr kumimoji="1" lang="en-US" altLang="zh-CN" dirty="0" smtClean="0">
+                <a:latin typeface="Microsoft YaHei"/>
+                <a:ea typeface="Microsoft YaHei"/>
+                <a:cs typeface="Microsoft YaHei"/>
+              </a:rPr>
+              <a:t>table</a:t>
+            </a:r>
+            <a:r>
+              <a:rPr kumimoji="1" lang="en-US" altLang="zh-CN" dirty="0" smtClean="0">
+                <a:latin typeface="Microsoft YaHei"/>
+                <a:ea typeface="Microsoft YaHei"/>
+                <a:cs typeface="Microsoft YaHei"/>
+              </a:rPr>
+              <a:t>-</a:t>
+            </a:r>
+            <a:r>
+              <a:rPr kumimoji="1" lang="en-US" altLang="zh-CN" dirty="0" smtClean="0">
+                <a:latin typeface="Microsoft YaHei"/>
+                <a:ea typeface="Microsoft YaHei"/>
+                <a:cs typeface="Microsoft YaHei"/>
+              </a:rPr>
+              <a:t>1</a:t>
+            </a:r>
+            <a:endParaRPr kumimoji="1" lang="zh-CN" altLang="en-US" dirty="0">
+              <a:latin typeface="Microsoft YaHei"/>
+              <a:ea typeface="Microsoft YaHei"/>
+              <a:cs typeface="Microsoft YaHei"/>
+            </a:endParaRPr>
+          </a:p>
+        </p:txBody>
+      </p:sp>
+      <p:sp>
+        <p:nvSpPr>
+          <p:cNvPr id="10" name="矩形 9"/>
+          <p:cNvSpPr/>
+          <p:nvPr/>
+        </p:nvSpPr>
+        <p:spPr>
+          <a:xfrm>
+            <a:off x="6597556" y="4126455"/>
+            <a:ext cx="2190665" cy="402622"/>
+          </a:xfrm>
+          <a:prstGeom prst="rect">
+            <a:avLst/>
+          </a:prstGeom>
+          <a:solidFill>
+            <a:schemeClr val="accent6">
+              <a:lumMod val="75000"/>
+            </a:schemeClr>
+          </a:solidFill>
+        </p:spPr>
+        <p:style>
+          <a:lnRef idx="1">
+            <a:schemeClr val="accent1"/>
+          </a:lnRef>
+          <a:fillRef idx="3">
+            <a:schemeClr val="accent1"/>
+          </a:fillRef>
+          <a:effectRef idx="2">
+            <a:schemeClr val="accent1"/>
+          </a:effectRef>
+          <a:fontRef idx="minor">
+            <a:schemeClr val="lt1"/>
+          </a:fontRef>
+        </p:style>
+        <p:txBody>
+          <a:bodyPr rtlCol="0" anchor="ctr"/>
+          <a:lstStyle/>
+          <a:p>
+            <a:pPr algn="ctr"/>
+            <a:r>
+              <a:rPr kumimoji="1" lang="en-US" altLang="zh-CN" dirty="0" smtClean="0">
+                <a:latin typeface="Microsoft YaHei"/>
+                <a:ea typeface="Microsoft YaHei"/>
+                <a:cs typeface="Microsoft YaHei"/>
+              </a:rPr>
+              <a:t>field1,field2…</a:t>
+            </a:r>
+            <a:endParaRPr kumimoji="1" lang="zh-CN" altLang="en-US" dirty="0">
+              <a:latin typeface="Microsoft YaHei"/>
+              <a:ea typeface="Microsoft YaHei"/>
+              <a:cs typeface="Microsoft YaHei"/>
+            </a:endParaRPr>
+          </a:p>
+        </p:txBody>
+      </p:sp>
+      <p:sp>
+        <p:nvSpPr>
+          <p:cNvPr id="11" name="矩形 10"/>
+          <p:cNvSpPr/>
+          <p:nvPr/>
+        </p:nvSpPr>
+        <p:spPr>
+          <a:xfrm>
+            <a:off x="5633687" y="4532151"/>
+            <a:ext cx="975209" cy="402622"/>
+          </a:xfrm>
+          <a:prstGeom prst="rect">
+            <a:avLst/>
+          </a:prstGeom>
+          <a:solidFill>
+            <a:schemeClr val="accent6">
+              <a:lumMod val="75000"/>
+            </a:schemeClr>
+          </a:solidFill>
+        </p:spPr>
+        <p:style>
+          <a:lnRef idx="1">
+            <a:schemeClr val="accent1"/>
+          </a:lnRef>
+          <a:fillRef idx="3">
+            <a:schemeClr val="accent1"/>
+          </a:fillRef>
+          <a:effectRef idx="2">
+            <a:schemeClr val="accent1"/>
+          </a:effectRef>
+          <a:fontRef idx="minor">
+            <a:schemeClr val="lt1"/>
+          </a:fontRef>
+        </p:style>
+        <p:txBody>
+          <a:bodyPr rtlCol="0" anchor="ctr"/>
+          <a:lstStyle/>
+          <a:p>
+            <a:pPr algn="ctr"/>
+            <a:r>
+              <a:rPr kumimoji="1" lang="en-US" altLang="zh-CN" dirty="0" smtClean="0">
+                <a:latin typeface="Microsoft YaHei"/>
+                <a:ea typeface="Microsoft YaHei"/>
+                <a:cs typeface="Microsoft YaHei"/>
+              </a:rPr>
+              <a:t>table-2</a:t>
+            </a:r>
+            <a:endParaRPr kumimoji="1" lang="zh-CN" altLang="en-US" dirty="0">
+              <a:latin typeface="Microsoft YaHei"/>
+              <a:ea typeface="Microsoft YaHei"/>
+              <a:cs typeface="Microsoft YaHei"/>
+            </a:endParaRPr>
+          </a:p>
+        </p:txBody>
+      </p:sp>
+      <p:sp>
+        <p:nvSpPr>
+          <p:cNvPr id="12" name="矩形 11"/>
+          <p:cNvSpPr/>
+          <p:nvPr/>
+        </p:nvSpPr>
+        <p:spPr>
+          <a:xfrm>
+            <a:off x="6597556" y="4529077"/>
+            <a:ext cx="2190665" cy="402622"/>
+          </a:xfrm>
+          <a:prstGeom prst="rect">
+            <a:avLst/>
+          </a:prstGeom>
+          <a:solidFill>
+            <a:schemeClr val="accent6">
+              <a:lumMod val="75000"/>
+            </a:schemeClr>
+          </a:solidFill>
+        </p:spPr>
+        <p:style>
+          <a:lnRef idx="1">
+            <a:schemeClr val="accent1"/>
+          </a:lnRef>
+          <a:fillRef idx="3">
+            <a:schemeClr val="accent1"/>
+          </a:fillRef>
+          <a:effectRef idx="2">
+            <a:schemeClr val="accent1"/>
+          </a:effectRef>
+          <a:fontRef idx="minor">
+            <a:schemeClr val="lt1"/>
+          </a:fontRef>
+        </p:style>
+        <p:txBody>
+          <a:bodyPr rtlCol="0" anchor="ctr"/>
+          <a:lstStyle/>
+          <a:p>
+            <a:pPr algn="ctr"/>
+            <a:r>
+              <a:rPr kumimoji="1" lang="en-US" altLang="zh-CN" dirty="0">
+                <a:latin typeface="Microsoft YaHei"/>
+                <a:ea typeface="Microsoft YaHei"/>
+                <a:cs typeface="Microsoft YaHei"/>
+              </a:rPr>
+              <a:t>field1,field2…</a:t>
+            </a:r>
+            <a:endParaRPr kumimoji="1" lang="zh-CN" altLang="en-US" dirty="0">
+              <a:latin typeface="Microsoft YaHei"/>
+              <a:ea typeface="Microsoft YaHei"/>
+              <a:cs typeface="Microsoft YaHei"/>
+            </a:endParaRPr>
+          </a:p>
+        </p:txBody>
+      </p:sp>
+      <p:sp>
+        <p:nvSpPr>
+          <p:cNvPr id="13" name="矩形 12"/>
+          <p:cNvSpPr/>
+          <p:nvPr/>
+        </p:nvSpPr>
+        <p:spPr>
+          <a:xfrm>
+            <a:off x="5633687" y="4936205"/>
+            <a:ext cx="975209" cy="402622"/>
+          </a:xfrm>
+          <a:prstGeom prst="rect">
+            <a:avLst/>
+          </a:prstGeom>
+          <a:solidFill>
+            <a:schemeClr val="accent6">
+              <a:lumMod val="75000"/>
+            </a:schemeClr>
+          </a:solidFill>
+        </p:spPr>
+        <p:style>
+          <a:lnRef idx="1">
+            <a:schemeClr val="accent1"/>
+          </a:lnRef>
+          <a:fillRef idx="3">
+            <a:schemeClr val="accent1"/>
+          </a:fillRef>
+          <a:effectRef idx="2">
+            <a:schemeClr val="accent1"/>
+          </a:effectRef>
+          <a:fontRef idx="minor">
+            <a:schemeClr val="lt1"/>
+          </a:fontRef>
+        </p:style>
+        <p:txBody>
+          <a:bodyPr rtlCol="0" anchor="ctr"/>
+          <a:lstStyle/>
+          <a:p>
+            <a:pPr algn="ctr"/>
+            <a:r>
+              <a:rPr kumimoji="1" lang="en-US" altLang="zh-CN" dirty="0">
+                <a:latin typeface="Microsoft YaHei"/>
+                <a:ea typeface="Microsoft YaHei"/>
+                <a:cs typeface="Microsoft YaHei"/>
+              </a:rPr>
+              <a:t>table</a:t>
+            </a:r>
+            <a:r>
+              <a:rPr kumimoji="1" lang="en-US" altLang="zh-CN" dirty="0" smtClean="0">
+                <a:latin typeface="Microsoft YaHei"/>
+                <a:ea typeface="Microsoft YaHei"/>
+                <a:cs typeface="Microsoft YaHei"/>
+              </a:rPr>
+              <a:t>-</a:t>
+            </a:r>
+            <a:r>
+              <a:rPr kumimoji="1" lang="en-US" altLang="zh-CN" dirty="0" smtClean="0">
+                <a:latin typeface="Microsoft YaHei"/>
+                <a:ea typeface="Microsoft YaHei"/>
+                <a:cs typeface="Microsoft YaHei"/>
+              </a:rPr>
+              <a:t>3</a:t>
+            </a:r>
+            <a:endParaRPr kumimoji="1" lang="zh-CN" altLang="en-US" dirty="0">
+              <a:latin typeface="Microsoft YaHei"/>
+              <a:ea typeface="Microsoft YaHei"/>
+              <a:cs typeface="Microsoft YaHei"/>
+            </a:endParaRPr>
+          </a:p>
+        </p:txBody>
+      </p:sp>
+      <p:sp>
+        <p:nvSpPr>
+          <p:cNvPr id="14" name="矩形 13"/>
+          <p:cNvSpPr/>
+          <p:nvPr/>
+        </p:nvSpPr>
+        <p:spPr>
+          <a:xfrm>
+            <a:off x="6597556" y="4933131"/>
+            <a:ext cx="2190665" cy="402622"/>
+          </a:xfrm>
+          <a:prstGeom prst="rect">
+            <a:avLst/>
+          </a:prstGeom>
+          <a:solidFill>
+            <a:schemeClr val="accent6">
+              <a:lumMod val="75000"/>
+            </a:schemeClr>
+          </a:solidFill>
+        </p:spPr>
+        <p:style>
+          <a:lnRef idx="1">
+            <a:schemeClr val="accent1"/>
+          </a:lnRef>
+          <a:fillRef idx="3">
+            <a:schemeClr val="accent1"/>
+          </a:fillRef>
+          <a:effectRef idx="2">
+            <a:schemeClr val="accent1"/>
+          </a:effectRef>
+          <a:fontRef idx="minor">
+            <a:schemeClr val="lt1"/>
+          </a:fontRef>
+        </p:style>
+        <p:txBody>
+          <a:bodyPr rtlCol="0" anchor="ctr"/>
+          <a:lstStyle/>
+          <a:p>
+            <a:pPr algn="ctr"/>
+            <a:r>
+              <a:rPr kumimoji="1" lang="en-US" altLang="zh-CN" dirty="0">
+                <a:latin typeface="Microsoft YaHei"/>
+                <a:ea typeface="Microsoft YaHei"/>
+                <a:cs typeface="Microsoft YaHei"/>
+              </a:rPr>
+              <a:t>field1,field2…</a:t>
+            </a:r>
+            <a:endParaRPr kumimoji="1" lang="zh-CN" altLang="en-US" dirty="0">
+              <a:latin typeface="Microsoft YaHei"/>
+              <a:ea typeface="Microsoft YaHei"/>
+              <a:cs typeface="Microsoft YaHei"/>
+            </a:endParaRPr>
+          </a:p>
+        </p:txBody>
+      </p:sp>
+      <p:sp>
+        <p:nvSpPr>
+          <p:cNvPr id="15" name="矩形 14"/>
+          <p:cNvSpPr/>
+          <p:nvPr/>
+        </p:nvSpPr>
+        <p:spPr>
+          <a:xfrm>
+            <a:off x="5633687" y="5338827"/>
+            <a:ext cx="975209" cy="402622"/>
+          </a:xfrm>
+          <a:prstGeom prst="rect">
+            <a:avLst/>
+          </a:prstGeom>
+          <a:solidFill>
+            <a:schemeClr val="accent6">
+              <a:lumMod val="75000"/>
+            </a:schemeClr>
+          </a:solidFill>
+        </p:spPr>
+        <p:style>
+          <a:lnRef idx="1">
+            <a:schemeClr val="accent1"/>
+          </a:lnRef>
+          <a:fillRef idx="3">
+            <a:schemeClr val="accent1"/>
+          </a:fillRef>
+          <a:effectRef idx="2">
+            <a:schemeClr val="accent1"/>
+          </a:effectRef>
+          <a:fontRef idx="minor">
+            <a:schemeClr val="lt1"/>
+          </a:fontRef>
+        </p:style>
+        <p:txBody>
+          <a:bodyPr rtlCol="0" anchor="ctr"/>
+          <a:lstStyle/>
+          <a:p>
+            <a:pPr algn="ctr"/>
+            <a:r>
+              <a:rPr kumimoji="1" lang="en-US" altLang="zh-CN" dirty="0">
+                <a:latin typeface="Microsoft YaHei"/>
+                <a:ea typeface="Microsoft YaHei"/>
+                <a:cs typeface="Microsoft YaHei"/>
+              </a:rPr>
+              <a:t>table</a:t>
+            </a:r>
+            <a:r>
+              <a:rPr kumimoji="1" lang="en-US" altLang="zh-CN" dirty="0" smtClean="0">
+                <a:latin typeface="Microsoft YaHei"/>
+                <a:ea typeface="Microsoft YaHei"/>
+                <a:cs typeface="Microsoft YaHei"/>
+              </a:rPr>
+              <a:t>-</a:t>
+            </a:r>
+            <a:r>
+              <a:rPr kumimoji="1" lang="en-US" altLang="zh-CN" dirty="0" smtClean="0">
+                <a:latin typeface="Microsoft YaHei"/>
+                <a:ea typeface="Microsoft YaHei"/>
+                <a:cs typeface="Microsoft YaHei"/>
+              </a:rPr>
+              <a:t>4</a:t>
+            </a:r>
+            <a:endParaRPr kumimoji="1" lang="zh-CN" altLang="en-US" dirty="0">
+              <a:latin typeface="Microsoft YaHei"/>
+              <a:ea typeface="Microsoft YaHei"/>
+              <a:cs typeface="Microsoft YaHei"/>
+            </a:endParaRPr>
+          </a:p>
+        </p:txBody>
+      </p:sp>
+      <p:sp>
+        <p:nvSpPr>
+          <p:cNvPr id="16" name="矩形 15"/>
+          <p:cNvSpPr/>
+          <p:nvPr/>
+        </p:nvSpPr>
+        <p:spPr>
+          <a:xfrm>
+            <a:off x="6597556" y="5335753"/>
+            <a:ext cx="2190665" cy="402622"/>
+          </a:xfrm>
+          <a:prstGeom prst="rect">
+            <a:avLst/>
+          </a:prstGeom>
+          <a:solidFill>
+            <a:schemeClr val="accent6">
+              <a:lumMod val="75000"/>
+            </a:schemeClr>
+          </a:solidFill>
+        </p:spPr>
+        <p:style>
+          <a:lnRef idx="1">
+            <a:schemeClr val="accent1"/>
+          </a:lnRef>
+          <a:fillRef idx="3">
+            <a:schemeClr val="accent1"/>
+          </a:fillRef>
+          <a:effectRef idx="2">
+            <a:schemeClr val="accent1"/>
+          </a:effectRef>
+          <a:fontRef idx="minor">
+            <a:schemeClr val="lt1"/>
+          </a:fontRef>
+        </p:style>
+        <p:txBody>
+          <a:bodyPr rtlCol="0" anchor="ctr"/>
+          <a:lstStyle/>
+          <a:p>
+            <a:pPr algn="ctr"/>
+            <a:r>
+              <a:rPr kumimoji="1" lang="en-US" altLang="zh-CN" dirty="0">
+                <a:latin typeface="Microsoft YaHei"/>
+                <a:ea typeface="Microsoft YaHei"/>
+                <a:cs typeface="Microsoft YaHei"/>
+              </a:rPr>
+              <a:t>field1,field2…</a:t>
+            </a:r>
+            <a:endParaRPr kumimoji="1" lang="zh-CN" altLang="en-US" dirty="0">
+              <a:latin typeface="Microsoft YaHei"/>
+              <a:ea typeface="Microsoft YaHei"/>
+              <a:cs typeface="Microsoft YaHei"/>
+            </a:endParaRPr>
+          </a:p>
+        </p:txBody>
+      </p:sp>
+      <p:sp>
+        <p:nvSpPr>
+          <p:cNvPr id="17" name="矩形 16"/>
+          <p:cNvSpPr/>
+          <p:nvPr/>
+        </p:nvSpPr>
+        <p:spPr>
+          <a:xfrm>
+            <a:off x="5633687" y="5742497"/>
+            <a:ext cx="975209" cy="402622"/>
+          </a:xfrm>
+          <a:prstGeom prst="rect">
+            <a:avLst/>
+          </a:prstGeom>
+          <a:solidFill>
+            <a:schemeClr val="accent6">
+              <a:lumMod val="75000"/>
+            </a:schemeClr>
+          </a:solidFill>
+        </p:spPr>
+        <p:style>
+          <a:lnRef idx="1">
+            <a:schemeClr val="accent1"/>
+          </a:lnRef>
+          <a:fillRef idx="3">
+            <a:schemeClr val="accent1"/>
+          </a:fillRef>
+          <a:effectRef idx="2">
+            <a:schemeClr val="accent1"/>
+          </a:effectRef>
+          <a:fontRef idx="minor">
+            <a:schemeClr val="lt1"/>
+          </a:fontRef>
+        </p:style>
+        <p:txBody>
+          <a:bodyPr rtlCol="0" anchor="ctr"/>
+          <a:lstStyle/>
+          <a:p>
+            <a:pPr algn="ctr"/>
+            <a:r>
+              <a:rPr kumimoji="1" lang="en-US" altLang="zh-CN" dirty="0">
+                <a:latin typeface="Microsoft YaHei"/>
+                <a:ea typeface="Microsoft YaHei"/>
+                <a:cs typeface="Microsoft YaHei"/>
+              </a:rPr>
+              <a:t>table</a:t>
+            </a:r>
+            <a:r>
+              <a:rPr kumimoji="1" lang="en-US" altLang="zh-CN" dirty="0" smtClean="0">
+                <a:latin typeface="Microsoft YaHei"/>
+                <a:ea typeface="Microsoft YaHei"/>
+                <a:cs typeface="Microsoft YaHei"/>
+              </a:rPr>
+              <a:t>-</a:t>
+            </a:r>
+            <a:r>
+              <a:rPr kumimoji="1" lang="en-US" altLang="zh-CN" dirty="0" smtClean="0">
+                <a:latin typeface="Microsoft YaHei"/>
+                <a:ea typeface="Microsoft YaHei"/>
+                <a:cs typeface="Microsoft YaHei"/>
+              </a:rPr>
+              <a:t>5</a:t>
+            </a:r>
+            <a:endParaRPr kumimoji="1" lang="zh-CN" altLang="en-US" dirty="0">
+              <a:latin typeface="Microsoft YaHei"/>
+              <a:ea typeface="Microsoft YaHei"/>
+              <a:cs typeface="Microsoft YaHei"/>
+            </a:endParaRPr>
+          </a:p>
+        </p:txBody>
+      </p:sp>
+      <p:sp>
+        <p:nvSpPr>
+          <p:cNvPr id="18" name="矩形 17"/>
+          <p:cNvSpPr/>
+          <p:nvPr/>
+        </p:nvSpPr>
+        <p:spPr>
+          <a:xfrm>
+            <a:off x="6597556" y="5739423"/>
+            <a:ext cx="2190665" cy="402622"/>
+          </a:xfrm>
+          <a:prstGeom prst="rect">
+            <a:avLst/>
+          </a:prstGeom>
+          <a:solidFill>
+            <a:schemeClr val="accent6">
+              <a:lumMod val="75000"/>
+            </a:schemeClr>
+          </a:solidFill>
+        </p:spPr>
+        <p:style>
+          <a:lnRef idx="1">
+            <a:schemeClr val="accent1"/>
+          </a:lnRef>
+          <a:fillRef idx="3">
+            <a:schemeClr val="accent1"/>
+          </a:fillRef>
+          <a:effectRef idx="2">
+            <a:schemeClr val="accent1"/>
+          </a:effectRef>
+          <a:fontRef idx="minor">
+            <a:schemeClr val="lt1"/>
+          </a:fontRef>
+        </p:style>
+        <p:txBody>
+          <a:bodyPr rtlCol="0" anchor="ctr"/>
+          <a:lstStyle/>
+          <a:p>
+            <a:pPr algn="ctr"/>
+            <a:r>
+              <a:rPr kumimoji="1" lang="en-US" altLang="zh-CN" dirty="0">
+                <a:latin typeface="Microsoft YaHei"/>
+                <a:ea typeface="Microsoft YaHei"/>
+                <a:cs typeface="Microsoft YaHei"/>
+              </a:rPr>
+              <a:t>field1,field2…</a:t>
+            </a:r>
+            <a:endParaRPr kumimoji="1" lang="zh-CN" altLang="en-US" dirty="0">
+              <a:latin typeface="Microsoft YaHei"/>
+              <a:ea typeface="Microsoft YaHei"/>
+              <a:cs typeface="Microsoft YaHei"/>
+            </a:endParaRPr>
+          </a:p>
+        </p:txBody>
+      </p:sp>
+      <p:sp>
+        <p:nvSpPr>
+          <p:cNvPr id="19" name="矩形 18"/>
+          <p:cNvSpPr/>
+          <p:nvPr/>
+        </p:nvSpPr>
+        <p:spPr>
+          <a:xfrm>
+            <a:off x="5633687" y="6145119"/>
+            <a:ext cx="975209" cy="402622"/>
+          </a:xfrm>
+          <a:prstGeom prst="rect">
+            <a:avLst/>
+          </a:prstGeom>
+          <a:solidFill>
+            <a:schemeClr val="accent6">
+              <a:lumMod val="75000"/>
+            </a:schemeClr>
+          </a:solidFill>
+        </p:spPr>
+        <p:style>
+          <a:lnRef idx="1">
+            <a:schemeClr val="accent1"/>
+          </a:lnRef>
+          <a:fillRef idx="3">
+            <a:schemeClr val="accent1"/>
+          </a:fillRef>
+          <a:effectRef idx="2">
+            <a:schemeClr val="accent1"/>
+          </a:effectRef>
+          <a:fontRef idx="minor">
+            <a:schemeClr val="lt1"/>
+          </a:fontRef>
+        </p:style>
+        <p:txBody>
+          <a:bodyPr rtlCol="0" anchor="ctr"/>
+          <a:lstStyle/>
+          <a:p>
+            <a:pPr algn="ctr"/>
+            <a:r>
+              <a:rPr kumimoji="1" lang="en-US" altLang="zh-CN" dirty="0">
+                <a:latin typeface="Microsoft YaHei"/>
+                <a:ea typeface="Microsoft YaHei"/>
+                <a:cs typeface="Microsoft YaHei"/>
+              </a:rPr>
+              <a:t>table</a:t>
+            </a:r>
+            <a:r>
+              <a:rPr kumimoji="1" lang="en-US" altLang="zh-CN" dirty="0" smtClean="0">
+                <a:latin typeface="Microsoft YaHei"/>
+                <a:ea typeface="Microsoft YaHei"/>
+                <a:cs typeface="Microsoft YaHei"/>
+              </a:rPr>
+              <a:t>-</a:t>
+            </a:r>
+            <a:r>
+              <a:rPr kumimoji="1" lang="en-US" altLang="zh-CN" dirty="0" smtClean="0">
+                <a:latin typeface="Microsoft YaHei"/>
+                <a:ea typeface="Microsoft YaHei"/>
+                <a:cs typeface="Microsoft YaHei"/>
+              </a:rPr>
+              <a:t>6</a:t>
+            </a:r>
+            <a:endParaRPr kumimoji="1" lang="zh-CN" altLang="en-US" dirty="0">
+              <a:latin typeface="Microsoft YaHei"/>
+              <a:ea typeface="Microsoft YaHei"/>
+              <a:cs typeface="Microsoft YaHei"/>
+            </a:endParaRPr>
+          </a:p>
+        </p:txBody>
+      </p:sp>
+      <p:sp>
+        <p:nvSpPr>
+          <p:cNvPr id="20" name="矩形 19"/>
+          <p:cNvSpPr/>
+          <p:nvPr/>
+        </p:nvSpPr>
+        <p:spPr>
+          <a:xfrm>
+            <a:off x="6597556" y="6142045"/>
+            <a:ext cx="2190665" cy="402622"/>
+          </a:xfrm>
+          <a:prstGeom prst="rect">
+            <a:avLst/>
+          </a:prstGeom>
+          <a:solidFill>
+            <a:schemeClr val="accent6">
+              <a:lumMod val="75000"/>
+            </a:schemeClr>
+          </a:solidFill>
+        </p:spPr>
+        <p:style>
+          <a:lnRef idx="1">
+            <a:schemeClr val="accent1"/>
+          </a:lnRef>
+          <a:fillRef idx="3">
+            <a:schemeClr val="accent1"/>
+          </a:fillRef>
+          <a:effectRef idx="2">
+            <a:schemeClr val="accent1"/>
+          </a:effectRef>
+          <a:fontRef idx="minor">
+            <a:schemeClr val="lt1"/>
+          </a:fontRef>
+        </p:style>
+        <p:txBody>
+          <a:bodyPr rtlCol="0" anchor="ctr"/>
+          <a:lstStyle/>
+          <a:p>
+            <a:pPr algn="ctr"/>
+            <a:r>
+              <a:rPr kumimoji="1" lang="en-US" altLang="zh-CN" dirty="0">
+                <a:latin typeface="Microsoft YaHei"/>
+                <a:ea typeface="Microsoft YaHei"/>
+                <a:cs typeface="Microsoft YaHei"/>
+              </a:rPr>
+              <a:t>field1,field2…</a:t>
+            </a:r>
+            <a:endParaRPr kumimoji="1" lang="zh-CN" altLang="en-US" dirty="0">
+              <a:latin typeface="Microsoft YaHei"/>
+              <a:ea typeface="Microsoft YaHei"/>
+              <a:cs typeface="Microsoft YaHei"/>
+            </a:endParaRPr>
+          </a:p>
+        </p:txBody>
+      </p:sp>
+      <p:sp>
+        <p:nvSpPr>
+          <p:cNvPr id="21" name="矩形 20"/>
+          <p:cNvSpPr/>
+          <p:nvPr/>
+        </p:nvSpPr>
+        <p:spPr>
+          <a:xfrm>
+            <a:off x="5146083" y="4129529"/>
+            <a:ext cx="487604" cy="402622"/>
+          </a:xfrm>
+          <a:prstGeom prst="rect">
+            <a:avLst/>
+          </a:prstGeom>
+          <a:solidFill>
+            <a:schemeClr val="accent6">
+              <a:lumMod val="75000"/>
+            </a:schemeClr>
+          </a:solidFill>
+        </p:spPr>
+        <p:style>
+          <a:lnRef idx="1">
+            <a:schemeClr val="accent1"/>
+          </a:lnRef>
+          <a:fillRef idx="3">
+            <a:schemeClr val="accent1"/>
+          </a:fillRef>
+          <a:effectRef idx="2">
+            <a:schemeClr val="accent1"/>
+          </a:effectRef>
+          <a:fontRef idx="minor">
+            <a:schemeClr val="lt1"/>
+          </a:fontRef>
+        </p:style>
+        <p:txBody>
+          <a:bodyPr rtlCol="0" anchor="ctr"/>
+          <a:lstStyle/>
+          <a:p>
+            <a:pPr algn="ctr"/>
+            <a:r>
+              <a:rPr kumimoji="1" lang="en-US" altLang="zh-CN" dirty="0" smtClean="0">
+                <a:latin typeface="Microsoft YaHei"/>
+                <a:ea typeface="Microsoft YaHei"/>
+                <a:cs typeface="Microsoft YaHei"/>
+              </a:rPr>
+              <a:t>1</a:t>
+            </a:r>
+            <a:endParaRPr kumimoji="1" lang="zh-CN" altLang="en-US" dirty="0">
+              <a:latin typeface="Microsoft YaHei"/>
+              <a:ea typeface="Microsoft YaHei"/>
+              <a:cs typeface="Microsoft YaHei"/>
+            </a:endParaRPr>
+          </a:p>
+        </p:txBody>
+      </p:sp>
+      <p:sp>
+        <p:nvSpPr>
+          <p:cNvPr id="22" name="矩形 21"/>
+          <p:cNvSpPr/>
+          <p:nvPr/>
+        </p:nvSpPr>
+        <p:spPr>
+          <a:xfrm>
+            <a:off x="5146083" y="4532151"/>
+            <a:ext cx="487604" cy="402622"/>
+          </a:xfrm>
+          <a:prstGeom prst="rect">
+            <a:avLst/>
+          </a:prstGeom>
+          <a:solidFill>
+            <a:schemeClr val="accent6">
+              <a:lumMod val="75000"/>
+            </a:schemeClr>
+          </a:solidFill>
+        </p:spPr>
+        <p:style>
+          <a:lnRef idx="1">
+            <a:schemeClr val="accent1"/>
+          </a:lnRef>
+          <a:fillRef idx="3">
+            <a:schemeClr val="accent1"/>
+          </a:fillRef>
+          <a:effectRef idx="2">
+            <a:schemeClr val="accent1"/>
+          </a:effectRef>
+          <a:fontRef idx="minor">
+            <a:schemeClr val="lt1"/>
+          </a:fontRef>
+        </p:style>
+        <p:txBody>
+          <a:bodyPr rtlCol="0" anchor="ctr"/>
+          <a:lstStyle/>
+          <a:p>
+            <a:pPr algn="ctr"/>
+            <a:r>
+              <a:rPr kumimoji="1" lang="en-US" altLang="zh-CN" dirty="0" smtClean="0">
+                <a:latin typeface="Microsoft YaHei"/>
+                <a:ea typeface="Microsoft YaHei"/>
+                <a:cs typeface="Microsoft YaHei"/>
+              </a:rPr>
+              <a:t>2</a:t>
+            </a:r>
+            <a:endParaRPr kumimoji="1" lang="zh-CN" altLang="en-US" dirty="0">
+              <a:latin typeface="Microsoft YaHei"/>
+              <a:ea typeface="Microsoft YaHei"/>
+              <a:cs typeface="Microsoft YaHei"/>
+            </a:endParaRPr>
+          </a:p>
+        </p:txBody>
+      </p:sp>
+      <p:sp>
+        <p:nvSpPr>
+          <p:cNvPr id="23" name="矩形 22"/>
+          <p:cNvSpPr/>
+          <p:nvPr/>
+        </p:nvSpPr>
+        <p:spPr>
+          <a:xfrm>
+            <a:off x="5146083" y="4936205"/>
+            <a:ext cx="487604" cy="402622"/>
+          </a:xfrm>
+          <a:prstGeom prst="rect">
+            <a:avLst/>
+          </a:prstGeom>
+          <a:solidFill>
+            <a:schemeClr val="accent6">
+              <a:lumMod val="75000"/>
+            </a:schemeClr>
+          </a:solidFill>
+        </p:spPr>
+        <p:style>
+          <a:lnRef idx="1">
+            <a:schemeClr val="accent1"/>
+          </a:lnRef>
+          <a:fillRef idx="3">
+            <a:schemeClr val="accent1"/>
+          </a:fillRef>
+          <a:effectRef idx="2">
+            <a:schemeClr val="accent1"/>
+          </a:effectRef>
+          <a:fontRef idx="minor">
+            <a:schemeClr val="lt1"/>
+          </a:fontRef>
+        </p:style>
+        <p:txBody>
+          <a:bodyPr rtlCol="0" anchor="ctr"/>
+          <a:lstStyle/>
+          <a:p>
+            <a:pPr algn="ctr"/>
+            <a:r>
+              <a:rPr kumimoji="1" lang="en-US" altLang="zh-CN" dirty="0" smtClean="0">
+                <a:latin typeface="Microsoft YaHei"/>
+                <a:ea typeface="Microsoft YaHei"/>
+                <a:cs typeface="Microsoft YaHei"/>
+              </a:rPr>
+              <a:t>3</a:t>
+            </a:r>
+            <a:endParaRPr kumimoji="1" lang="zh-CN" altLang="en-US" dirty="0">
+              <a:latin typeface="Microsoft YaHei"/>
+              <a:ea typeface="Microsoft YaHei"/>
+              <a:cs typeface="Microsoft YaHei"/>
+            </a:endParaRPr>
+          </a:p>
+        </p:txBody>
+      </p:sp>
+      <p:sp>
+        <p:nvSpPr>
+          <p:cNvPr id="24" name="矩形 23"/>
+          <p:cNvSpPr/>
+          <p:nvPr/>
+        </p:nvSpPr>
+        <p:spPr>
+          <a:xfrm>
+            <a:off x="5146083" y="5338827"/>
+            <a:ext cx="487604" cy="402622"/>
+          </a:xfrm>
+          <a:prstGeom prst="rect">
+            <a:avLst/>
+          </a:prstGeom>
+          <a:solidFill>
+            <a:schemeClr val="accent6">
+              <a:lumMod val="75000"/>
+            </a:schemeClr>
+          </a:solidFill>
+        </p:spPr>
+        <p:style>
+          <a:lnRef idx="1">
+            <a:schemeClr val="accent1"/>
+          </a:lnRef>
+          <a:fillRef idx="3">
+            <a:schemeClr val="accent1"/>
+          </a:fillRef>
+          <a:effectRef idx="2">
+            <a:schemeClr val="accent1"/>
+          </a:effectRef>
+          <a:fontRef idx="minor">
+            <a:schemeClr val="lt1"/>
+          </a:fontRef>
+        </p:style>
+        <p:txBody>
+          <a:bodyPr rtlCol="0" anchor="ctr"/>
+          <a:lstStyle/>
+          <a:p>
+            <a:pPr algn="ctr"/>
+            <a:r>
+              <a:rPr kumimoji="1" lang="en-US" altLang="zh-CN" dirty="0" smtClean="0">
+                <a:latin typeface="Microsoft YaHei"/>
+                <a:ea typeface="Microsoft YaHei"/>
+                <a:cs typeface="Microsoft YaHei"/>
+              </a:rPr>
+              <a:t>4</a:t>
+            </a:r>
+            <a:endParaRPr kumimoji="1" lang="zh-CN" altLang="en-US" dirty="0">
+              <a:latin typeface="Microsoft YaHei"/>
+              <a:ea typeface="Microsoft YaHei"/>
+              <a:cs typeface="Microsoft YaHei"/>
+            </a:endParaRPr>
+          </a:p>
+        </p:txBody>
+      </p:sp>
+      <p:sp>
+        <p:nvSpPr>
+          <p:cNvPr id="25" name="矩形 24"/>
+          <p:cNvSpPr/>
+          <p:nvPr/>
+        </p:nvSpPr>
+        <p:spPr>
+          <a:xfrm>
+            <a:off x="5146083" y="5742497"/>
+            <a:ext cx="487604" cy="402622"/>
+          </a:xfrm>
+          <a:prstGeom prst="rect">
+            <a:avLst/>
+          </a:prstGeom>
+          <a:solidFill>
+            <a:schemeClr val="accent6">
+              <a:lumMod val="75000"/>
+            </a:schemeClr>
+          </a:solidFill>
+        </p:spPr>
+        <p:style>
+          <a:lnRef idx="1">
+            <a:schemeClr val="accent1"/>
+          </a:lnRef>
+          <a:fillRef idx="3">
+            <a:schemeClr val="accent1"/>
+          </a:fillRef>
+          <a:effectRef idx="2">
+            <a:schemeClr val="accent1"/>
+          </a:effectRef>
+          <a:fontRef idx="minor">
+            <a:schemeClr val="lt1"/>
+          </a:fontRef>
+        </p:style>
+        <p:txBody>
+          <a:bodyPr rtlCol="0" anchor="ctr"/>
+          <a:lstStyle/>
+          <a:p>
+            <a:pPr algn="ctr"/>
+            <a:r>
+              <a:rPr kumimoji="1" lang="en-US" altLang="zh-CN" dirty="0" smtClean="0">
+                <a:latin typeface="Microsoft YaHei"/>
+                <a:ea typeface="Microsoft YaHei"/>
+                <a:cs typeface="Microsoft YaHei"/>
+              </a:rPr>
+              <a:t>5</a:t>
+            </a:r>
+            <a:endParaRPr kumimoji="1" lang="zh-CN" altLang="en-US" dirty="0">
+              <a:latin typeface="Microsoft YaHei"/>
+              <a:ea typeface="Microsoft YaHei"/>
+              <a:cs typeface="Microsoft YaHei"/>
+            </a:endParaRPr>
+          </a:p>
+        </p:txBody>
+      </p:sp>
+      <p:sp>
+        <p:nvSpPr>
+          <p:cNvPr id="26" name="矩形 25"/>
+          <p:cNvSpPr/>
+          <p:nvPr/>
+        </p:nvSpPr>
+        <p:spPr>
+          <a:xfrm>
+            <a:off x="5146083" y="6145119"/>
+            <a:ext cx="487604" cy="402622"/>
+          </a:xfrm>
+          <a:prstGeom prst="rect">
+            <a:avLst/>
+          </a:prstGeom>
+          <a:solidFill>
+            <a:schemeClr val="accent6">
+              <a:lumMod val="75000"/>
+            </a:schemeClr>
+          </a:solidFill>
+        </p:spPr>
+        <p:style>
+          <a:lnRef idx="1">
+            <a:schemeClr val="accent1"/>
+          </a:lnRef>
+          <a:fillRef idx="3">
+            <a:schemeClr val="accent1"/>
+          </a:fillRef>
+          <a:effectRef idx="2">
+            <a:schemeClr val="accent1"/>
+          </a:effectRef>
+          <a:fontRef idx="minor">
+            <a:schemeClr val="lt1"/>
+          </a:fontRef>
+        </p:style>
+        <p:txBody>
+          <a:bodyPr rtlCol="0" anchor="ctr"/>
+          <a:lstStyle/>
+          <a:p>
+            <a:pPr algn="ctr"/>
+            <a:r>
+              <a:rPr kumimoji="1" lang="en-US" altLang="zh-CN" dirty="0" smtClean="0">
+                <a:latin typeface="Microsoft YaHei"/>
+                <a:ea typeface="Microsoft YaHei"/>
+                <a:cs typeface="Microsoft YaHei"/>
+              </a:rPr>
+              <a:t>6</a:t>
+            </a:r>
+            <a:endParaRPr kumimoji="1" lang="zh-CN" altLang="en-US" dirty="0">
+              <a:latin typeface="Microsoft YaHei"/>
+              <a:ea typeface="Microsoft YaHei"/>
+              <a:cs typeface="Microsoft YaHei"/>
+            </a:endParaRPr>
+          </a:p>
+        </p:txBody>
+      </p:sp>
+      <p:sp>
+        <p:nvSpPr>
+          <p:cNvPr id="27" name="矩形 26"/>
+          <p:cNvSpPr/>
+          <p:nvPr/>
+        </p:nvSpPr>
+        <p:spPr>
+          <a:xfrm>
+            <a:off x="3305576" y="4155930"/>
+            <a:ext cx="975209" cy="402622"/>
+          </a:xfrm>
+          <a:prstGeom prst="rect">
+            <a:avLst/>
+          </a:prstGeom>
+          <a:solidFill>
+            <a:schemeClr val="accent6">
+              <a:lumMod val="75000"/>
+            </a:schemeClr>
+          </a:solidFill>
+        </p:spPr>
+        <p:style>
+          <a:lnRef idx="1">
+            <a:schemeClr val="accent1"/>
+          </a:lnRef>
+          <a:fillRef idx="3">
+            <a:schemeClr val="accent1"/>
+          </a:fillRef>
+          <a:effectRef idx="2">
+            <a:schemeClr val="accent1"/>
+          </a:effectRef>
+          <a:fontRef idx="minor">
+            <a:schemeClr val="lt1"/>
+          </a:fontRef>
+        </p:style>
+        <p:txBody>
+          <a:bodyPr rtlCol="0" anchor="ctr"/>
+          <a:lstStyle/>
+          <a:p>
+            <a:pPr algn="ctr"/>
+            <a:r>
+              <a:rPr kumimoji="1" lang="zh-CN" altLang="zh-CN" dirty="0">
+                <a:latin typeface="Microsoft YaHei"/>
+                <a:ea typeface="Microsoft YaHei"/>
+                <a:cs typeface="Microsoft YaHei"/>
+              </a:rPr>
+              <a:t>d</a:t>
+            </a:r>
+            <a:r>
+              <a:rPr kumimoji="1" lang="en-US" altLang="zh-CN" dirty="0" smtClean="0">
+                <a:latin typeface="Microsoft YaHei"/>
+                <a:ea typeface="Microsoft YaHei"/>
+                <a:cs typeface="Microsoft YaHei"/>
+              </a:rPr>
+              <a:t>s-1-1</a:t>
+            </a:r>
+            <a:endParaRPr kumimoji="1" lang="zh-CN" altLang="en-US" dirty="0">
+              <a:latin typeface="Microsoft YaHei"/>
+              <a:ea typeface="Microsoft YaHei"/>
+              <a:cs typeface="Microsoft YaHei"/>
+            </a:endParaRPr>
+          </a:p>
+        </p:txBody>
+      </p:sp>
+      <p:sp>
+        <p:nvSpPr>
+          <p:cNvPr id="28" name="矩形 27"/>
+          <p:cNvSpPr/>
+          <p:nvPr/>
+        </p:nvSpPr>
+        <p:spPr>
+          <a:xfrm>
+            <a:off x="3305576" y="4558552"/>
+            <a:ext cx="975209" cy="402622"/>
+          </a:xfrm>
+          <a:prstGeom prst="rect">
+            <a:avLst/>
+          </a:prstGeom>
+          <a:solidFill>
+            <a:schemeClr val="accent6">
+              <a:lumMod val="75000"/>
+            </a:schemeClr>
+          </a:solidFill>
+        </p:spPr>
+        <p:style>
+          <a:lnRef idx="1">
+            <a:schemeClr val="accent1"/>
+          </a:lnRef>
+          <a:fillRef idx="3">
+            <a:schemeClr val="accent1"/>
+          </a:fillRef>
+          <a:effectRef idx="2">
+            <a:schemeClr val="accent1"/>
+          </a:effectRef>
+          <a:fontRef idx="minor">
+            <a:schemeClr val="lt1"/>
+          </a:fontRef>
+        </p:style>
+        <p:txBody>
+          <a:bodyPr rtlCol="0" anchor="ctr"/>
+          <a:lstStyle/>
+          <a:p>
+            <a:pPr algn="ctr"/>
+            <a:r>
+              <a:rPr kumimoji="1" lang="zh-CN" altLang="zh-CN" dirty="0">
+                <a:latin typeface="Microsoft YaHei"/>
+                <a:ea typeface="Microsoft YaHei"/>
+                <a:cs typeface="Microsoft YaHei"/>
+              </a:rPr>
+              <a:t>d</a:t>
+            </a:r>
+            <a:r>
+              <a:rPr kumimoji="1" lang="en-US" altLang="zh-CN" dirty="0" smtClean="0">
+                <a:latin typeface="Microsoft YaHei"/>
+                <a:ea typeface="Microsoft YaHei"/>
+                <a:cs typeface="Microsoft YaHei"/>
+              </a:rPr>
+              <a:t>s-1-2</a:t>
+            </a:r>
+            <a:endParaRPr kumimoji="1" lang="zh-CN" altLang="en-US" dirty="0">
+              <a:latin typeface="Microsoft YaHei"/>
+              <a:ea typeface="Microsoft YaHei"/>
+              <a:cs typeface="Microsoft YaHei"/>
+            </a:endParaRPr>
+          </a:p>
+        </p:txBody>
+      </p:sp>
+      <p:sp>
+        <p:nvSpPr>
+          <p:cNvPr id="29" name="矩形 28"/>
+          <p:cNvSpPr/>
+          <p:nvPr/>
+        </p:nvSpPr>
+        <p:spPr>
+          <a:xfrm>
+            <a:off x="3305576" y="4962606"/>
+            <a:ext cx="975209" cy="402622"/>
+          </a:xfrm>
+          <a:prstGeom prst="rect">
+            <a:avLst/>
+          </a:prstGeom>
+          <a:solidFill>
+            <a:schemeClr val="accent6">
+              <a:lumMod val="75000"/>
+            </a:schemeClr>
+          </a:solidFill>
+        </p:spPr>
+        <p:style>
+          <a:lnRef idx="1">
+            <a:schemeClr val="accent1"/>
+          </a:lnRef>
+          <a:fillRef idx="3">
+            <a:schemeClr val="accent1"/>
+          </a:fillRef>
+          <a:effectRef idx="2">
+            <a:schemeClr val="accent1"/>
+          </a:effectRef>
+          <a:fontRef idx="minor">
+            <a:schemeClr val="lt1"/>
+          </a:fontRef>
+        </p:style>
+        <p:txBody>
+          <a:bodyPr rtlCol="0" anchor="ctr"/>
+          <a:lstStyle/>
+          <a:p>
+            <a:pPr algn="ctr"/>
+            <a:r>
+              <a:rPr kumimoji="1" lang="zh-CN" altLang="zh-CN" dirty="0">
+                <a:latin typeface="Microsoft YaHei"/>
+                <a:ea typeface="Microsoft YaHei"/>
+                <a:cs typeface="Microsoft YaHei"/>
+              </a:rPr>
+              <a:t>d</a:t>
+            </a:r>
+            <a:r>
+              <a:rPr kumimoji="1" lang="en-US" altLang="zh-CN" dirty="0" smtClean="0">
+                <a:latin typeface="Microsoft YaHei"/>
+                <a:ea typeface="Microsoft YaHei"/>
+                <a:cs typeface="Microsoft YaHei"/>
+              </a:rPr>
+              <a:t>s-1-3</a:t>
+            </a:r>
+            <a:endParaRPr kumimoji="1" lang="zh-CN" altLang="en-US" dirty="0">
+              <a:latin typeface="Microsoft YaHei"/>
+              <a:ea typeface="Microsoft YaHei"/>
+              <a:cs typeface="Microsoft YaHei"/>
+            </a:endParaRPr>
+          </a:p>
+        </p:txBody>
+      </p:sp>
+      <p:sp>
+        <p:nvSpPr>
+          <p:cNvPr id="30" name="矩形 29"/>
+          <p:cNvSpPr/>
+          <p:nvPr/>
+        </p:nvSpPr>
+        <p:spPr>
+          <a:xfrm>
+            <a:off x="3305576" y="5365228"/>
+            <a:ext cx="975209" cy="402622"/>
+          </a:xfrm>
+          <a:prstGeom prst="rect">
+            <a:avLst/>
+          </a:prstGeom>
+          <a:solidFill>
+            <a:schemeClr val="accent6">
+              <a:lumMod val="75000"/>
+            </a:schemeClr>
+          </a:solidFill>
+        </p:spPr>
+        <p:style>
+          <a:lnRef idx="1">
+            <a:schemeClr val="accent1"/>
+          </a:lnRef>
+          <a:fillRef idx="3">
+            <a:schemeClr val="accent1"/>
+          </a:fillRef>
+          <a:effectRef idx="2">
+            <a:schemeClr val="accent1"/>
+          </a:effectRef>
+          <a:fontRef idx="minor">
+            <a:schemeClr val="lt1"/>
+          </a:fontRef>
+        </p:style>
+        <p:txBody>
+          <a:bodyPr rtlCol="0" anchor="ctr"/>
+          <a:lstStyle/>
+          <a:p>
+            <a:pPr algn="ctr"/>
+            <a:r>
+              <a:rPr kumimoji="1" lang="en-US" altLang="zh-CN" dirty="0" smtClean="0">
+                <a:latin typeface="Microsoft YaHei"/>
+                <a:ea typeface="Microsoft YaHei"/>
+                <a:cs typeface="Microsoft YaHei"/>
+              </a:rPr>
+              <a:t>ds-</a:t>
+            </a:r>
+            <a:r>
+              <a:rPr kumimoji="1" lang="zh-CN" altLang="zh-CN" dirty="0">
+                <a:latin typeface="Microsoft YaHei"/>
+                <a:ea typeface="Microsoft YaHei"/>
+                <a:cs typeface="Microsoft YaHei"/>
+              </a:rPr>
+              <a:t>2</a:t>
+            </a:r>
+            <a:r>
+              <a:rPr kumimoji="1" lang="en-US" altLang="zh-CN" dirty="0" smtClean="0">
+                <a:latin typeface="Microsoft YaHei"/>
+                <a:ea typeface="Microsoft YaHei"/>
+                <a:cs typeface="Microsoft YaHei"/>
+              </a:rPr>
+              <a:t>-1</a:t>
+            </a:r>
+            <a:endParaRPr kumimoji="1" lang="zh-CN" altLang="en-US" dirty="0">
+              <a:latin typeface="Microsoft YaHei"/>
+              <a:ea typeface="Microsoft YaHei"/>
+              <a:cs typeface="Microsoft YaHei"/>
+            </a:endParaRPr>
+          </a:p>
+        </p:txBody>
+      </p:sp>
+      <p:sp>
+        <p:nvSpPr>
+          <p:cNvPr id="31" name="矩形 30"/>
+          <p:cNvSpPr/>
+          <p:nvPr/>
+        </p:nvSpPr>
+        <p:spPr>
+          <a:xfrm>
+            <a:off x="3305576" y="5768898"/>
+            <a:ext cx="975209" cy="402622"/>
+          </a:xfrm>
+          <a:prstGeom prst="rect">
+            <a:avLst/>
+          </a:prstGeom>
+          <a:solidFill>
+            <a:schemeClr val="accent6">
+              <a:lumMod val="75000"/>
+            </a:schemeClr>
+          </a:solidFill>
+        </p:spPr>
+        <p:style>
+          <a:lnRef idx="1">
+            <a:schemeClr val="accent1"/>
+          </a:lnRef>
+          <a:fillRef idx="3">
+            <a:schemeClr val="accent1"/>
+          </a:fillRef>
+          <a:effectRef idx="2">
+            <a:schemeClr val="accent1"/>
+          </a:effectRef>
+          <a:fontRef idx="minor">
+            <a:schemeClr val="lt1"/>
+          </a:fontRef>
+        </p:style>
+        <p:txBody>
+          <a:bodyPr rtlCol="0" anchor="ctr"/>
+          <a:lstStyle/>
+          <a:p>
+            <a:pPr algn="ctr"/>
+            <a:r>
+              <a:rPr kumimoji="1" lang="zh-CN" altLang="zh-CN" dirty="0">
+                <a:latin typeface="Microsoft YaHei"/>
+                <a:ea typeface="Microsoft YaHei"/>
+                <a:cs typeface="Microsoft YaHei"/>
+              </a:rPr>
+              <a:t>d</a:t>
+            </a:r>
+            <a:r>
+              <a:rPr kumimoji="1" lang="en-US" altLang="zh-CN" dirty="0" smtClean="0">
+                <a:latin typeface="Microsoft YaHei"/>
+                <a:ea typeface="Microsoft YaHei"/>
+                <a:cs typeface="Microsoft YaHei"/>
+              </a:rPr>
+              <a:t>s-</a:t>
+            </a:r>
+            <a:r>
+              <a:rPr kumimoji="1" lang="zh-CN" altLang="zh-CN" dirty="0" smtClean="0">
+                <a:latin typeface="Microsoft YaHei"/>
+                <a:ea typeface="Microsoft YaHei"/>
+                <a:cs typeface="Microsoft YaHei"/>
+              </a:rPr>
+              <a:t>2</a:t>
+            </a:r>
+            <a:r>
+              <a:rPr kumimoji="1" lang="en-US" altLang="zh-CN" dirty="0" smtClean="0">
+                <a:latin typeface="Microsoft YaHei"/>
+                <a:ea typeface="Microsoft YaHei"/>
+                <a:cs typeface="Microsoft YaHei"/>
+              </a:rPr>
+              <a:t>-1</a:t>
+            </a:r>
+            <a:endParaRPr kumimoji="1" lang="zh-CN" altLang="en-US" dirty="0">
+              <a:latin typeface="Microsoft YaHei"/>
+              <a:ea typeface="Microsoft YaHei"/>
+              <a:cs typeface="Microsoft YaHei"/>
+            </a:endParaRPr>
+          </a:p>
+        </p:txBody>
+      </p:sp>
+      <p:sp>
+        <p:nvSpPr>
+          <p:cNvPr id="32" name="矩形 31"/>
+          <p:cNvSpPr/>
+          <p:nvPr/>
+        </p:nvSpPr>
+        <p:spPr>
+          <a:xfrm>
+            <a:off x="3305576" y="6171520"/>
+            <a:ext cx="975209" cy="402622"/>
+          </a:xfrm>
+          <a:prstGeom prst="rect">
+            <a:avLst/>
+          </a:prstGeom>
+          <a:solidFill>
+            <a:schemeClr val="accent6">
+              <a:lumMod val="75000"/>
+            </a:schemeClr>
+          </a:solidFill>
+        </p:spPr>
+        <p:style>
+          <a:lnRef idx="1">
+            <a:schemeClr val="accent1"/>
+          </a:lnRef>
+          <a:fillRef idx="3">
+            <a:schemeClr val="accent1"/>
+          </a:fillRef>
+          <a:effectRef idx="2">
+            <a:schemeClr val="accent1"/>
+          </a:effectRef>
+          <a:fontRef idx="minor">
+            <a:schemeClr val="lt1"/>
+          </a:fontRef>
+        </p:style>
+        <p:txBody>
+          <a:bodyPr rtlCol="0" anchor="ctr"/>
+          <a:lstStyle/>
+          <a:p>
+            <a:pPr algn="ctr"/>
+            <a:r>
+              <a:rPr kumimoji="1" lang="zh-CN" altLang="zh-CN" dirty="0">
+                <a:latin typeface="Microsoft YaHei"/>
+                <a:ea typeface="Microsoft YaHei"/>
+                <a:cs typeface="Microsoft YaHei"/>
+              </a:rPr>
+              <a:t>d</a:t>
+            </a:r>
+            <a:r>
+              <a:rPr kumimoji="1" lang="en-US" altLang="zh-CN" dirty="0" smtClean="0">
+                <a:latin typeface="Microsoft YaHei"/>
+                <a:ea typeface="Microsoft YaHei"/>
+                <a:cs typeface="Microsoft YaHei"/>
+              </a:rPr>
+              <a:t>s-</a:t>
+            </a:r>
+            <a:r>
+              <a:rPr kumimoji="1" lang="zh-CN" altLang="zh-CN" dirty="0">
+                <a:latin typeface="Microsoft YaHei"/>
+                <a:ea typeface="Microsoft YaHei"/>
+                <a:cs typeface="Microsoft YaHei"/>
+              </a:rPr>
+              <a:t>2</a:t>
+            </a:r>
+            <a:r>
+              <a:rPr kumimoji="1" lang="en-US" altLang="zh-CN" dirty="0" smtClean="0">
+                <a:latin typeface="Microsoft YaHei"/>
+                <a:ea typeface="Microsoft YaHei"/>
+                <a:cs typeface="Microsoft YaHei"/>
+              </a:rPr>
+              <a:t>-1</a:t>
+            </a:r>
+            <a:endParaRPr kumimoji="1" lang="zh-CN" altLang="en-US" dirty="0">
+              <a:latin typeface="Microsoft YaHei"/>
+              <a:ea typeface="Microsoft YaHei"/>
+              <a:cs typeface="Microsoft YaHei"/>
+            </a:endParaRPr>
+          </a:p>
+        </p:txBody>
+      </p:sp>
+      <p:sp>
+        <p:nvSpPr>
+          <p:cNvPr id="33" name="矩形 32"/>
+          <p:cNvSpPr/>
+          <p:nvPr/>
+        </p:nvSpPr>
+        <p:spPr>
+          <a:xfrm>
+            <a:off x="2817972" y="4155930"/>
+            <a:ext cx="487604" cy="402622"/>
+          </a:xfrm>
+          <a:prstGeom prst="rect">
+            <a:avLst/>
+          </a:prstGeom>
+          <a:solidFill>
+            <a:schemeClr val="accent6">
+              <a:lumMod val="75000"/>
+            </a:schemeClr>
+          </a:solidFill>
+        </p:spPr>
+        <p:style>
+          <a:lnRef idx="1">
+            <a:schemeClr val="accent1"/>
+          </a:lnRef>
+          <a:fillRef idx="3">
+            <a:schemeClr val="accent1"/>
+          </a:fillRef>
+          <a:effectRef idx="2">
+            <a:schemeClr val="accent1"/>
+          </a:effectRef>
+          <a:fontRef idx="minor">
+            <a:schemeClr val="lt1"/>
+          </a:fontRef>
+        </p:style>
+        <p:txBody>
+          <a:bodyPr rtlCol="0" anchor="ctr"/>
+          <a:lstStyle/>
+          <a:p>
+            <a:pPr algn="ctr"/>
+            <a:r>
+              <a:rPr kumimoji="1" lang="en-US" altLang="zh-CN" dirty="0" smtClean="0">
+                <a:latin typeface="Microsoft YaHei"/>
+                <a:ea typeface="Microsoft YaHei"/>
+                <a:cs typeface="Microsoft YaHei"/>
+              </a:rPr>
+              <a:t>1</a:t>
+            </a:r>
+            <a:endParaRPr kumimoji="1" lang="zh-CN" altLang="en-US" dirty="0">
+              <a:latin typeface="Microsoft YaHei"/>
+              <a:ea typeface="Microsoft YaHei"/>
+              <a:cs typeface="Microsoft YaHei"/>
+            </a:endParaRPr>
+          </a:p>
+        </p:txBody>
+      </p:sp>
+      <p:sp>
+        <p:nvSpPr>
+          <p:cNvPr id="34" name="矩形 33"/>
+          <p:cNvSpPr/>
+          <p:nvPr/>
+        </p:nvSpPr>
+        <p:spPr>
+          <a:xfrm>
+            <a:off x="2817972" y="4558552"/>
+            <a:ext cx="487604" cy="402622"/>
+          </a:xfrm>
+          <a:prstGeom prst="rect">
+            <a:avLst/>
+          </a:prstGeom>
+          <a:solidFill>
+            <a:schemeClr val="accent6">
+              <a:lumMod val="75000"/>
+            </a:schemeClr>
+          </a:solidFill>
+        </p:spPr>
+        <p:style>
+          <a:lnRef idx="1">
+            <a:schemeClr val="accent1"/>
+          </a:lnRef>
+          <a:fillRef idx="3">
+            <a:schemeClr val="accent1"/>
+          </a:fillRef>
+          <a:effectRef idx="2">
+            <a:schemeClr val="accent1"/>
+          </a:effectRef>
+          <a:fontRef idx="minor">
+            <a:schemeClr val="lt1"/>
+          </a:fontRef>
+        </p:style>
+        <p:txBody>
+          <a:bodyPr rtlCol="0" anchor="ctr"/>
+          <a:lstStyle/>
+          <a:p>
+            <a:pPr algn="ctr"/>
+            <a:r>
+              <a:rPr kumimoji="1" lang="en-US" altLang="zh-CN" dirty="0" smtClean="0">
+                <a:latin typeface="Microsoft YaHei"/>
+                <a:ea typeface="Microsoft YaHei"/>
+                <a:cs typeface="Microsoft YaHei"/>
+              </a:rPr>
+              <a:t>2</a:t>
+            </a:r>
+            <a:endParaRPr kumimoji="1" lang="zh-CN" altLang="en-US" dirty="0">
+              <a:latin typeface="Microsoft YaHei"/>
+              <a:ea typeface="Microsoft YaHei"/>
+              <a:cs typeface="Microsoft YaHei"/>
+            </a:endParaRPr>
+          </a:p>
+        </p:txBody>
+      </p:sp>
+      <p:sp>
+        <p:nvSpPr>
+          <p:cNvPr id="35" name="矩形 34"/>
+          <p:cNvSpPr/>
+          <p:nvPr/>
+        </p:nvSpPr>
+        <p:spPr>
+          <a:xfrm>
+            <a:off x="2817972" y="4962606"/>
+            <a:ext cx="487604" cy="402622"/>
+          </a:xfrm>
+          <a:prstGeom prst="rect">
+            <a:avLst/>
+          </a:prstGeom>
+          <a:solidFill>
+            <a:schemeClr val="accent6">
+              <a:lumMod val="75000"/>
+            </a:schemeClr>
+          </a:solidFill>
+        </p:spPr>
+        <p:style>
+          <a:lnRef idx="1">
+            <a:schemeClr val="accent1"/>
+          </a:lnRef>
+          <a:fillRef idx="3">
+            <a:schemeClr val="accent1"/>
+          </a:fillRef>
+          <a:effectRef idx="2">
+            <a:schemeClr val="accent1"/>
+          </a:effectRef>
+          <a:fontRef idx="minor">
+            <a:schemeClr val="lt1"/>
+          </a:fontRef>
+        </p:style>
+        <p:txBody>
+          <a:bodyPr rtlCol="0" anchor="ctr"/>
+          <a:lstStyle/>
+          <a:p>
+            <a:pPr algn="ctr"/>
+            <a:r>
+              <a:rPr kumimoji="1" lang="en-US" altLang="zh-CN" dirty="0" smtClean="0">
+                <a:latin typeface="Microsoft YaHei"/>
+                <a:ea typeface="Microsoft YaHei"/>
+                <a:cs typeface="Microsoft YaHei"/>
+              </a:rPr>
+              <a:t>3</a:t>
+            </a:r>
+            <a:endParaRPr kumimoji="1" lang="zh-CN" altLang="en-US" dirty="0">
+              <a:latin typeface="Microsoft YaHei"/>
+              <a:ea typeface="Microsoft YaHei"/>
+              <a:cs typeface="Microsoft YaHei"/>
+            </a:endParaRPr>
+          </a:p>
+        </p:txBody>
+      </p:sp>
+      <p:sp>
+        <p:nvSpPr>
+          <p:cNvPr id="36" name="矩形 35"/>
+          <p:cNvSpPr/>
+          <p:nvPr/>
+        </p:nvSpPr>
+        <p:spPr>
+          <a:xfrm>
+            <a:off x="2817972" y="5365228"/>
+            <a:ext cx="487604" cy="402622"/>
+          </a:xfrm>
+          <a:prstGeom prst="rect">
+            <a:avLst/>
+          </a:prstGeom>
+          <a:solidFill>
+            <a:schemeClr val="accent6">
+              <a:lumMod val="75000"/>
+            </a:schemeClr>
+          </a:solidFill>
+        </p:spPr>
+        <p:style>
+          <a:lnRef idx="1">
+            <a:schemeClr val="accent1"/>
+          </a:lnRef>
+          <a:fillRef idx="3">
+            <a:schemeClr val="accent1"/>
+          </a:fillRef>
+          <a:effectRef idx="2">
+            <a:schemeClr val="accent1"/>
+          </a:effectRef>
+          <a:fontRef idx="minor">
+            <a:schemeClr val="lt1"/>
+          </a:fontRef>
+        </p:style>
+        <p:txBody>
+          <a:bodyPr rtlCol="0" anchor="ctr"/>
+          <a:lstStyle/>
+          <a:p>
+            <a:pPr algn="ctr"/>
+            <a:r>
+              <a:rPr kumimoji="1" lang="en-US" altLang="zh-CN" dirty="0" smtClean="0">
+                <a:latin typeface="Microsoft YaHei"/>
+                <a:ea typeface="Microsoft YaHei"/>
+                <a:cs typeface="Microsoft YaHei"/>
+              </a:rPr>
+              <a:t>4</a:t>
+            </a:r>
+            <a:endParaRPr kumimoji="1" lang="zh-CN" altLang="en-US" dirty="0">
+              <a:latin typeface="Microsoft YaHei"/>
+              <a:ea typeface="Microsoft YaHei"/>
+              <a:cs typeface="Microsoft YaHei"/>
+            </a:endParaRPr>
+          </a:p>
+        </p:txBody>
+      </p:sp>
+      <p:sp>
+        <p:nvSpPr>
+          <p:cNvPr id="37" name="矩形 36"/>
+          <p:cNvSpPr/>
+          <p:nvPr/>
+        </p:nvSpPr>
+        <p:spPr>
+          <a:xfrm>
+            <a:off x="2817972" y="5768898"/>
+            <a:ext cx="487604" cy="402622"/>
+          </a:xfrm>
+          <a:prstGeom prst="rect">
+            <a:avLst/>
+          </a:prstGeom>
+          <a:solidFill>
+            <a:schemeClr val="accent6">
+              <a:lumMod val="75000"/>
+            </a:schemeClr>
+          </a:solidFill>
+        </p:spPr>
+        <p:style>
+          <a:lnRef idx="1">
+            <a:schemeClr val="accent1"/>
+          </a:lnRef>
+          <a:fillRef idx="3">
+            <a:schemeClr val="accent1"/>
+          </a:fillRef>
+          <a:effectRef idx="2">
+            <a:schemeClr val="accent1"/>
+          </a:effectRef>
+          <a:fontRef idx="minor">
+            <a:schemeClr val="lt1"/>
+          </a:fontRef>
+        </p:style>
+        <p:txBody>
+          <a:bodyPr rtlCol="0" anchor="ctr"/>
+          <a:lstStyle/>
+          <a:p>
+            <a:pPr algn="ctr"/>
+            <a:r>
+              <a:rPr kumimoji="1" lang="en-US" altLang="zh-CN" dirty="0" smtClean="0">
+                <a:latin typeface="Microsoft YaHei"/>
+                <a:ea typeface="Microsoft YaHei"/>
+                <a:cs typeface="Microsoft YaHei"/>
+              </a:rPr>
+              <a:t>5</a:t>
+            </a:r>
+            <a:endParaRPr kumimoji="1" lang="zh-CN" altLang="en-US" dirty="0">
+              <a:latin typeface="Microsoft YaHei"/>
+              <a:ea typeface="Microsoft YaHei"/>
+              <a:cs typeface="Microsoft YaHei"/>
+            </a:endParaRPr>
+          </a:p>
+        </p:txBody>
+      </p:sp>
+      <p:sp>
+        <p:nvSpPr>
+          <p:cNvPr id="38" name="矩形 37"/>
+          <p:cNvSpPr/>
+          <p:nvPr/>
+        </p:nvSpPr>
+        <p:spPr>
+          <a:xfrm>
+            <a:off x="2817972" y="6171520"/>
+            <a:ext cx="487604" cy="402622"/>
+          </a:xfrm>
+          <a:prstGeom prst="rect">
+            <a:avLst/>
+          </a:prstGeom>
+          <a:solidFill>
+            <a:schemeClr val="accent6">
+              <a:lumMod val="75000"/>
+            </a:schemeClr>
+          </a:solidFill>
+        </p:spPr>
+        <p:style>
+          <a:lnRef idx="1">
+            <a:schemeClr val="accent1"/>
+          </a:lnRef>
+          <a:fillRef idx="3">
+            <a:schemeClr val="accent1"/>
+          </a:fillRef>
+          <a:effectRef idx="2">
+            <a:schemeClr val="accent1"/>
+          </a:effectRef>
+          <a:fontRef idx="minor">
+            <a:schemeClr val="lt1"/>
+          </a:fontRef>
+        </p:style>
+        <p:txBody>
+          <a:bodyPr rtlCol="0" anchor="ctr"/>
+          <a:lstStyle/>
+          <a:p>
+            <a:pPr algn="ctr"/>
+            <a:r>
+              <a:rPr kumimoji="1" lang="en-US" altLang="zh-CN" dirty="0" smtClean="0">
+                <a:latin typeface="Microsoft YaHei"/>
+                <a:ea typeface="Microsoft YaHei"/>
+                <a:cs typeface="Microsoft YaHei"/>
+              </a:rPr>
+              <a:t>6</a:t>
+            </a:r>
+            <a:endParaRPr kumimoji="1" lang="zh-CN" altLang="en-US" dirty="0">
+              <a:latin typeface="Microsoft YaHei"/>
+              <a:ea typeface="Microsoft YaHei"/>
+              <a:cs typeface="Microsoft YaHei"/>
+            </a:endParaRPr>
+          </a:p>
+        </p:txBody>
+      </p:sp>
+      <p:cxnSp>
+        <p:nvCxnSpPr>
+          <p:cNvPr id="40" name="直线连接符 39"/>
+          <p:cNvCxnSpPr/>
+          <p:nvPr/>
+        </p:nvCxnSpPr>
+        <p:spPr>
+          <a:xfrm>
+            <a:off x="4280785" y="4155930"/>
+            <a:ext cx="865298" cy="0"/>
+          </a:xfrm>
+          <a:prstGeom prst="line">
+            <a:avLst/>
+          </a:prstGeom>
+          <a:ln w="3175" cmpd="sng">
+            <a:prstDash val="dot"/>
+          </a:ln>
+        </p:spPr>
+        <p:style>
+          <a:lnRef idx="2">
+            <a:schemeClr val="accent1"/>
+          </a:lnRef>
+          <a:fillRef idx="0">
+            <a:schemeClr val="accent1"/>
+          </a:fillRef>
+          <a:effectRef idx="1">
+            <a:schemeClr val="accent1"/>
+          </a:effectRef>
+          <a:fontRef idx="minor">
+            <a:schemeClr val="tx1"/>
+          </a:fontRef>
+        </p:style>
+      </p:cxnSp>
+      <p:cxnSp>
+        <p:nvCxnSpPr>
+          <p:cNvPr id="43" name="直线连接符 42"/>
+          <p:cNvCxnSpPr/>
+          <p:nvPr/>
+        </p:nvCxnSpPr>
+        <p:spPr>
+          <a:xfrm>
+            <a:off x="4280785" y="4558552"/>
+            <a:ext cx="865298" cy="1986115"/>
+          </a:xfrm>
+          <a:prstGeom prst="line">
+            <a:avLst/>
+          </a:prstGeom>
+          <a:ln w="3175" cmpd="sng">
+            <a:prstDash val="dot"/>
+          </a:ln>
+        </p:spPr>
+        <p:style>
+          <a:lnRef idx="2">
+            <a:schemeClr val="accent1"/>
+          </a:lnRef>
+          <a:fillRef idx="0">
+            <a:schemeClr val="accent1"/>
+          </a:fillRef>
+          <a:effectRef idx="1">
+            <a:schemeClr val="accent1"/>
+          </a:effectRef>
+          <a:fontRef idx="minor">
+            <a:schemeClr val="tx1"/>
+          </a:fontRef>
+        </p:style>
+      </p:cxnSp>
+      <p:sp>
+        <p:nvSpPr>
+          <p:cNvPr id="44" name="矩形 43"/>
+          <p:cNvSpPr/>
+          <p:nvPr/>
+        </p:nvSpPr>
+        <p:spPr>
+          <a:xfrm>
+            <a:off x="34018" y="4304523"/>
+            <a:ext cx="1167984" cy="1600438"/>
+          </a:xfrm>
+          <a:prstGeom prst="rect">
+            <a:avLst/>
+          </a:prstGeom>
+          <a:ln w="3175" cmpd="sng">
+            <a:solidFill>
+              <a:srgbClr val="4F81BD"/>
+            </a:solidFill>
+          </a:ln>
+        </p:spPr>
+        <p:txBody>
+          <a:bodyPr wrap="square">
+            <a:spAutoFit/>
+          </a:bodyPr>
+          <a:lstStyle/>
+          <a:p>
+            <a:r>
+              <a:rPr kumimoji="1" lang="zh-CN" altLang="zh-CN" sz="1400" dirty="0">
+                <a:latin typeface="Microsoft YaHei"/>
+                <a:ea typeface="Microsoft YaHei"/>
+                <a:cs typeface="Microsoft YaHei"/>
+              </a:rPr>
+              <a:t>s</a:t>
+            </a:r>
+            <a:r>
+              <a:rPr kumimoji="1" lang="en-US" altLang="zh-CN" sz="1400" dirty="0" smtClean="0">
+                <a:latin typeface="Microsoft YaHei"/>
+                <a:ea typeface="Microsoft YaHei"/>
+                <a:cs typeface="Microsoft YaHei"/>
+              </a:rPr>
+              <a:t>elect</a:t>
+            </a:r>
+            <a:r>
+              <a:rPr kumimoji="1" lang="zh-CN" altLang="en-US" sz="1400" dirty="0" smtClean="0">
+                <a:latin typeface="Microsoft YaHei"/>
+                <a:ea typeface="Microsoft YaHei"/>
+                <a:cs typeface="Microsoft YaHei"/>
+              </a:rPr>
+              <a:t> * </a:t>
+            </a:r>
+            <a:r>
+              <a:rPr kumimoji="1" lang="en-US" altLang="zh-CN" sz="1400" dirty="0" smtClean="0">
+                <a:latin typeface="Microsoft YaHei"/>
+                <a:ea typeface="Microsoft YaHei"/>
+                <a:cs typeface="Microsoft YaHei"/>
+              </a:rPr>
+              <a:t>from</a:t>
+            </a:r>
+            <a:r>
+              <a:rPr kumimoji="1" lang="zh-CN" altLang="en-US" sz="1400" dirty="0" smtClean="0">
+                <a:latin typeface="Microsoft YaHei"/>
+                <a:ea typeface="Microsoft YaHei"/>
+                <a:cs typeface="Microsoft YaHei"/>
+              </a:rPr>
+              <a:t> </a:t>
+            </a:r>
+            <a:r>
+              <a:rPr kumimoji="1" lang="en-US" altLang="zh-CN" sz="1400" dirty="0" smtClean="0">
+                <a:latin typeface="Microsoft YaHei"/>
+                <a:ea typeface="Microsoft YaHei"/>
+                <a:cs typeface="Microsoft YaHei"/>
+              </a:rPr>
+              <a:t>table</a:t>
+            </a:r>
+            <a:r>
+              <a:rPr kumimoji="1" lang="zh-CN" altLang="en-US" sz="1400" dirty="0" smtClean="0">
+                <a:latin typeface="Microsoft YaHei"/>
+                <a:ea typeface="Microsoft YaHei"/>
+                <a:cs typeface="Microsoft YaHei"/>
+              </a:rPr>
+              <a:t> </a:t>
+            </a:r>
+            <a:r>
+              <a:rPr kumimoji="1" lang="en-US" altLang="zh-CN" sz="1400" dirty="0" smtClean="0">
+                <a:latin typeface="Microsoft YaHei"/>
+                <a:ea typeface="Microsoft YaHei"/>
+                <a:cs typeface="Microsoft YaHei"/>
+              </a:rPr>
+              <a:t>where</a:t>
+            </a:r>
+            <a:r>
+              <a:rPr kumimoji="1" lang="zh-CN" altLang="en-US" sz="1400" dirty="0" smtClean="0">
+                <a:latin typeface="Microsoft YaHei"/>
+                <a:ea typeface="Microsoft YaHei"/>
+                <a:cs typeface="Microsoft YaHei"/>
+              </a:rPr>
+              <a:t> </a:t>
+            </a:r>
+            <a:r>
+              <a:rPr kumimoji="1" lang="en-US" altLang="zh-CN" sz="1400" dirty="0" smtClean="0">
+                <a:latin typeface="Microsoft YaHei"/>
+                <a:ea typeface="Microsoft YaHei"/>
+                <a:cs typeface="Microsoft YaHei"/>
+              </a:rPr>
+              <a:t>filed1=‘</a:t>
+            </a:r>
+            <a:r>
+              <a:rPr kumimoji="1" lang="en-US" altLang="zh-CN" sz="1400" dirty="0" err="1" smtClean="0">
+                <a:latin typeface="Microsoft YaHei"/>
+                <a:ea typeface="Microsoft YaHei"/>
+                <a:cs typeface="Microsoft YaHei"/>
+              </a:rPr>
+              <a:t>aa</a:t>
+            </a:r>
+            <a:r>
+              <a:rPr kumimoji="1" lang="en-US" altLang="zh-CN" sz="1400" dirty="0" smtClean="0">
+                <a:latin typeface="Microsoft YaHei"/>
+                <a:ea typeface="Microsoft YaHei"/>
+                <a:cs typeface="Microsoft YaHei"/>
+              </a:rPr>
+              <a:t>’</a:t>
+            </a:r>
+            <a:r>
+              <a:rPr kumimoji="1" lang="zh-CN" altLang="en-US" sz="1400" dirty="0" smtClean="0">
+                <a:latin typeface="Microsoft YaHei"/>
+                <a:ea typeface="Microsoft YaHei"/>
+                <a:cs typeface="Microsoft YaHei"/>
+              </a:rPr>
+              <a:t> </a:t>
+            </a:r>
+            <a:r>
+              <a:rPr kumimoji="1" lang="en-US" altLang="zh-CN" sz="1400" dirty="0" smtClean="0">
+                <a:latin typeface="Microsoft YaHei"/>
+                <a:ea typeface="Microsoft YaHei"/>
+                <a:cs typeface="Microsoft YaHei"/>
+              </a:rPr>
+              <a:t>and</a:t>
+            </a:r>
+            <a:r>
+              <a:rPr kumimoji="1" lang="zh-CN" altLang="en-US" sz="1400" dirty="0" smtClean="0">
+                <a:latin typeface="Microsoft YaHei"/>
+                <a:ea typeface="Microsoft YaHei"/>
+                <a:cs typeface="Microsoft YaHei"/>
+              </a:rPr>
+              <a:t> </a:t>
+            </a:r>
+            <a:r>
+              <a:rPr kumimoji="1" lang="en-US" altLang="zh-CN" sz="1400" dirty="0" smtClean="0">
+                <a:latin typeface="Microsoft YaHei"/>
+                <a:ea typeface="Microsoft YaHei"/>
+                <a:cs typeface="Microsoft YaHei"/>
+              </a:rPr>
+              <a:t>field2=‘bb’</a:t>
+            </a:r>
+            <a:endParaRPr kumimoji="1" lang="zh-CN" altLang="en-US" sz="1400" dirty="0">
+              <a:latin typeface="Microsoft YaHei"/>
+              <a:ea typeface="Microsoft YaHei"/>
+              <a:cs typeface="Microsoft YaHei"/>
+            </a:endParaRPr>
+          </a:p>
+        </p:txBody>
+      </p:sp>
+      <p:sp>
+        <p:nvSpPr>
+          <p:cNvPr id="45" name="矩形 44"/>
+          <p:cNvSpPr/>
+          <p:nvPr/>
+        </p:nvSpPr>
+        <p:spPr>
+          <a:xfrm>
+            <a:off x="1441022" y="4837383"/>
+            <a:ext cx="1075625" cy="523220"/>
+          </a:xfrm>
+          <a:prstGeom prst="rect">
+            <a:avLst/>
+          </a:prstGeom>
+          <a:ln>
+            <a:solidFill>
+              <a:srgbClr val="4F81BD"/>
+            </a:solidFill>
+          </a:ln>
+        </p:spPr>
+        <p:txBody>
+          <a:bodyPr wrap="square">
+            <a:spAutoFit/>
+          </a:bodyPr>
+          <a:lstStyle/>
+          <a:p>
+            <a:r>
+              <a:rPr lang="zh-CN" altLang="zh-CN" sz="1400" dirty="0">
+                <a:solidFill>
+                  <a:srgbClr val="000000"/>
+                </a:solidFill>
+                <a:latin typeface="Microsoft YaHei"/>
+                <a:ea typeface="Microsoft YaHei"/>
+                <a:cs typeface="Microsoft YaHei"/>
+              </a:rPr>
+              <a:t>h</a:t>
+            </a:r>
+            <a:r>
+              <a:rPr lang="en-US" altLang="zh-CN" sz="1400" dirty="0">
+                <a:solidFill>
+                  <a:srgbClr val="000000"/>
+                </a:solidFill>
+                <a:latin typeface="Microsoft YaHei"/>
+                <a:ea typeface="Microsoft YaHei"/>
+                <a:cs typeface="Microsoft YaHei"/>
+              </a:rPr>
+              <a:t>ash(field1,field2…)</a:t>
+            </a:r>
+            <a:endParaRPr kumimoji="1" lang="zh-CN" altLang="en-US" sz="1400" dirty="0">
+              <a:solidFill>
+                <a:srgbClr val="000000"/>
+              </a:solidFill>
+              <a:latin typeface="Microsoft YaHei"/>
+              <a:ea typeface="Microsoft YaHei"/>
+              <a:cs typeface="Microsoft YaHei"/>
+            </a:endParaRPr>
+          </a:p>
+        </p:txBody>
+      </p:sp>
+      <p:cxnSp>
+        <p:nvCxnSpPr>
+          <p:cNvPr id="47" name="直线箭头连接符 46"/>
+          <p:cNvCxnSpPr>
+            <a:stCxn id="44" idx="3"/>
+            <a:endCxn id="45" idx="1"/>
+          </p:cNvCxnSpPr>
+          <p:nvPr/>
+        </p:nvCxnSpPr>
+        <p:spPr>
+          <a:xfrm flipV="1">
+            <a:off x="1202002" y="5098993"/>
+            <a:ext cx="239020" cy="5749"/>
+          </a:xfrm>
+          <a:prstGeom prst="straightConnector1">
+            <a:avLst/>
+          </a:prstGeom>
+          <a:ln w="38100" cmpd="sng">
+            <a:solidFill>
+              <a:srgbClr val="008000"/>
+            </a:solidFill>
+            <a:tailEnd type="arrow"/>
+          </a:ln>
+        </p:spPr>
+        <p:style>
+          <a:lnRef idx="2">
+            <a:schemeClr val="accent1"/>
+          </a:lnRef>
+          <a:fillRef idx="0">
+            <a:schemeClr val="accent1"/>
+          </a:fillRef>
+          <a:effectRef idx="1">
+            <a:schemeClr val="accent1"/>
+          </a:effectRef>
+          <a:fontRef idx="minor">
+            <a:schemeClr val="tx1"/>
+          </a:fontRef>
+        </p:style>
+      </p:cxnSp>
+      <p:cxnSp>
+        <p:nvCxnSpPr>
+          <p:cNvPr id="49" name="直线箭头连接符 48"/>
+          <p:cNvCxnSpPr>
+            <a:stCxn id="45" idx="3"/>
+            <a:endCxn id="33" idx="1"/>
+          </p:cNvCxnSpPr>
+          <p:nvPr/>
+        </p:nvCxnSpPr>
+        <p:spPr>
+          <a:xfrm flipV="1">
+            <a:off x="2516647" y="4357241"/>
+            <a:ext cx="301325" cy="741752"/>
+          </a:xfrm>
+          <a:prstGeom prst="straightConnector1">
+            <a:avLst/>
+          </a:prstGeom>
+          <a:ln w="38100" cmpd="sng">
+            <a:solidFill>
+              <a:srgbClr val="008000"/>
+            </a:solidFill>
+            <a:tailEnd type="arrow"/>
+          </a:ln>
+        </p:spPr>
+        <p:style>
+          <a:lnRef idx="2">
+            <a:schemeClr val="accent1"/>
+          </a:lnRef>
+          <a:fillRef idx="0">
+            <a:schemeClr val="accent1"/>
+          </a:fillRef>
+          <a:effectRef idx="1">
+            <a:schemeClr val="accent1"/>
+          </a:effectRef>
+          <a:fontRef idx="minor">
+            <a:schemeClr val="tx1"/>
+          </a:fontRef>
+        </p:style>
+      </p:cxnSp>
+      <p:cxnSp>
+        <p:nvCxnSpPr>
+          <p:cNvPr id="51" name="直线箭头连接符 50"/>
+          <p:cNvCxnSpPr>
+            <a:stCxn id="27" idx="3"/>
+            <a:endCxn id="23" idx="1"/>
+          </p:cNvCxnSpPr>
+          <p:nvPr/>
+        </p:nvCxnSpPr>
+        <p:spPr>
+          <a:xfrm>
+            <a:off x="4280785" y="4357241"/>
+            <a:ext cx="865298" cy="780275"/>
+          </a:xfrm>
+          <a:prstGeom prst="straightConnector1">
+            <a:avLst/>
+          </a:prstGeom>
+          <a:ln w="38100" cmpd="sng">
+            <a:solidFill>
+              <a:srgbClr val="008000"/>
+            </a:solidFill>
+            <a:tailEnd type="arrow"/>
+          </a:ln>
+        </p:spPr>
+        <p:style>
+          <a:lnRef idx="2">
+            <a:schemeClr val="accent1"/>
+          </a:lnRef>
+          <a:fillRef idx="0">
+            <a:schemeClr val="accent1"/>
+          </a:fillRef>
+          <a:effectRef idx="1">
+            <a:schemeClr val="accent1"/>
+          </a:effectRef>
+          <a:fontRef idx="minor">
+            <a:schemeClr val="tx1"/>
+          </a:fontRef>
+        </p:style>
+      </p:cxnSp>
+    </p:spTree>
+    <p:extLst>
+      <p:ext uri="{BB962C8B-B14F-4D97-AF65-F5344CB8AC3E}">
+        <p14:creationId xmlns:p14="http://schemas.microsoft.com/office/powerpoint/2010/main" val="2921918983"/>
+      </p:ext>
+    </p:extLst>
+  </p:cSld>
+  <p:clrMapOvr>
+    <a:masterClrMapping/>
+  </p:clrMapOvr>
+</p:sld>
+</file>
+
+<file path=ppt/slides/slide7.xml><?xml version="1.0" encoding="utf-8"?>
+<p:sld xmlns:a="http://schemas.openxmlformats.org/drawingml/2006/main" xmlns:r="http://schemas.openxmlformats.org/officeDocument/2006/relationships" xmlns:p="http://schemas.openxmlformats.org/presentationml/2006/main">
+  <p:cSld>
+    <p:spTree>
+      <p:nvGrpSpPr>
+        <p:cNvPr id="1" name=""/>
+        <p:cNvGrpSpPr/>
+        <p:nvPr/>
+      </p:nvGrpSpPr>
+      <p:grpSpPr>
+        <a:xfrm>
+          <a:off x="0" y="0"/>
+          <a:ext cx="0" cy="0"/>
+          <a:chOff x="0" y="0"/>
+          <a:chExt cx="0" cy="0"/>
+        </a:xfrm>
+      </p:grpSpPr>
+      <p:sp>
+        <p:nvSpPr>
+          <p:cNvPr id="2" name="标题 1"/>
+          <p:cNvSpPr>
+            <a:spLocks noGrp="1"/>
+          </p:cNvSpPr>
+          <p:nvPr>
+            <p:ph type="title"/>
+          </p:nvPr>
+        </p:nvSpPr>
+        <p:spPr/>
+        <p:txBody>
+          <a:bodyPr/>
+          <a:lstStyle/>
+          <a:p>
+            <a:pPr algn="l"/>
+            <a:r>
+              <a:rPr kumimoji="1" lang="zh-CN" altLang="en-US" dirty="0" smtClean="0"/>
+              <a:t>难点</a:t>
+            </a:r>
+            <a:endParaRPr kumimoji="1" lang="zh-CN" altLang="en-US" dirty="0"/>
+          </a:p>
+        </p:txBody>
+      </p:sp>
+      <p:sp>
+        <p:nvSpPr>
+          <p:cNvPr id="3" name="内容占位符 2"/>
+          <p:cNvSpPr>
+            <a:spLocks noGrp="1"/>
+          </p:cNvSpPr>
+          <p:nvPr>
+            <p:ph idx="1"/>
+          </p:nvPr>
+        </p:nvSpPr>
+        <p:spPr/>
+        <p:txBody>
+          <a:bodyPr/>
+          <a:lstStyle/>
+          <a:p>
+            <a:r>
+              <a:rPr kumimoji="1" lang="zh-CN" altLang="en-US" dirty="0" smtClean="0"/>
+              <a:t>一致性</a:t>
+            </a:r>
+            <a:r>
+              <a:rPr kumimoji="1" lang="en-US" altLang="zh-CN" dirty="0" smtClean="0"/>
+              <a:t>HASH</a:t>
+            </a:r>
+            <a:r>
+              <a:rPr kumimoji="1" lang="zh-CN" altLang="en-US" dirty="0" smtClean="0"/>
+              <a:t>时，扩容时数据迁移问题。</a:t>
+            </a:r>
+            <a:endParaRPr kumimoji="1" lang="zh-CN" altLang="en-US" dirty="0"/>
+          </a:p>
+        </p:txBody>
+      </p:sp>
+    </p:spTree>
+    <p:extLst>
+      <p:ext uri="{BB962C8B-B14F-4D97-AF65-F5344CB8AC3E}">
+        <p14:creationId xmlns:p14="http://schemas.microsoft.com/office/powerpoint/2010/main" val="2118825358"/>
       </p:ext>
     </p:extLst>
   </p:cSld>
